--- a/milestones/Group_Presentation_Volatility_Amish.pptx
+++ b/milestones/Group_Presentation_Volatility_Amish.pptx
@@ -5,7 +5,7 @@
     <p:sldMasterId id="2147483648" r:id="rId1"/>
   </p:sldMasterIdLst>
   <p:notesMasterIdLst>
-    <p:notesMasterId r:id="rId19"/>
+    <p:notesMasterId r:id="rId23"/>
   </p:notesMasterIdLst>
   <p:sldIdLst>
     <p:sldId id="256" r:id="rId2"/>
@@ -18,13 +18,17 @@
     <p:sldId id="267" r:id="rId9"/>
     <p:sldId id="262" r:id="rId10"/>
     <p:sldId id="270" r:id="rId11"/>
-    <p:sldId id="269" r:id="rId12"/>
-    <p:sldId id="265" r:id="rId13"/>
-    <p:sldId id="268" r:id="rId14"/>
-    <p:sldId id="271" r:id="rId15"/>
-    <p:sldId id="266" r:id="rId16"/>
-    <p:sldId id="264" r:id="rId17"/>
-    <p:sldId id="273" r:id="rId18"/>
+    <p:sldId id="275" r:id="rId12"/>
+    <p:sldId id="269" r:id="rId13"/>
+    <p:sldId id="274" r:id="rId14"/>
+    <p:sldId id="276" r:id="rId15"/>
+    <p:sldId id="265" r:id="rId16"/>
+    <p:sldId id="268" r:id="rId17"/>
+    <p:sldId id="271" r:id="rId18"/>
+    <p:sldId id="264" r:id="rId19"/>
+    <p:sldId id="277" r:id="rId20"/>
+    <p:sldId id="273" r:id="rId21"/>
+    <p:sldId id="266" r:id="rId22"/>
   </p:sldIdLst>
   <p:sldSz cx="9144000" cy="6858000" type="screen4x3"/>
   <p:notesSz cx="6858000" cy="9144000"/>
@@ -628,6 +632,193 @@
 </p:notes>
 </file>
 
+<file path=ppt/notesSlides/notesSlide10.xml><?xml version="1.0" encoding="utf-8"?>
+<p:notes xmlns:a="http://schemas.openxmlformats.org/drawingml/2006/main" xmlns:r="http://schemas.openxmlformats.org/officeDocument/2006/relationships" xmlns:p="http://schemas.openxmlformats.org/presentationml/2006/main">
+  <p:cSld>
+    <p:spTree>
+      <p:nvGrpSpPr>
+        <p:cNvPr id="1" name=""/>
+        <p:cNvGrpSpPr/>
+        <p:nvPr/>
+      </p:nvGrpSpPr>
+      <p:grpSpPr>
+        <a:xfrm>
+          <a:off x="0" y="0"/>
+          <a:ext cx="0" cy="0"/>
+          <a:chOff x="0" y="0"/>
+          <a:chExt cx="0" cy="0"/>
+        </a:xfrm>
+      </p:grpSpPr>
+      <p:sp>
+        <p:nvSpPr>
+          <p:cNvPr id="2" name="Slide Image Placeholder 1"/>
+          <p:cNvSpPr>
+            <a:spLocks noGrp="1" noRot="1" noChangeAspect="1"/>
+          </p:cNvSpPr>
+          <p:nvPr>
+            <p:ph type="sldImg"/>
+          </p:nvPr>
+        </p:nvSpPr>
+        <p:spPr/>
+      </p:sp>
+      <p:sp>
+        <p:nvSpPr>
+          <p:cNvPr id="3" name="Notes Placeholder 2"/>
+          <p:cNvSpPr>
+            <a:spLocks noGrp="1"/>
+          </p:cNvSpPr>
+          <p:nvPr>
+            <p:ph type="body" idx="1"/>
+          </p:nvPr>
+        </p:nvSpPr>
+        <p:spPr/>
+        <p:txBody>
+          <a:bodyPr/>
+          <a:lstStyle/>
+          <a:p>
+            <a:r>
+              <a:rPr lang="en-CA" dirty="0" smtClean="0"/>
+              <a:t>What does this slide tell us:</a:t>
+            </a:r>
+            <a:endParaRPr lang="en-US" dirty="0" smtClean="0"/>
+          </a:p>
+          <a:p>
+            <a:r>
+              <a:rPr lang="en-CA" dirty="0" smtClean="0"/>
+              <a:t>-</a:t>
+            </a:r>
+            <a:r>
+              <a:rPr lang="en-CA" baseline="0" dirty="0" smtClean="0"/>
+              <a:t> Across all buckets, many metrics are strongly correlated. This is good and bad – good that they validate each other, but bad that they do not offer much new knowledge.</a:t>
+            </a:r>
+            <a:endParaRPr lang="en-CA" dirty="0" smtClean="0"/>
+          </a:p>
+        </p:txBody>
+      </p:sp>
+      <p:sp>
+        <p:nvSpPr>
+          <p:cNvPr id="4" name="Slide Number Placeholder 3"/>
+          <p:cNvSpPr>
+            <a:spLocks noGrp="1"/>
+          </p:cNvSpPr>
+          <p:nvPr>
+            <p:ph type="sldNum" sz="quarter" idx="10"/>
+          </p:nvPr>
+        </p:nvSpPr>
+        <p:spPr/>
+        <p:txBody>
+          <a:bodyPr/>
+          <a:lstStyle/>
+          <a:p>
+            <a:fld id="{34574B59-0BD7-417A-AEA6-FF8431D8BFDA}" type="slidenum">
+              <a:rPr lang="en-US" smtClean="0"/>
+              <a:t>16</a:t>
+            </a:fld>
+            <a:endParaRPr lang="en-US"/>
+          </a:p>
+        </p:txBody>
+      </p:sp>
+    </p:spTree>
+    <p:extLst>
+      <p:ext uri="{BB962C8B-B14F-4D97-AF65-F5344CB8AC3E}">
+        <p14:creationId xmlns:p14="http://schemas.microsoft.com/office/powerpoint/2010/main" val="1033964426"/>
+      </p:ext>
+    </p:extLst>
+  </p:cSld>
+  <p:clrMapOvr>
+    <a:masterClrMapping/>
+  </p:clrMapOvr>
+</p:notes>
+</file>
+
+<file path=ppt/notesSlides/notesSlide11.xml><?xml version="1.0" encoding="utf-8"?>
+<p:notes xmlns:a="http://schemas.openxmlformats.org/drawingml/2006/main" xmlns:r="http://schemas.openxmlformats.org/officeDocument/2006/relationships" xmlns:p="http://schemas.openxmlformats.org/presentationml/2006/main">
+  <p:cSld>
+    <p:spTree>
+      <p:nvGrpSpPr>
+        <p:cNvPr id="1" name=""/>
+        <p:cNvGrpSpPr/>
+        <p:nvPr/>
+      </p:nvGrpSpPr>
+      <p:grpSpPr>
+        <a:xfrm>
+          <a:off x="0" y="0"/>
+          <a:ext cx="0" cy="0"/>
+          <a:chOff x="0" y="0"/>
+          <a:chExt cx="0" cy="0"/>
+        </a:xfrm>
+      </p:grpSpPr>
+      <p:sp>
+        <p:nvSpPr>
+          <p:cNvPr id="2" name="Slide Image Placeholder 1"/>
+          <p:cNvSpPr>
+            <a:spLocks noGrp="1" noRot="1" noChangeAspect="1"/>
+          </p:cNvSpPr>
+          <p:nvPr>
+            <p:ph type="sldImg"/>
+          </p:nvPr>
+        </p:nvSpPr>
+        <p:spPr/>
+      </p:sp>
+      <p:sp>
+        <p:nvSpPr>
+          <p:cNvPr id="3" name="Notes Placeholder 2"/>
+          <p:cNvSpPr>
+            <a:spLocks noGrp="1"/>
+          </p:cNvSpPr>
+          <p:nvPr>
+            <p:ph type="body" idx="1"/>
+          </p:nvPr>
+        </p:nvSpPr>
+        <p:spPr/>
+        <p:txBody>
+          <a:bodyPr/>
+          <a:lstStyle/>
+          <a:p>
+            <a:r>
+              <a:rPr lang="en-CA" dirty="0" smtClean="0"/>
+              <a:t>only considered 5 versions (4 change files)</a:t>
+            </a:r>
+            <a:endParaRPr lang="en-US" dirty="0"/>
+          </a:p>
+        </p:txBody>
+      </p:sp>
+      <p:sp>
+        <p:nvSpPr>
+          <p:cNvPr id="4" name="Slide Number Placeholder 3"/>
+          <p:cNvSpPr>
+            <a:spLocks noGrp="1"/>
+          </p:cNvSpPr>
+          <p:nvPr>
+            <p:ph type="sldNum" sz="quarter" idx="10"/>
+          </p:nvPr>
+        </p:nvSpPr>
+        <p:spPr/>
+        <p:txBody>
+          <a:bodyPr/>
+          <a:lstStyle/>
+          <a:p>
+            <a:fld id="{34574B59-0BD7-417A-AEA6-FF8431D8BFDA}" type="slidenum">
+              <a:rPr lang="en-US" smtClean="0"/>
+              <a:t>17</a:t>
+            </a:fld>
+            <a:endParaRPr lang="en-US"/>
+          </a:p>
+        </p:txBody>
+      </p:sp>
+    </p:spTree>
+    <p:extLst>
+      <p:ext uri="{BB962C8B-B14F-4D97-AF65-F5344CB8AC3E}">
+        <p14:creationId xmlns:p14="http://schemas.microsoft.com/office/powerpoint/2010/main" val="1435883360"/>
+      </p:ext>
+    </p:extLst>
+  </p:cSld>
+  <p:clrMapOvr>
+    <a:masterClrMapping/>
+  </p:clrMapOvr>
+</p:notes>
+</file>
+
 <file path=ppt/notesSlides/notesSlide2.xml><?xml version="1.0" encoding="utf-8"?>
 <p:notes xmlns:a="http://schemas.openxmlformats.org/drawingml/2006/main" xmlns:r="http://schemas.openxmlformats.org/officeDocument/2006/relationships" xmlns:p="http://schemas.openxmlformats.org/presentationml/2006/main">
   <p:cSld>
@@ -1183,22 +1374,7 @@
           <a:bodyPr/>
           <a:lstStyle/>
           <a:p>
-            <a:r>
-              <a:rPr lang="en-CA" dirty="0" smtClean="0"/>
-              <a:t>What does this slide tell us:</a:t>
-            </a:r>
-            <a:endParaRPr lang="en-US" dirty="0" smtClean="0"/>
-          </a:p>
-          <a:p>
-            <a:r>
-              <a:rPr lang="en-CA" dirty="0" smtClean="0"/>
-              <a:t>-</a:t>
-            </a:r>
-            <a:r>
-              <a:rPr lang="en-CA" baseline="0" dirty="0" smtClean="0"/>
-              <a:t> Across all buckets, many metrics are strongly correlated. This is good and bad – good that they validate each other, but bad that they do not offer much new knowledge.</a:t>
-            </a:r>
-            <a:endParaRPr lang="en-CA" dirty="0" smtClean="0"/>
+            <a:endParaRPr lang="en-US" dirty="0"/>
           </a:p>
         </p:txBody>
       </p:sp>
@@ -1219,7 +1395,7 @@
           <a:p>
             <a:fld id="{34574B59-0BD7-417A-AEA6-FF8431D8BFDA}" type="slidenum">
               <a:rPr lang="en-US" smtClean="0"/>
-              <a:t>13</a:t>
+              <a:t>11</a:t>
             </a:fld>
             <a:endParaRPr lang="en-US"/>
           </a:p>
@@ -1228,7 +1404,266 @@
     </p:spTree>
     <p:extLst>
       <p:ext uri="{BB962C8B-B14F-4D97-AF65-F5344CB8AC3E}">
-        <p14:creationId xmlns:p14="http://schemas.microsoft.com/office/powerpoint/2010/main" val="1033964426"/>
+        <p14:creationId xmlns:p14="http://schemas.microsoft.com/office/powerpoint/2010/main" val="3063420183"/>
+      </p:ext>
+    </p:extLst>
+  </p:cSld>
+  <p:clrMapOvr>
+    <a:masterClrMapping/>
+  </p:clrMapOvr>
+</p:notes>
+</file>
+
+<file path=ppt/notesSlides/notesSlide8.xml><?xml version="1.0" encoding="utf-8"?>
+<p:notes xmlns:a="http://schemas.openxmlformats.org/drawingml/2006/main" xmlns:r="http://schemas.openxmlformats.org/officeDocument/2006/relationships" xmlns:p="http://schemas.openxmlformats.org/presentationml/2006/main">
+  <p:cSld>
+    <p:spTree>
+      <p:nvGrpSpPr>
+        <p:cNvPr id="1" name=""/>
+        <p:cNvGrpSpPr/>
+        <p:nvPr/>
+      </p:nvGrpSpPr>
+      <p:grpSpPr>
+        <a:xfrm>
+          <a:off x="0" y="0"/>
+          <a:ext cx="0" cy="0"/>
+          <a:chOff x="0" y="0"/>
+          <a:chExt cx="0" cy="0"/>
+        </a:xfrm>
+      </p:grpSpPr>
+      <p:sp>
+        <p:nvSpPr>
+          <p:cNvPr id="2" name="Slide Image Placeholder 1"/>
+          <p:cNvSpPr>
+            <a:spLocks noGrp="1" noRot="1" noChangeAspect="1"/>
+          </p:cNvSpPr>
+          <p:nvPr>
+            <p:ph type="sldImg"/>
+          </p:nvPr>
+        </p:nvSpPr>
+        <p:spPr/>
+      </p:sp>
+      <p:sp>
+        <p:nvSpPr>
+          <p:cNvPr id="3" name="Notes Placeholder 2"/>
+          <p:cNvSpPr>
+            <a:spLocks noGrp="1"/>
+          </p:cNvSpPr>
+          <p:nvPr>
+            <p:ph type="body" idx="1"/>
+          </p:nvPr>
+        </p:nvSpPr>
+        <p:spPr/>
+        <p:txBody>
+          <a:bodyPr/>
+          <a:lstStyle/>
+          <a:p>
+            <a:r>
+              <a:rPr lang="en-CA" dirty="0" smtClean="0"/>
+              <a:t>The above rule indicates the following:</a:t>
+            </a:r>
+          </a:p>
+          <a:p>
+            <a:pPr lvl="1"/>
+            <a:r>
+              <a:rPr lang="en-CA" dirty="0" smtClean="0"/>
+              <a:t>Whenever a developer changes something in </a:t>
+            </a:r>
+            <a:r>
+              <a:rPr lang="en-CA" sz="2600" dirty="0" smtClean="0">
+                <a:latin typeface="Consolas" panose="020B0609020204030204" pitchFamily="49" charset="0"/>
+                <a:cs typeface="Consolas" panose="020B0609020204030204" pitchFamily="49" charset="0"/>
+              </a:rPr>
+              <a:t>P4Change.java</a:t>
+            </a:r>
+            <a:r>
+              <a:rPr lang="en-CA" dirty="0" smtClean="0"/>
+              <a:t> then he should also pay more attention to </a:t>
+            </a:r>
+            <a:r>
+              <a:rPr lang="en-CA" sz="2600" dirty="0" smtClean="0">
+                <a:latin typeface="Consolas" panose="020B0609020204030204" pitchFamily="49" charset="0"/>
+                <a:cs typeface="Consolas" panose="020B0609020204030204" pitchFamily="49" charset="0"/>
+              </a:rPr>
+              <a:t>P4Counter.java</a:t>
+            </a:r>
+          </a:p>
+          <a:p>
+            <a:endParaRPr lang="en-US" dirty="0"/>
+          </a:p>
+        </p:txBody>
+      </p:sp>
+      <p:sp>
+        <p:nvSpPr>
+          <p:cNvPr id="4" name="Slide Number Placeholder 3"/>
+          <p:cNvSpPr>
+            <a:spLocks noGrp="1"/>
+          </p:cNvSpPr>
+          <p:nvPr>
+            <p:ph type="sldNum" sz="quarter" idx="10"/>
+          </p:nvPr>
+        </p:nvSpPr>
+        <p:spPr/>
+        <p:txBody>
+          <a:bodyPr/>
+          <a:lstStyle/>
+          <a:p>
+            <a:fld id="{34574B59-0BD7-417A-AEA6-FF8431D8BFDA}" type="slidenum">
+              <a:rPr lang="en-US" smtClean="0"/>
+              <a:t>12</a:t>
+            </a:fld>
+            <a:endParaRPr lang="en-US"/>
+          </a:p>
+        </p:txBody>
+      </p:sp>
+    </p:spTree>
+    <p:extLst>
+      <p:ext uri="{BB962C8B-B14F-4D97-AF65-F5344CB8AC3E}">
+        <p14:creationId xmlns:p14="http://schemas.microsoft.com/office/powerpoint/2010/main" val="634705499"/>
+      </p:ext>
+    </p:extLst>
+  </p:cSld>
+  <p:clrMapOvr>
+    <a:masterClrMapping/>
+  </p:clrMapOvr>
+</p:notes>
+</file>
+
+<file path=ppt/notesSlides/notesSlide9.xml><?xml version="1.0" encoding="utf-8"?>
+<p:notes xmlns:a="http://schemas.openxmlformats.org/drawingml/2006/main" xmlns:r="http://schemas.openxmlformats.org/officeDocument/2006/relationships" xmlns:p="http://schemas.openxmlformats.org/presentationml/2006/main">
+  <p:cSld>
+    <p:spTree>
+      <p:nvGrpSpPr>
+        <p:cNvPr id="1" name=""/>
+        <p:cNvGrpSpPr/>
+        <p:nvPr/>
+      </p:nvGrpSpPr>
+      <p:grpSpPr>
+        <a:xfrm>
+          <a:off x="0" y="0"/>
+          <a:ext cx="0" cy="0"/>
+          <a:chOff x="0" y="0"/>
+          <a:chExt cx="0" cy="0"/>
+        </a:xfrm>
+      </p:grpSpPr>
+      <p:sp>
+        <p:nvSpPr>
+          <p:cNvPr id="2" name="Slide Image Placeholder 1"/>
+          <p:cNvSpPr>
+            <a:spLocks noGrp="1" noRot="1" noChangeAspect="1"/>
+          </p:cNvSpPr>
+          <p:nvPr>
+            <p:ph type="sldImg"/>
+          </p:nvPr>
+        </p:nvSpPr>
+        <p:spPr/>
+      </p:sp>
+      <p:sp>
+        <p:nvSpPr>
+          <p:cNvPr id="3" name="Notes Placeholder 2"/>
+          <p:cNvSpPr>
+            <a:spLocks noGrp="1"/>
+          </p:cNvSpPr>
+          <p:nvPr>
+            <p:ph type="body" idx="1"/>
+          </p:nvPr>
+        </p:nvSpPr>
+        <p:spPr/>
+        <p:txBody>
+          <a:bodyPr/>
+          <a:lstStyle/>
+          <a:p>
+            <a:r>
+              <a:rPr lang="en-CA" dirty="0" smtClean="0"/>
+              <a:t>The rules can give important </a:t>
+            </a:r>
+            <a:r>
+              <a:rPr lang="en-CA" b="1" dirty="0" smtClean="0">
+                <a:ln w="1905"/>
+                <a:gradFill>
+                  <a:gsLst>
+                    <a:gs pos="0">
+                      <a:schemeClr val="accent6">
+                        <a:shade val="20000"/>
+                        <a:satMod val="200000"/>
+                      </a:schemeClr>
+                    </a:gs>
+                    <a:gs pos="78000">
+                      <a:schemeClr val="accent6">
+                        <a:tint val="90000"/>
+                        <a:shade val="89000"/>
+                        <a:satMod val="220000"/>
+                      </a:schemeClr>
+                    </a:gs>
+                    <a:gs pos="100000">
+                      <a:schemeClr val="accent6">
+                        <a:tint val="12000"/>
+                        <a:satMod val="255000"/>
+                      </a:schemeClr>
+                    </a:gs>
+                  </a:gsLst>
+                  <a:lin ang="5400000"/>
+                </a:gradFill>
+                <a:effectLst>
+                  <a:innerShdw blurRad="69850" dist="43180" dir="5400000">
+                    <a:srgbClr val="000000">
+                      <a:alpha val="65000"/>
+                    </a:srgbClr>
+                  </a:innerShdw>
+                </a:effectLst>
+              </a:rPr>
+              <a:t>hints </a:t>
+            </a:r>
+            <a:r>
+              <a:rPr lang="en-CA" dirty="0" smtClean="0"/>
+              <a:t>to the developer / team</a:t>
+            </a:r>
+          </a:p>
+          <a:p>
+            <a:pPr lvl="1"/>
+            <a:r>
+              <a:rPr lang="en-CA" dirty="0" smtClean="0"/>
+              <a:t>Probabilistic model to help with </a:t>
+            </a:r>
+            <a:r>
+              <a:rPr lang="en-CA" i="1" dirty="0" smtClean="0"/>
+              <a:t>related</a:t>
+            </a:r>
+            <a:r>
+              <a:rPr lang="en-CA" dirty="0" smtClean="0"/>
+              <a:t> code changes</a:t>
+            </a:r>
+            <a:endParaRPr lang="en-US" dirty="0"/>
+          </a:p>
+        </p:txBody>
+      </p:sp>
+      <p:sp>
+        <p:nvSpPr>
+          <p:cNvPr id="4" name="Slide Number Placeholder 3"/>
+          <p:cNvSpPr>
+            <a:spLocks noGrp="1"/>
+          </p:cNvSpPr>
+          <p:nvPr>
+            <p:ph type="sldNum" sz="quarter" idx="10"/>
+          </p:nvPr>
+        </p:nvSpPr>
+        <p:spPr/>
+        <p:txBody>
+          <a:bodyPr/>
+          <a:lstStyle/>
+          <a:p>
+            <a:fld id="{34574B59-0BD7-417A-AEA6-FF8431D8BFDA}" type="slidenum">
+              <a:rPr lang="en-US" smtClean="0"/>
+              <a:t>13</a:t>
+            </a:fld>
+            <a:endParaRPr lang="en-US"/>
+          </a:p>
+        </p:txBody>
+      </p:sp>
+    </p:spTree>
+    <p:extLst>
+      <p:ext uri="{BB962C8B-B14F-4D97-AF65-F5344CB8AC3E}">
+        <p14:creationId xmlns:p14="http://schemas.microsoft.com/office/powerpoint/2010/main" val="1229225240"/>
       </p:ext>
     </p:extLst>
   </p:cSld>
@@ -4328,13 +4763,13 @@
   <p:clrMapOvr>
     <a:masterClrMapping/>
   </p:clrMapOvr>
-  <mc:AlternateContent xmlns:mc="http://schemas.openxmlformats.org/markup-compatibility/2006" xmlns:p14="http://schemas.microsoft.com/office/powerpoint/2010/main">
-    <mc:Choice Requires="p14">
+  <mc:AlternateContent xmlns:mc="http://schemas.openxmlformats.org/markup-compatibility/2006">
+    <mc:Choice xmlns:p14="http://schemas.microsoft.com/office/powerpoint/2010/main" Requires="p14">
       <p:transition spd="med" p14:dur="700">
         <p:fade/>
       </p:transition>
     </mc:Choice>
-    <mc:Fallback xmlns="">
+    <mc:Fallback>
       <p:transition spd="med">
         <p:fade/>
       </p:transition>
@@ -4615,13 +5050,13 @@
   <p:clrMapOvr>
     <a:masterClrMapping/>
   </p:clrMapOvr>
-  <mc:AlternateContent xmlns:mc="http://schemas.openxmlformats.org/markup-compatibility/2006" xmlns:p14="http://schemas.microsoft.com/office/powerpoint/2010/main">
-    <mc:Choice Requires="p14">
+  <mc:AlternateContent xmlns:mc="http://schemas.openxmlformats.org/markup-compatibility/2006">
+    <mc:Choice xmlns:p14="http://schemas.microsoft.com/office/powerpoint/2010/main" Requires="p14">
       <p:transition spd="med" p14:dur="700">
         <p:fade/>
       </p:transition>
     </mc:Choice>
-    <mc:Fallback xmlns="">
+    <mc:Fallback>
       <p:transition spd="med">
         <p:fade/>
       </p:transition>
@@ -4912,7 +5347,7 @@
           <a:p>
             <a:r>
               <a:rPr lang="en-CA" dirty="0" smtClean="0"/>
-              <a:t>Association Rules</a:t>
+              <a:t>Definition: Support and Confidence</a:t>
             </a:r>
             <a:endParaRPr lang="en-US" dirty="0"/>
           </a:p>
@@ -4930,122 +5365,307 @@
         </p:nvSpPr>
         <p:spPr/>
         <p:txBody>
-          <a:bodyPr/>
+          <a:bodyPr>
+            <a:normAutofit fontScale="92500" lnSpcReduction="20000"/>
+          </a:bodyPr>
           <a:lstStyle/>
           <a:p>
-            <a:r>
-              <a:rPr lang="en-CA" dirty="0" smtClean="0"/>
-              <a:t>Code </a:t>
-            </a:r>
-            <a:r>
-              <a:rPr lang="en-CA" dirty="0"/>
-              <a:t>elements </a:t>
-            </a:r>
-            <a:r>
-              <a:rPr lang="en-CA" dirty="0" smtClean="0"/>
-              <a:t>changed </a:t>
-            </a:r>
-            <a:r>
-              <a:rPr lang="en-CA" dirty="0"/>
-              <a:t>in </a:t>
-            </a:r>
-            <a:r>
-              <a:rPr lang="en-CA" dirty="0" smtClean="0"/>
-              <a:t>a single commit </a:t>
-            </a:r>
-            <a:r>
-              <a:rPr lang="en-CA" dirty="0"/>
-              <a:t>are taken as one </a:t>
-            </a:r>
-            <a:r>
-              <a:rPr lang="en-CA" dirty="0" smtClean="0"/>
-              <a:t>transaction</a:t>
-            </a:r>
-          </a:p>
-          <a:p>
-            <a:r>
-              <a:rPr lang="en-CA" dirty="0" smtClean="0"/>
-              <a:t>Created </a:t>
-            </a:r>
-            <a:r>
-              <a:rPr lang="en-CA" dirty="0"/>
-              <a:t>three different </a:t>
-            </a:r>
-            <a:r>
-              <a:rPr lang="en-CA" dirty="0" smtClean="0"/>
-              <a:t>files </a:t>
-            </a:r>
-            <a:r>
-              <a:rPr lang="en-CA" dirty="0"/>
-              <a:t>for four different versions of apache ant. </a:t>
-            </a:r>
+            <a:endParaRPr lang="en-US" dirty="0" smtClean="0"/>
+          </a:p>
+          <a:p>
             <a:endParaRPr lang="en-CA" dirty="0" smtClean="0"/>
           </a:p>
           <a:p>
-            <a:r>
-              <a:rPr lang="en-CA" dirty="0" smtClean="0"/>
-              <a:t>Applied </a:t>
-            </a:r>
-            <a:r>
-              <a:rPr lang="en-CA" dirty="0" err="1" smtClean="0"/>
-              <a:t>Apriori</a:t>
-            </a:r>
-            <a:r>
-              <a:rPr lang="en-CA" dirty="0" smtClean="0"/>
-              <a:t> </a:t>
-            </a:r>
-            <a:r>
-              <a:rPr lang="en-CA" dirty="0"/>
-              <a:t>algorithm to get the association </a:t>
-            </a:r>
-            <a:r>
-              <a:rPr lang="en-CA" dirty="0" smtClean="0"/>
-              <a:t>rule</a:t>
-            </a:r>
+            <a:endParaRPr lang="en-US" dirty="0"/>
+          </a:p>
+          <a:p>
+            <a:r>
+              <a:rPr lang="en-US" dirty="0" smtClean="0"/>
+              <a:t>An </a:t>
+            </a:r>
+            <a:r>
+              <a:rPr lang="en-US" dirty="0"/>
+              <a:t>example frequent </a:t>
+            </a:r>
+            <a:r>
+              <a:rPr lang="en-US" dirty="0" err="1" smtClean="0"/>
+              <a:t>itemset</a:t>
+            </a:r>
+            <a:r>
+              <a:rPr lang="en-US" dirty="0"/>
+              <a:t>:   </a:t>
+            </a:r>
+            <a:endParaRPr lang="en-US" dirty="0" smtClean="0"/>
           </a:p>
           <a:p>
             <a:pPr lvl="1"/>
             <a:r>
-              <a:rPr lang="en-CA" dirty="0" smtClean="0"/>
-              <a:t>Minimum support: 9</a:t>
-            </a:r>
-            <a:r>
-              <a:rPr lang="en-CA" dirty="0"/>
-              <a:t>% </a:t>
-            </a:r>
-            <a:endParaRPr lang="en-CA" dirty="0" smtClean="0"/>
+              <a:rPr lang="en-US" dirty="0" smtClean="0"/>
+              <a:t>{</a:t>
+            </a:r>
+            <a:r>
+              <a:rPr lang="en-US" dirty="0"/>
+              <a:t>Chicken, </a:t>
+            </a:r>
+            <a:r>
+              <a:rPr lang="en-US" dirty="0" smtClean="0"/>
+              <a:t>Clothes, Milk} [</a:t>
+            </a:r>
+            <a:r>
+              <a:rPr lang="en-US" dirty="0"/>
+              <a:t>sup = 3/7</a:t>
+            </a:r>
+            <a:r>
+              <a:rPr lang="en-US" dirty="0" smtClean="0"/>
+              <a:t>] </a:t>
+            </a:r>
+            <a:endParaRPr lang="en-US" dirty="0"/>
+          </a:p>
+          <a:p>
+            <a:r>
+              <a:rPr lang="en-US" dirty="0" smtClean="0"/>
+              <a:t>Association rule </a:t>
+            </a:r>
+            <a:r>
+              <a:rPr lang="en-US" dirty="0"/>
+              <a:t>from the </a:t>
+            </a:r>
+            <a:r>
+              <a:rPr lang="en-US" dirty="0" err="1"/>
+              <a:t>itemset</a:t>
+            </a:r>
+            <a:r>
+              <a:rPr lang="en-US" dirty="0"/>
+              <a:t>: </a:t>
+            </a:r>
+            <a:endParaRPr lang="en-US" dirty="0" smtClean="0"/>
           </a:p>
           <a:p>
             <a:pPr lvl="1"/>
             <a:r>
-              <a:rPr lang="en-CA" dirty="0"/>
-              <a:t>M</a:t>
-            </a:r>
-            <a:r>
-              <a:rPr lang="en-CA" dirty="0" smtClean="0"/>
-              <a:t>inimum confidence: 50%. </a:t>
-            </a:r>
-            <a:endParaRPr lang="en-US" dirty="0"/>
+              <a:rPr lang="en-US" dirty="0" smtClean="0"/>
+              <a:t>{Chicken, Clothes </a:t>
+            </a:r>
+            <a:r>
+              <a:rPr lang="en-US" dirty="0" smtClean="0">
+                <a:sym typeface="Wingdings" panose="05000000000000000000" pitchFamily="2" charset="2"/>
+              </a:rPr>
+              <a:t> </a:t>
+            </a:r>
+            <a:r>
+              <a:rPr lang="en-US" dirty="0" smtClean="0"/>
+              <a:t>Milk} [</a:t>
+            </a:r>
+            <a:r>
+              <a:rPr lang="en-US" dirty="0"/>
+              <a:t>sup = 3/7, </a:t>
+            </a:r>
+            <a:r>
+              <a:rPr lang="en-US" dirty="0" err="1"/>
+              <a:t>conf</a:t>
+            </a:r>
+            <a:r>
+              <a:rPr lang="en-US" dirty="0"/>
+              <a:t> = </a:t>
+            </a:r>
+            <a:r>
+              <a:rPr lang="en-US" dirty="0" smtClean="0"/>
+              <a:t>2/3]</a:t>
+            </a:r>
+          </a:p>
+          <a:p>
+            <a:r>
+              <a:rPr lang="en-US" dirty="0"/>
+              <a:t>Assume:</a:t>
+            </a:r>
+          </a:p>
+          <a:p>
+            <a:pPr lvl="1"/>
+            <a:r>
+              <a:rPr lang="en-US" dirty="0"/>
+              <a:t>Minimum support = 30%</a:t>
+            </a:r>
+          </a:p>
+          <a:p>
+            <a:pPr lvl="1"/>
+            <a:r>
+              <a:rPr lang="en-US" dirty="0"/>
+              <a:t>Minimum confidence = </a:t>
+            </a:r>
+            <a:r>
+              <a:rPr lang="en-US" dirty="0" smtClean="0"/>
+              <a:t>60</a:t>
+            </a:r>
+            <a:r>
+              <a:rPr lang="en-US" dirty="0"/>
+              <a:t>%</a:t>
+            </a:r>
           </a:p>
         </p:txBody>
       </p:sp>
+      <p:graphicFrame>
+        <p:nvGraphicFramePr>
+          <p:cNvPr id="4" name="Table 3"/>
+          <p:cNvGraphicFramePr>
+            <a:graphicFrameLocks noGrp="1"/>
+          </p:cNvGraphicFramePr>
+          <p:nvPr>
+            <p:extLst>
+              <p:ext uri="{D42A27DB-BD31-4B8C-83A1-F6EECF244321}">
+                <p14:modId xmlns:p14="http://schemas.microsoft.com/office/powerpoint/2010/main" val="1335466779"/>
+              </p:ext>
+            </p:extLst>
+          </p:nvPr>
+        </p:nvGraphicFramePr>
+        <p:xfrm>
+          <a:off x="762000" y="1676400"/>
+          <a:ext cx="7543800" cy="1264920"/>
+        </p:xfrm>
+        <a:graphic>
+          <a:graphicData uri="http://schemas.openxmlformats.org/drawingml/2006/table">
+            <a:tbl>
+              <a:tblPr firstRow="1" bandRow="1">
+                <a:tableStyleId>{5C22544A-7EE6-4342-B048-85BDC9FD1C3A}</a:tableStyleId>
+              </a:tblPr>
+              <a:tblGrid>
+                <a:gridCol w="2819400"/>
+                <a:gridCol w="4724400"/>
+              </a:tblGrid>
+              <a:tr h="1264920">
+                <a:tc>
+                  <a:txBody>
+                    <a:bodyPr/>
+                    <a:lstStyle/>
+                    <a:p>
+                      <a:r>
+                        <a:rPr lang="en-US" dirty="0" smtClean="0"/>
+                        <a:t>t1:  Beef, Chicken, Milk</a:t>
+                      </a:r>
+                    </a:p>
+                    <a:p>
+                      <a:r>
+                        <a:rPr lang="en-US" dirty="0" smtClean="0"/>
+                        <a:t>t2:  Beef, Cheese</a:t>
+                      </a:r>
+                    </a:p>
+                    <a:p>
+                      <a:r>
+                        <a:rPr lang="en-US" dirty="0" smtClean="0"/>
+                        <a:t>t3:  Cheese, Boots</a:t>
+                      </a:r>
+                    </a:p>
+                    <a:p>
+                      <a:r>
+                        <a:rPr lang="en-US" dirty="0" smtClean="0"/>
+                        <a:t>t4:  Beef, Chicken, Cheese</a:t>
+                      </a:r>
+                      <a:endParaRPr lang="en-US" dirty="0"/>
+                    </a:p>
+                  </a:txBody>
+                  <a:tcPr/>
+                </a:tc>
+                <a:tc>
+                  <a:txBody>
+                    <a:bodyPr/>
+                    <a:lstStyle/>
+                    <a:p>
+                      <a:r>
+                        <a:rPr lang="en-US" dirty="0" smtClean="0"/>
+                        <a:t>t5:  Beef, </a:t>
+                      </a:r>
+                      <a:r>
+                        <a:rPr lang="en-US" dirty="0" smtClean="0">
+                          <a:solidFill>
+                            <a:srgbClr val="FFFF00"/>
+                          </a:solidFill>
+                        </a:rPr>
+                        <a:t>Chicken, Clothes</a:t>
+                      </a:r>
+                      <a:r>
+                        <a:rPr lang="en-US" dirty="0" smtClean="0"/>
+                        <a:t>, Cheese, </a:t>
+                      </a:r>
+                      <a:r>
+                        <a:rPr lang="en-US" dirty="0" smtClean="0">
+                          <a:solidFill>
+                            <a:srgbClr val="FFFF00"/>
+                          </a:solidFill>
+                        </a:rPr>
+                        <a:t>Milk</a:t>
+                      </a:r>
+                    </a:p>
+                    <a:p>
+                      <a:r>
+                        <a:rPr lang="en-US" dirty="0" smtClean="0"/>
+                        <a:t>t6:  </a:t>
+                      </a:r>
+                      <a:r>
+                        <a:rPr lang="en-US" dirty="0" smtClean="0">
+                          <a:solidFill>
+                            <a:srgbClr val="FFFF00"/>
+                          </a:solidFill>
+                        </a:rPr>
+                        <a:t>Chicken, Clothes, Milk</a:t>
+                      </a:r>
+                    </a:p>
+                    <a:p>
+                      <a:r>
+                        <a:rPr lang="en-US" dirty="0" smtClean="0"/>
+                        <a:t>t7:  </a:t>
+                      </a:r>
+                      <a:r>
+                        <a:rPr lang="en-US" dirty="0" smtClean="0">
+                          <a:solidFill>
+                            <a:srgbClr val="FFFF00"/>
+                          </a:solidFill>
+                        </a:rPr>
+                        <a:t>Chicken, Milk,</a:t>
+                      </a:r>
+                      <a:r>
+                        <a:rPr lang="en-US" dirty="0" smtClean="0">
+                          <a:solidFill>
+                            <a:schemeClr val="bg1"/>
+                          </a:solidFill>
+                        </a:rPr>
+                        <a:t> </a:t>
+                      </a:r>
+                      <a:r>
+                        <a:rPr lang="en-US" dirty="0" smtClean="0">
+                          <a:solidFill>
+                            <a:srgbClr val="FFFF00"/>
+                          </a:solidFill>
+                        </a:rPr>
+                        <a:t>Clothes</a:t>
+                      </a:r>
+                    </a:p>
+                    <a:p>
+                      <a:endParaRPr lang="en-US" dirty="0"/>
+                    </a:p>
+                  </a:txBody>
+                  <a:tcPr/>
+                </a:tc>
+              </a:tr>
+            </a:tbl>
+          </a:graphicData>
+        </a:graphic>
+      </p:graphicFrame>
     </p:spTree>
     <p:extLst>
       <p:ext uri="{BB962C8B-B14F-4D97-AF65-F5344CB8AC3E}">
-        <p14:creationId xmlns:p14="http://schemas.microsoft.com/office/powerpoint/2010/main" val="827279922"/>
+        <p14:creationId xmlns:p14="http://schemas.microsoft.com/office/powerpoint/2010/main" val="858249779"/>
       </p:ext>
     </p:extLst>
   </p:cSld>
   <p:clrMapOvr>
     <a:masterClrMapping/>
   </p:clrMapOvr>
-  <mc:AlternateContent xmlns:mc="http://schemas.openxmlformats.org/markup-compatibility/2006" xmlns:p14="http://schemas.microsoft.com/office/powerpoint/2010/main">
-    <mc:Choice Requires="p14">
+  <mc:AlternateContent xmlns:mc="http://schemas.openxmlformats.org/markup-compatibility/2006">
+    <mc:Choice xmlns:p14="http://schemas.microsoft.com/office/powerpoint/2010/main" Requires="p14">
       <p:transition spd="med" p14:dur="700">
         <p:fade/>
       </p:transition>
     </mc:Choice>
-    <mc:Fallback xmlns="">
+    <mc:Fallback>
       <p:transition spd="med">
         <p:fade/>
       </p:transition>
@@ -5062,6 +5682,965 @@
 </file>
 
 <file path=ppt/slides/slide12.xml><?xml version="1.0" encoding="utf-8"?>
+<p:sld xmlns:a="http://schemas.openxmlformats.org/drawingml/2006/main" xmlns:r="http://schemas.openxmlformats.org/officeDocument/2006/relationships" xmlns:p="http://schemas.openxmlformats.org/presentationml/2006/main">
+  <p:cSld>
+    <p:spTree>
+      <p:nvGrpSpPr>
+        <p:cNvPr id="1" name=""/>
+        <p:cNvGrpSpPr/>
+        <p:nvPr/>
+      </p:nvGrpSpPr>
+      <p:grpSpPr>
+        <a:xfrm>
+          <a:off x="0" y="0"/>
+          <a:ext cx="0" cy="0"/>
+          <a:chOff x="0" y="0"/>
+          <a:chExt cx="0" cy="0"/>
+        </a:xfrm>
+      </p:grpSpPr>
+      <p:sp>
+        <p:nvSpPr>
+          <p:cNvPr id="2" name="Title 1"/>
+          <p:cNvSpPr>
+            <a:spLocks noGrp="1"/>
+          </p:cNvSpPr>
+          <p:nvPr>
+            <p:ph type="title"/>
+          </p:nvPr>
+        </p:nvSpPr>
+        <p:spPr/>
+        <p:txBody>
+          <a:bodyPr/>
+          <a:lstStyle/>
+          <a:p>
+            <a:r>
+              <a:rPr lang="en-CA" dirty="0" smtClean="0"/>
+              <a:t>Association </a:t>
+            </a:r>
+            <a:r>
+              <a:rPr lang="en-CA" dirty="0" smtClean="0"/>
+              <a:t>Rules /1</a:t>
+            </a:r>
+            <a:endParaRPr lang="en-US" dirty="0"/>
+          </a:p>
+        </p:txBody>
+      </p:sp>
+      <p:sp>
+        <p:nvSpPr>
+          <p:cNvPr id="3" name="Content Placeholder 2"/>
+          <p:cNvSpPr>
+            <a:spLocks noGrp="1"/>
+          </p:cNvSpPr>
+          <p:nvPr>
+            <p:ph idx="1"/>
+          </p:nvPr>
+        </p:nvSpPr>
+        <p:spPr/>
+        <p:txBody>
+          <a:bodyPr>
+            <a:normAutofit/>
+          </a:bodyPr>
+          <a:lstStyle/>
+          <a:p>
+            <a:r>
+              <a:rPr lang="en-CA" dirty="0"/>
+              <a:t>Created three </a:t>
+            </a:r>
+            <a:r>
+              <a:rPr lang="en-CA" dirty="0" smtClean="0"/>
+              <a:t>different “change” </a:t>
+            </a:r>
+            <a:r>
+              <a:rPr lang="en-CA" dirty="0"/>
+              <a:t>files for four different versions of </a:t>
+            </a:r>
+            <a:r>
+              <a:rPr lang="en-CA" dirty="0" smtClean="0"/>
+              <a:t>Apache Ant</a:t>
+            </a:r>
+            <a:endParaRPr lang="en-CA" dirty="0"/>
+          </a:p>
+          <a:p>
+            <a:pPr lvl="1"/>
+            <a:r>
+              <a:rPr lang="en-CA" dirty="0"/>
+              <a:t>1.5 to 1.6 …</a:t>
+            </a:r>
+          </a:p>
+          <a:p>
+            <a:r>
+              <a:rPr lang="en-CA" dirty="0" smtClean="0"/>
+              <a:t>Code elements changed in a single commit are taken as </a:t>
+            </a:r>
+            <a:r>
+              <a:rPr lang="en-CA" b="1" dirty="0" smtClean="0"/>
+              <a:t>one transaction</a:t>
+            </a:r>
+          </a:p>
+          <a:p>
+            <a:pPr lvl="1"/>
+            <a:r>
+              <a:rPr lang="en-CA" dirty="0" smtClean="0"/>
+              <a:t>Prepared the transaction set to train our model</a:t>
+            </a:r>
+          </a:p>
+          <a:p>
+            <a:pPr lvl="1"/>
+            <a:r>
+              <a:rPr lang="en-CA" dirty="0" smtClean="0"/>
+              <a:t>Filtered transactions to only include the Java class modification (not addition or deletion)</a:t>
+            </a:r>
+            <a:endParaRPr lang="en-CA" dirty="0" smtClean="0"/>
+          </a:p>
+        </p:txBody>
+      </p:sp>
+    </p:spTree>
+    <p:extLst>
+      <p:ext uri="{BB962C8B-B14F-4D97-AF65-F5344CB8AC3E}">
+        <p14:creationId xmlns:p14="http://schemas.microsoft.com/office/powerpoint/2010/main" val="827279922"/>
+      </p:ext>
+    </p:extLst>
+  </p:cSld>
+  <p:clrMapOvr>
+    <a:masterClrMapping/>
+  </p:clrMapOvr>
+  <mc:AlternateContent xmlns:mc="http://schemas.openxmlformats.org/markup-compatibility/2006">
+    <mc:Choice xmlns:p14="http://schemas.microsoft.com/office/powerpoint/2010/main" Requires="p14">
+      <p:transition spd="med" p14:dur="700">
+        <p:fade/>
+      </p:transition>
+    </mc:Choice>
+    <mc:Fallback>
+      <p:transition spd="med">
+        <p:fade/>
+      </p:transition>
+    </mc:Fallback>
+  </mc:AlternateContent>
+  <p:timing>
+    <p:tnLst>
+      <p:par>
+        <p:cTn id="1" dur="indefinite" restart="never" nodeType="tmRoot">
+          <p:childTnLst>
+            <p:seq concurrent="1" nextAc="seek">
+              <p:cTn id="2" dur="indefinite" nodeType="mainSeq">
+                <p:childTnLst>
+                  <p:par>
+                    <p:cTn id="3" fill="hold">
+                      <p:stCondLst>
+                        <p:cond delay="indefinite"/>
+                      </p:stCondLst>
+                      <p:childTnLst>
+                        <p:par>
+                          <p:cTn id="4" fill="hold">
+                            <p:stCondLst>
+                              <p:cond delay="0"/>
+                            </p:stCondLst>
+                            <p:childTnLst>
+                              <p:par>
+                                <p:cTn id="5" presetID="10" presetClass="entr" presetSubtype="0" fill="hold" nodeType="clickEffect">
+                                  <p:stCondLst>
+                                    <p:cond delay="0"/>
+                                  </p:stCondLst>
+                                  <p:childTnLst>
+                                    <p:set>
+                                      <p:cBhvr>
+                                        <p:cTn id="6" dur="1" fill="hold">
+                                          <p:stCondLst>
+                                            <p:cond delay="0"/>
+                                          </p:stCondLst>
+                                        </p:cTn>
+                                        <p:tgtEl>
+                                          <p:spTgt spid="3">
+                                            <p:txEl>
+                                              <p:pRg st="0" end="0"/>
+                                            </p:txEl>
+                                          </p:spTgt>
+                                        </p:tgtEl>
+                                        <p:attrNameLst>
+                                          <p:attrName>style.visibility</p:attrName>
+                                        </p:attrNameLst>
+                                      </p:cBhvr>
+                                      <p:to>
+                                        <p:strVal val="visible"/>
+                                      </p:to>
+                                    </p:set>
+                                    <p:animEffect transition="in" filter="fade">
+                                      <p:cBhvr>
+                                        <p:cTn id="7" dur="500"/>
+                                        <p:tgtEl>
+                                          <p:spTgt spid="3">
+                                            <p:txEl>
+                                              <p:pRg st="0" end="0"/>
+                                            </p:txEl>
+                                          </p:spTgt>
+                                        </p:tgtEl>
+                                      </p:cBhvr>
+                                    </p:animEffect>
+                                  </p:childTnLst>
+                                </p:cTn>
+                              </p:par>
+                              <p:par>
+                                <p:cTn id="8" presetID="10" presetClass="entr" presetSubtype="0" fill="hold" nodeType="withEffect">
+                                  <p:stCondLst>
+                                    <p:cond delay="0"/>
+                                  </p:stCondLst>
+                                  <p:childTnLst>
+                                    <p:set>
+                                      <p:cBhvr>
+                                        <p:cTn id="9" dur="1" fill="hold">
+                                          <p:stCondLst>
+                                            <p:cond delay="0"/>
+                                          </p:stCondLst>
+                                        </p:cTn>
+                                        <p:tgtEl>
+                                          <p:spTgt spid="3">
+                                            <p:txEl>
+                                              <p:pRg st="1" end="1"/>
+                                            </p:txEl>
+                                          </p:spTgt>
+                                        </p:tgtEl>
+                                        <p:attrNameLst>
+                                          <p:attrName>style.visibility</p:attrName>
+                                        </p:attrNameLst>
+                                      </p:cBhvr>
+                                      <p:to>
+                                        <p:strVal val="visible"/>
+                                      </p:to>
+                                    </p:set>
+                                    <p:animEffect transition="in" filter="fade">
+                                      <p:cBhvr>
+                                        <p:cTn id="10" dur="500"/>
+                                        <p:tgtEl>
+                                          <p:spTgt spid="3">
+                                            <p:txEl>
+                                              <p:pRg st="1" end="1"/>
+                                            </p:txEl>
+                                          </p:spTgt>
+                                        </p:tgtEl>
+                                      </p:cBhvr>
+                                    </p:animEffect>
+                                  </p:childTnLst>
+                                </p:cTn>
+                              </p:par>
+                            </p:childTnLst>
+                          </p:cTn>
+                        </p:par>
+                      </p:childTnLst>
+                    </p:cTn>
+                  </p:par>
+                  <p:par>
+                    <p:cTn id="11" fill="hold">
+                      <p:stCondLst>
+                        <p:cond delay="indefinite"/>
+                      </p:stCondLst>
+                      <p:childTnLst>
+                        <p:par>
+                          <p:cTn id="12" fill="hold">
+                            <p:stCondLst>
+                              <p:cond delay="0"/>
+                            </p:stCondLst>
+                            <p:childTnLst>
+                              <p:par>
+                                <p:cTn id="13" presetID="10" presetClass="entr" presetSubtype="0" fill="hold" nodeType="clickEffect">
+                                  <p:stCondLst>
+                                    <p:cond delay="0"/>
+                                  </p:stCondLst>
+                                  <p:childTnLst>
+                                    <p:set>
+                                      <p:cBhvr>
+                                        <p:cTn id="14" dur="1" fill="hold">
+                                          <p:stCondLst>
+                                            <p:cond delay="0"/>
+                                          </p:stCondLst>
+                                        </p:cTn>
+                                        <p:tgtEl>
+                                          <p:spTgt spid="3">
+                                            <p:txEl>
+                                              <p:pRg st="2" end="2"/>
+                                            </p:txEl>
+                                          </p:spTgt>
+                                        </p:tgtEl>
+                                        <p:attrNameLst>
+                                          <p:attrName>style.visibility</p:attrName>
+                                        </p:attrNameLst>
+                                      </p:cBhvr>
+                                      <p:to>
+                                        <p:strVal val="visible"/>
+                                      </p:to>
+                                    </p:set>
+                                    <p:animEffect transition="in" filter="fade">
+                                      <p:cBhvr>
+                                        <p:cTn id="15" dur="500"/>
+                                        <p:tgtEl>
+                                          <p:spTgt spid="3">
+                                            <p:txEl>
+                                              <p:pRg st="2" end="2"/>
+                                            </p:txEl>
+                                          </p:spTgt>
+                                        </p:tgtEl>
+                                      </p:cBhvr>
+                                    </p:animEffect>
+                                  </p:childTnLst>
+                                </p:cTn>
+                              </p:par>
+                              <p:par>
+                                <p:cTn id="16" presetID="10" presetClass="entr" presetSubtype="0" fill="hold" nodeType="withEffect">
+                                  <p:stCondLst>
+                                    <p:cond delay="0"/>
+                                  </p:stCondLst>
+                                  <p:childTnLst>
+                                    <p:set>
+                                      <p:cBhvr>
+                                        <p:cTn id="17" dur="1" fill="hold">
+                                          <p:stCondLst>
+                                            <p:cond delay="0"/>
+                                          </p:stCondLst>
+                                        </p:cTn>
+                                        <p:tgtEl>
+                                          <p:spTgt spid="3">
+                                            <p:txEl>
+                                              <p:pRg st="3" end="3"/>
+                                            </p:txEl>
+                                          </p:spTgt>
+                                        </p:tgtEl>
+                                        <p:attrNameLst>
+                                          <p:attrName>style.visibility</p:attrName>
+                                        </p:attrNameLst>
+                                      </p:cBhvr>
+                                      <p:to>
+                                        <p:strVal val="visible"/>
+                                      </p:to>
+                                    </p:set>
+                                    <p:animEffect transition="in" filter="fade">
+                                      <p:cBhvr>
+                                        <p:cTn id="18" dur="500"/>
+                                        <p:tgtEl>
+                                          <p:spTgt spid="3">
+                                            <p:txEl>
+                                              <p:pRg st="3" end="3"/>
+                                            </p:txEl>
+                                          </p:spTgt>
+                                        </p:tgtEl>
+                                      </p:cBhvr>
+                                    </p:animEffect>
+                                  </p:childTnLst>
+                                </p:cTn>
+                              </p:par>
+                              <p:par>
+                                <p:cTn id="19" presetID="10" presetClass="entr" presetSubtype="0" fill="hold" nodeType="withEffect">
+                                  <p:stCondLst>
+                                    <p:cond delay="0"/>
+                                  </p:stCondLst>
+                                  <p:childTnLst>
+                                    <p:set>
+                                      <p:cBhvr>
+                                        <p:cTn id="20" dur="1" fill="hold">
+                                          <p:stCondLst>
+                                            <p:cond delay="0"/>
+                                          </p:stCondLst>
+                                        </p:cTn>
+                                        <p:tgtEl>
+                                          <p:spTgt spid="3">
+                                            <p:txEl>
+                                              <p:pRg st="4" end="4"/>
+                                            </p:txEl>
+                                          </p:spTgt>
+                                        </p:tgtEl>
+                                        <p:attrNameLst>
+                                          <p:attrName>style.visibility</p:attrName>
+                                        </p:attrNameLst>
+                                      </p:cBhvr>
+                                      <p:to>
+                                        <p:strVal val="visible"/>
+                                      </p:to>
+                                    </p:set>
+                                    <p:animEffect transition="in" filter="fade">
+                                      <p:cBhvr>
+                                        <p:cTn id="21" dur="500"/>
+                                        <p:tgtEl>
+                                          <p:spTgt spid="3">
+                                            <p:txEl>
+                                              <p:pRg st="4" end="4"/>
+                                            </p:txEl>
+                                          </p:spTgt>
+                                        </p:tgtEl>
+                                      </p:cBhvr>
+                                    </p:animEffect>
+                                  </p:childTnLst>
+                                </p:cTn>
+                              </p:par>
+                            </p:childTnLst>
+                          </p:cTn>
+                        </p:par>
+                      </p:childTnLst>
+                    </p:cTn>
+                  </p:par>
+                </p:childTnLst>
+              </p:cTn>
+              <p:prevCondLst>
+                <p:cond evt="onPrev" delay="0">
+                  <p:tgtEl>
+                    <p:sldTgt/>
+                  </p:tgtEl>
+                </p:cond>
+              </p:prevCondLst>
+              <p:nextCondLst>
+                <p:cond evt="onNext" delay="0">
+                  <p:tgtEl>
+                    <p:sldTgt/>
+                  </p:tgtEl>
+                </p:cond>
+              </p:nextCondLst>
+            </p:seq>
+          </p:childTnLst>
+        </p:cTn>
+      </p:par>
+    </p:tnLst>
+  </p:timing>
+</p:sld>
+</file>
+
+<file path=ppt/slides/slide13.xml><?xml version="1.0" encoding="utf-8"?>
+<p:sld xmlns:a="http://schemas.openxmlformats.org/drawingml/2006/main" xmlns:r="http://schemas.openxmlformats.org/officeDocument/2006/relationships" xmlns:p="http://schemas.openxmlformats.org/presentationml/2006/main">
+  <p:cSld>
+    <p:spTree>
+      <p:nvGrpSpPr>
+        <p:cNvPr id="1" name=""/>
+        <p:cNvGrpSpPr/>
+        <p:nvPr/>
+      </p:nvGrpSpPr>
+      <p:grpSpPr>
+        <a:xfrm>
+          <a:off x="0" y="0"/>
+          <a:ext cx="0" cy="0"/>
+          <a:chOff x="0" y="0"/>
+          <a:chExt cx="0" cy="0"/>
+        </a:xfrm>
+      </p:grpSpPr>
+      <p:sp>
+        <p:nvSpPr>
+          <p:cNvPr id="2" name="Title 1"/>
+          <p:cNvSpPr>
+            <a:spLocks noGrp="1"/>
+          </p:cNvSpPr>
+          <p:nvPr>
+            <p:ph type="title"/>
+          </p:nvPr>
+        </p:nvSpPr>
+        <p:spPr/>
+        <p:txBody>
+          <a:bodyPr/>
+          <a:lstStyle/>
+          <a:p>
+            <a:r>
+              <a:rPr lang="en-CA" dirty="0" smtClean="0"/>
+              <a:t>Association Rules /2</a:t>
+            </a:r>
+            <a:endParaRPr lang="en-US" dirty="0"/>
+          </a:p>
+        </p:txBody>
+      </p:sp>
+      <p:sp>
+        <p:nvSpPr>
+          <p:cNvPr id="3" name="Content Placeholder 2"/>
+          <p:cNvSpPr>
+            <a:spLocks noGrp="1"/>
+          </p:cNvSpPr>
+          <p:nvPr>
+            <p:ph idx="1"/>
+          </p:nvPr>
+        </p:nvSpPr>
+        <p:spPr/>
+        <p:txBody>
+          <a:bodyPr>
+            <a:normAutofit/>
+          </a:bodyPr>
+          <a:lstStyle/>
+          <a:p>
+            <a:r>
+              <a:rPr lang="en-CA" dirty="0" smtClean="0"/>
+              <a:t>Applied </a:t>
+            </a:r>
+            <a:r>
+              <a:rPr lang="en-CA" dirty="0" err="1"/>
+              <a:t>Apriori</a:t>
+            </a:r>
+            <a:r>
+              <a:rPr lang="en-CA" dirty="0"/>
+              <a:t> algorithm to get the association </a:t>
+            </a:r>
+            <a:r>
+              <a:rPr lang="en-CA" dirty="0" smtClean="0"/>
+              <a:t>rules (remembering that we have ~1300 commits):</a:t>
+            </a:r>
+            <a:endParaRPr lang="en-CA" dirty="0"/>
+          </a:p>
+          <a:p>
+            <a:pPr lvl="1"/>
+            <a:r>
+              <a:rPr lang="en-CA" dirty="0"/>
+              <a:t>Minimum support: 9% </a:t>
+            </a:r>
+          </a:p>
+          <a:p>
+            <a:pPr lvl="1"/>
+            <a:r>
+              <a:rPr lang="en-CA" dirty="0"/>
+              <a:t>Minimum confidence: 50%</a:t>
+            </a:r>
+            <a:endParaRPr lang="en-US" dirty="0"/>
+          </a:p>
+          <a:p>
+            <a:endParaRPr lang="en-US" dirty="0"/>
+          </a:p>
+        </p:txBody>
+      </p:sp>
+      <p:sp>
+        <p:nvSpPr>
+          <p:cNvPr id="5" name="Rounded Rectangle 4"/>
+          <p:cNvSpPr/>
+          <p:nvPr/>
+        </p:nvSpPr>
+        <p:spPr>
+          <a:xfrm>
+            <a:off x="304799" y="4648200"/>
+            <a:ext cx="8534401" cy="838200"/>
+          </a:xfrm>
+          <a:prstGeom prst="roundRect">
+            <a:avLst/>
+          </a:prstGeom>
+        </p:spPr>
+        <p:style>
+          <a:lnRef idx="2">
+            <a:schemeClr val="accent1">
+              <a:shade val="50000"/>
+            </a:schemeClr>
+          </a:lnRef>
+          <a:fillRef idx="1">
+            <a:schemeClr val="accent1"/>
+          </a:fillRef>
+          <a:effectRef idx="0">
+            <a:schemeClr val="accent1"/>
+          </a:effectRef>
+          <a:fontRef idx="minor">
+            <a:schemeClr val="lt1"/>
+          </a:fontRef>
+        </p:style>
+        <p:txBody>
+          <a:bodyPr rtlCol="0" anchor="ctr"/>
+          <a:lstStyle/>
+          <a:p>
+            <a:pPr algn="ctr"/>
+            <a:r>
+              <a:rPr lang="en-US" sz="2000" dirty="0">
+                <a:latin typeface="Consolas" panose="020B0609020204030204" pitchFamily="49" charset="0"/>
+                <a:cs typeface="Consolas" panose="020B0609020204030204" pitchFamily="49" charset="0"/>
+              </a:rPr>
+              <a:t>/ant/core/…/</a:t>
+            </a:r>
+            <a:r>
+              <a:rPr lang="en-US" sz="2000" dirty="0" smtClean="0">
+                <a:latin typeface="Consolas" panose="020B0609020204030204" pitchFamily="49" charset="0"/>
+                <a:cs typeface="Consolas" panose="020B0609020204030204" pitchFamily="49" charset="0"/>
+              </a:rPr>
+              <a:t>P4Change.java </a:t>
+            </a:r>
+            <a:r>
+              <a:rPr lang="en-US" sz="2000" dirty="0" smtClean="0">
+                <a:latin typeface="Consolas" panose="020B0609020204030204" pitchFamily="49" charset="0"/>
+                <a:cs typeface="Consolas" panose="020B0609020204030204" pitchFamily="49" charset="0"/>
+                <a:sym typeface="Wingdings" panose="05000000000000000000" pitchFamily="2" charset="2"/>
+              </a:rPr>
+              <a:t> </a:t>
+            </a:r>
+            <a:r>
+              <a:rPr lang="en-US" sz="2000" dirty="0" smtClean="0">
+                <a:latin typeface="Consolas" panose="020B0609020204030204" pitchFamily="49" charset="0"/>
+                <a:cs typeface="Consolas" panose="020B0609020204030204" pitchFamily="49" charset="0"/>
+              </a:rPr>
+              <a:t>/</a:t>
+            </a:r>
+            <a:r>
+              <a:rPr lang="en-US" sz="2000" dirty="0">
+                <a:latin typeface="Consolas" panose="020B0609020204030204" pitchFamily="49" charset="0"/>
+                <a:cs typeface="Consolas" panose="020B0609020204030204" pitchFamily="49" charset="0"/>
+              </a:rPr>
+              <a:t>ant/core/…/</a:t>
+            </a:r>
+            <a:r>
+              <a:rPr lang="en-US" sz="2000" dirty="0" smtClean="0">
+                <a:latin typeface="Consolas" panose="020B0609020204030204" pitchFamily="49" charset="0"/>
+                <a:cs typeface="Consolas" panose="020B0609020204030204" pitchFamily="49" charset="0"/>
+              </a:rPr>
+              <a:t>P4Counter.java</a:t>
+            </a:r>
+            <a:endParaRPr lang="en-US" sz="2000" dirty="0">
+              <a:latin typeface="Consolas" panose="020B0609020204030204" pitchFamily="49" charset="0"/>
+              <a:cs typeface="Consolas" panose="020B0609020204030204" pitchFamily="49" charset="0"/>
+            </a:endParaRPr>
+          </a:p>
+        </p:txBody>
+      </p:sp>
+    </p:spTree>
+    <p:extLst>
+      <p:ext uri="{BB962C8B-B14F-4D97-AF65-F5344CB8AC3E}">
+        <p14:creationId xmlns:p14="http://schemas.microsoft.com/office/powerpoint/2010/main" val="3372606601"/>
+      </p:ext>
+    </p:extLst>
+  </p:cSld>
+  <p:clrMapOvr>
+    <a:masterClrMapping/>
+  </p:clrMapOvr>
+  <mc:AlternateContent xmlns:mc="http://schemas.openxmlformats.org/markup-compatibility/2006">
+    <mc:Choice xmlns:p14="http://schemas.microsoft.com/office/powerpoint/2010/main" Requires="p14">
+      <p:transition spd="med" p14:dur="700">
+        <p:fade/>
+      </p:transition>
+    </mc:Choice>
+    <mc:Fallback>
+      <p:transition spd="med">
+        <p:fade/>
+      </p:transition>
+    </mc:Fallback>
+  </mc:AlternateContent>
+  <p:timing>
+    <p:tnLst>
+      <p:par>
+        <p:cTn id="1" dur="indefinite" restart="never" nodeType="tmRoot">
+          <p:childTnLst>
+            <p:seq concurrent="1" nextAc="seek">
+              <p:cTn id="2" dur="indefinite" nodeType="mainSeq">
+                <p:childTnLst>
+                  <p:par>
+                    <p:cTn id="3" fill="hold">
+                      <p:stCondLst>
+                        <p:cond delay="indefinite"/>
+                      </p:stCondLst>
+                      <p:childTnLst>
+                        <p:par>
+                          <p:cTn id="4" fill="hold">
+                            <p:stCondLst>
+                              <p:cond delay="0"/>
+                            </p:stCondLst>
+                            <p:childTnLst>
+                              <p:par>
+                                <p:cTn id="5" presetID="10" presetClass="entr" presetSubtype="0" fill="hold" nodeType="clickEffect">
+                                  <p:stCondLst>
+                                    <p:cond delay="0"/>
+                                  </p:stCondLst>
+                                  <p:childTnLst>
+                                    <p:set>
+                                      <p:cBhvr>
+                                        <p:cTn id="6" dur="1" fill="hold">
+                                          <p:stCondLst>
+                                            <p:cond delay="0"/>
+                                          </p:stCondLst>
+                                        </p:cTn>
+                                        <p:tgtEl>
+                                          <p:spTgt spid="3">
+                                            <p:txEl>
+                                              <p:pRg st="0" end="0"/>
+                                            </p:txEl>
+                                          </p:spTgt>
+                                        </p:tgtEl>
+                                        <p:attrNameLst>
+                                          <p:attrName>style.visibility</p:attrName>
+                                        </p:attrNameLst>
+                                      </p:cBhvr>
+                                      <p:to>
+                                        <p:strVal val="visible"/>
+                                      </p:to>
+                                    </p:set>
+                                    <p:animEffect transition="in" filter="fade">
+                                      <p:cBhvr>
+                                        <p:cTn id="7" dur="500"/>
+                                        <p:tgtEl>
+                                          <p:spTgt spid="3">
+                                            <p:txEl>
+                                              <p:pRg st="0" end="0"/>
+                                            </p:txEl>
+                                          </p:spTgt>
+                                        </p:tgtEl>
+                                      </p:cBhvr>
+                                    </p:animEffect>
+                                  </p:childTnLst>
+                                </p:cTn>
+                              </p:par>
+                              <p:par>
+                                <p:cTn id="8" presetID="10" presetClass="entr" presetSubtype="0" fill="hold" nodeType="withEffect">
+                                  <p:stCondLst>
+                                    <p:cond delay="0"/>
+                                  </p:stCondLst>
+                                  <p:childTnLst>
+                                    <p:set>
+                                      <p:cBhvr>
+                                        <p:cTn id="9" dur="1" fill="hold">
+                                          <p:stCondLst>
+                                            <p:cond delay="0"/>
+                                          </p:stCondLst>
+                                        </p:cTn>
+                                        <p:tgtEl>
+                                          <p:spTgt spid="3">
+                                            <p:txEl>
+                                              <p:pRg st="1" end="1"/>
+                                            </p:txEl>
+                                          </p:spTgt>
+                                        </p:tgtEl>
+                                        <p:attrNameLst>
+                                          <p:attrName>style.visibility</p:attrName>
+                                        </p:attrNameLst>
+                                      </p:cBhvr>
+                                      <p:to>
+                                        <p:strVal val="visible"/>
+                                      </p:to>
+                                    </p:set>
+                                    <p:animEffect transition="in" filter="fade">
+                                      <p:cBhvr>
+                                        <p:cTn id="10" dur="500"/>
+                                        <p:tgtEl>
+                                          <p:spTgt spid="3">
+                                            <p:txEl>
+                                              <p:pRg st="1" end="1"/>
+                                            </p:txEl>
+                                          </p:spTgt>
+                                        </p:tgtEl>
+                                      </p:cBhvr>
+                                    </p:animEffect>
+                                  </p:childTnLst>
+                                </p:cTn>
+                              </p:par>
+                              <p:par>
+                                <p:cTn id="11" presetID="10" presetClass="entr" presetSubtype="0" fill="hold" nodeType="withEffect">
+                                  <p:stCondLst>
+                                    <p:cond delay="0"/>
+                                  </p:stCondLst>
+                                  <p:childTnLst>
+                                    <p:set>
+                                      <p:cBhvr>
+                                        <p:cTn id="12" dur="1" fill="hold">
+                                          <p:stCondLst>
+                                            <p:cond delay="0"/>
+                                          </p:stCondLst>
+                                        </p:cTn>
+                                        <p:tgtEl>
+                                          <p:spTgt spid="3">
+                                            <p:txEl>
+                                              <p:pRg st="2" end="2"/>
+                                            </p:txEl>
+                                          </p:spTgt>
+                                        </p:tgtEl>
+                                        <p:attrNameLst>
+                                          <p:attrName>style.visibility</p:attrName>
+                                        </p:attrNameLst>
+                                      </p:cBhvr>
+                                      <p:to>
+                                        <p:strVal val="visible"/>
+                                      </p:to>
+                                    </p:set>
+                                    <p:animEffect transition="in" filter="fade">
+                                      <p:cBhvr>
+                                        <p:cTn id="13" dur="500"/>
+                                        <p:tgtEl>
+                                          <p:spTgt spid="3">
+                                            <p:txEl>
+                                              <p:pRg st="2" end="2"/>
+                                            </p:txEl>
+                                          </p:spTgt>
+                                        </p:tgtEl>
+                                      </p:cBhvr>
+                                    </p:animEffect>
+                                  </p:childTnLst>
+                                </p:cTn>
+                              </p:par>
+                            </p:childTnLst>
+                          </p:cTn>
+                        </p:par>
+                      </p:childTnLst>
+                    </p:cTn>
+                  </p:par>
+                  <p:par>
+                    <p:cTn id="14" fill="hold">
+                      <p:stCondLst>
+                        <p:cond delay="indefinite"/>
+                      </p:stCondLst>
+                      <p:childTnLst>
+                        <p:par>
+                          <p:cTn id="15" fill="hold">
+                            <p:stCondLst>
+                              <p:cond delay="0"/>
+                            </p:stCondLst>
+                            <p:childTnLst>
+                              <p:par>
+                                <p:cTn id="16" presetID="10" presetClass="entr" presetSubtype="0" fill="hold" grpId="0" nodeType="clickEffect">
+                                  <p:stCondLst>
+                                    <p:cond delay="0"/>
+                                  </p:stCondLst>
+                                  <p:childTnLst>
+                                    <p:set>
+                                      <p:cBhvr>
+                                        <p:cTn id="17" dur="1" fill="hold">
+                                          <p:stCondLst>
+                                            <p:cond delay="0"/>
+                                          </p:stCondLst>
+                                        </p:cTn>
+                                        <p:tgtEl>
+                                          <p:spTgt spid="5"/>
+                                        </p:tgtEl>
+                                        <p:attrNameLst>
+                                          <p:attrName>style.visibility</p:attrName>
+                                        </p:attrNameLst>
+                                      </p:cBhvr>
+                                      <p:to>
+                                        <p:strVal val="visible"/>
+                                      </p:to>
+                                    </p:set>
+                                    <p:animEffect transition="in" filter="fade">
+                                      <p:cBhvr>
+                                        <p:cTn id="18" dur="500"/>
+                                        <p:tgtEl>
+                                          <p:spTgt spid="5"/>
+                                        </p:tgtEl>
+                                      </p:cBhvr>
+                                    </p:animEffect>
+                                  </p:childTnLst>
+                                </p:cTn>
+                              </p:par>
+                            </p:childTnLst>
+                          </p:cTn>
+                        </p:par>
+                      </p:childTnLst>
+                    </p:cTn>
+                  </p:par>
+                </p:childTnLst>
+              </p:cTn>
+              <p:prevCondLst>
+                <p:cond evt="onPrev" delay="0">
+                  <p:tgtEl>
+                    <p:sldTgt/>
+                  </p:tgtEl>
+                </p:cond>
+              </p:prevCondLst>
+              <p:nextCondLst>
+                <p:cond evt="onNext" delay="0">
+                  <p:tgtEl>
+                    <p:sldTgt/>
+                  </p:tgtEl>
+                </p:cond>
+              </p:nextCondLst>
+            </p:seq>
+          </p:childTnLst>
+        </p:cTn>
+      </p:par>
+    </p:tnLst>
+    <p:bldLst>
+      <p:bldP spid="5" grpId="0" animBg="1"/>
+    </p:bldLst>
+  </p:timing>
+</p:sld>
+</file>
+
+<file path=ppt/slides/slide14.xml><?xml version="1.0" encoding="utf-8"?>
+<p:sld xmlns:a="http://schemas.openxmlformats.org/drawingml/2006/main" xmlns:r="http://schemas.openxmlformats.org/officeDocument/2006/relationships" xmlns:p="http://schemas.openxmlformats.org/presentationml/2006/main">
+  <p:cSld>
+    <p:spTree>
+      <p:nvGrpSpPr>
+        <p:cNvPr id="1" name=""/>
+        <p:cNvGrpSpPr/>
+        <p:nvPr/>
+      </p:nvGrpSpPr>
+      <p:grpSpPr>
+        <a:xfrm>
+          <a:off x="0" y="0"/>
+          <a:ext cx="0" cy="0"/>
+          <a:chOff x="0" y="0"/>
+          <a:chExt cx="0" cy="0"/>
+        </a:xfrm>
+      </p:grpSpPr>
+      <p:sp>
+        <p:nvSpPr>
+          <p:cNvPr id="4" name="Title 3"/>
+          <p:cNvSpPr>
+            <a:spLocks noGrp="1"/>
+          </p:cNvSpPr>
+          <p:nvPr>
+            <p:ph type="title"/>
+          </p:nvPr>
+        </p:nvSpPr>
+        <p:spPr/>
+        <p:txBody>
+          <a:bodyPr/>
+          <a:lstStyle/>
+          <a:p>
+            <a:r>
+              <a:rPr lang="en-CA" dirty="0" smtClean="0"/>
+              <a:t>Results and discussion</a:t>
+            </a:r>
+            <a:endParaRPr lang="en-US" dirty="0"/>
+          </a:p>
+        </p:txBody>
+      </p:sp>
+      <p:sp>
+        <p:nvSpPr>
+          <p:cNvPr id="5" name="Text Placeholder 4"/>
+          <p:cNvSpPr>
+            <a:spLocks noGrp="1"/>
+          </p:cNvSpPr>
+          <p:nvPr>
+            <p:ph type="body" idx="1"/>
+          </p:nvPr>
+        </p:nvSpPr>
+        <p:spPr/>
+        <p:txBody>
+          <a:bodyPr/>
+          <a:lstStyle/>
+          <a:p>
+            <a:r>
+              <a:rPr lang="en-CA" dirty="0" smtClean="0"/>
+              <a:t>Code Volatility and Quality Metrics</a:t>
+            </a:r>
+          </a:p>
+          <a:p>
+            <a:r>
+              <a:rPr lang="en-CA" dirty="0" smtClean="0"/>
+              <a:t>Association Rules and Prediction Model</a:t>
+            </a:r>
+            <a:endParaRPr lang="en-US" dirty="0"/>
+          </a:p>
+        </p:txBody>
+      </p:sp>
+    </p:spTree>
+    <p:extLst>
+      <p:ext uri="{BB962C8B-B14F-4D97-AF65-F5344CB8AC3E}">
+        <p14:creationId xmlns:p14="http://schemas.microsoft.com/office/powerpoint/2010/main" val="2389852049"/>
+      </p:ext>
+    </p:extLst>
+  </p:cSld>
+  <p:clrMapOvr>
+    <a:masterClrMapping/>
+  </p:clrMapOvr>
+  <mc:AlternateContent xmlns:mc="http://schemas.openxmlformats.org/markup-compatibility/2006">
+    <mc:Choice xmlns:p14="http://schemas.microsoft.com/office/powerpoint/2010/main" Requires="p14">
+      <p:transition spd="med" p14:dur="700">
+        <p:fade/>
+      </p:transition>
+    </mc:Choice>
+    <mc:Fallback>
+      <p:transition spd="med">
+        <p:fade/>
+      </p:transition>
+    </mc:Fallback>
+  </mc:AlternateContent>
+  <p:timing>
+    <p:tnLst>
+      <p:par>
+        <p:cTn id="1" dur="indefinite" restart="never" nodeType="tmRoot"/>
+      </p:par>
+    </p:tnLst>
+  </p:timing>
+</p:sld>
+</file>
+
+<file path=ppt/slides/slide15.xml><?xml version="1.0" encoding="utf-8"?>
 <p:sld xmlns:a="http://schemas.openxmlformats.org/drawingml/2006/main" xmlns:r="http://schemas.openxmlformats.org/officeDocument/2006/relationships" xmlns:p="http://schemas.openxmlformats.org/presentationml/2006/main">
   <p:cSld>
     <p:spTree>
@@ -5723,13 +7302,13 @@
   <p:clrMapOvr>
     <a:masterClrMapping/>
   </p:clrMapOvr>
-  <mc:AlternateContent xmlns:mc="http://schemas.openxmlformats.org/markup-compatibility/2006" xmlns:p14="http://schemas.microsoft.com/office/powerpoint/2010/main">
-    <mc:Choice Requires="p14">
+  <mc:AlternateContent xmlns:mc="http://schemas.openxmlformats.org/markup-compatibility/2006">
+    <mc:Choice xmlns:p14="http://schemas.microsoft.com/office/powerpoint/2010/main" Requires="p14">
       <p:transition spd="med" p14:dur="700">
         <p:fade/>
       </p:transition>
     </mc:Choice>
-    <mc:Fallback xmlns="">
+    <mc:Fallback>
       <p:transition spd="med">
         <p:fade/>
       </p:transition>
@@ -5769,7 +7348,7 @@
                                           </p:stCondLst>
                                         </p:cTn>
                                         <p:tgtEl>
-                                          <p:spTgt spid="19"/>
+                                          <p:spTgt spid="3"/>
                                         </p:tgtEl>
                                         <p:attrNameLst>
                                           <p:attrName>style.visibility</p:attrName>
@@ -5783,7 +7362,7 @@
                                       <p:cBhvr>
                                         <p:cTn id="7" dur="500"/>
                                         <p:tgtEl>
-                                          <p:spTgt spid="19"/>
+                                          <p:spTgt spid="3"/>
                                         </p:tgtEl>
                                       </p:cBhvr>
                                     </p:animEffect>
@@ -5822,7 +7401,7 @@
                                           </p:stCondLst>
                                         </p:cTn>
                                         <p:tgtEl>
-                                          <p:spTgt spid="21"/>
+                                          <p:spTgt spid="19"/>
                                         </p:tgtEl>
                                         <p:attrNameLst>
                                           <p:attrName>style.visibility</p:attrName>
@@ -5836,7 +7415,7 @@
                                       <p:cBhvr>
                                         <p:cTn id="12" dur="500"/>
                                         <p:tgtEl>
-                                          <p:spTgt spid="21"/>
+                                          <p:spTgt spid="19"/>
                                         </p:tgtEl>
                                       </p:cBhvr>
                                     </p:animEffect>
@@ -5875,7 +7454,7 @@
                                           </p:stCondLst>
                                         </p:cTn>
                                         <p:tgtEl>
-                                          <p:spTgt spid="22"/>
+                                          <p:spTgt spid="16"/>
                                         </p:tgtEl>
                                         <p:attrNameLst>
                                           <p:attrName>style.visibility</p:attrName>
@@ -5889,7 +7468,7 @@
                                       <p:cBhvr>
                                         <p:cTn id="17" dur="500"/>
                                         <p:tgtEl>
-                                          <p:spTgt spid="22"/>
+                                          <p:spTgt spid="16"/>
                                         </p:tgtEl>
                                       </p:cBhvr>
                                     </p:animEffect>
@@ -5928,7 +7507,7 @@
                                           </p:stCondLst>
                                         </p:cTn>
                                         <p:tgtEl>
-                                          <p:spTgt spid="23"/>
+                                          <p:spTgt spid="21"/>
                                         </p:tgtEl>
                                         <p:attrNameLst>
                                           <p:attrName>style.visibility</p:attrName>
@@ -5942,7 +7521,7 @@
                                       <p:cBhvr>
                                         <p:cTn id="22" dur="500"/>
                                         <p:tgtEl>
-                                          <p:spTgt spid="23"/>
+                                          <p:spTgt spid="21"/>
                                         </p:tgtEl>
                                       </p:cBhvr>
                                     </p:animEffect>
@@ -5981,6 +7560,271 @@
                                           </p:stCondLst>
                                         </p:cTn>
                                         <p:tgtEl>
+                                          <p:spTgt spid="17"/>
+                                        </p:tgtEl>
+                                        <p:attrNameLst>
+                                          <p:attrName>style.visibility</p:attrName>
+                                        </p:attrNameLst>
+                                      </p:cBhvr>
+                                      <p:to>
+                                        <p:strVal val="visible"/>
+                                      </p:to>
+                                    </p:set>
+                                    <p:animEffect transition="in" filter="fade">
+                                      <p:cBhvr>
+                                        <p:cTn id="27" dur="500"/>
+                                        <p:tgtEl>
+                                          <p:spTgt spid="17"/>
+                                        </p:tgtEl>
+                                      </p:cBhvr>
+                                    </p:animEffect>
+                                  </p:childTnLst>
+                                </p:cTn>
+                              </p:par>
+                            </p:childTnLst>
+                          </p:cTn>
+                        </p:par>
+                      </p:childTnLst>
+                    </p:cTn>
+                  </p:par>
+                  <p:par>
+                    <p:cTn id="28" fill="hold">
+                      <p:stCondLst>
+                        <p:cond delay="indefinite"/>
+                      </p:stCondLst>
+                      <p:childTnLst>
+                        <p:par>
+                          <p:cTn id="29" fill="hold">
+                            <p:stCondLst>
+                              <p:cond delay="0"/>
+                            </p:stCondLst>
+                            <p:childTnLst>
+                              <p:par>
+                                <p:cTn id="30" presetID="10" presetClass="entr" presetSubtype="0" fill="hold" nodeType="clickEffect">
+                                  <p:stCondLst>
+                                    <p:cond delay="0"/>
+                                  </p:stCondLst>
+                                  <p:childTnLst>
+                                    <p:set>
+                                      <p:cBhvr>
+                                        <p:cTn id="31" dur="1" fill="hold">
+                                          <p:stCondLst>
+                                            <p:cond delay="0"/>
+                                          </p:stCondLst>
+                                        </p:cTn>
+                                        <p:tgtEl>
+                                          <p:spTgt spid="22"/>
+                                        </p:tgtEl>
+                                        <p:attrNameLst>
+                                          <p:attrName>style.visibility</p:attrName>
+                                        </p:attrNameLst>
+                                      </p:cBhvr>
+                                      <p:to>
+                                        <p:strVal val="visible"/>
+                                      </p:to>
+                                    </p:set>
+                                    <p:animEffect transition="in" filter="fade">
+                                      <p:cBhvr>
+                                        <p:cTn id="32" dur="500"/>
+                                        <p:tgtEl>
+                                          <p:spTgt spid="22"/>
+                                        </p:tgtEl>
+                                      </p:cBhvr>
+                                    </p:animEffect>
+                                  </p:childTnLst>
+                                </p:cTn>
+                              </p:par>
+                            </p:childTnLst>
+                          </p:cTn>
+                        </p:par>
+                      </p:childTnLst>
+                    </p:cTn>
+                  </p:par>
+                  <p:par>
+                    <p:cTn id="33" fill="hold">
+                      <p:stCondLst>
+                        <p:cond delay="indefinite"/>
+                      </p:stCondLst>
+                      <p:childTnLst>
+                        <p:par>
+                          <p:cTn id="34" fill="hold">
+                            <p:stCondLst>
+                              <p:cond delay="0"/>
+                            </p:stCondLst>
+                            <p:childTnLst>
+                              <p:par>
+                                <p:cTn id="35" presetID="10" presetClass="entr" presetSubtype="0" fill="hold" nodeType="clickEffect">
+                                  <p:stCondLst>
+                                    <p:cond delay="0"/>
+                                  </p:stCondLst>
+                                  <p:childTnLst>
+                                    <p:set>
+                                      <p:cBhvr>
+                                        <p:cTn id="36" dur="1" fill="hold">
+                                          <p:stCondLst>
+                                            <p:cond delay="0"/>
+                                          </p:stCondLst>
+                                        </p:cTn>
+                                        <p:tgtEl>
+                                          <p:spTgt spid="8"/>
+                                        </p:tgtEl>
+                                        <p:attrNameLst>
+                                          <p:attrName>style.visibility</p:attrName>
+                                        </p:attrNameLst>
+                                      </p:cBhvr>
+                                      <p:to>
+                                        <p:strVal val="visible"/>
+                                      </p:to>
+                                    </p:set>
+                                    <p:animEffect transition="in" filter="fade">
+                                      <p:cBhvr>
+                                        <p:cTn id="37" dur="500"/>
+                                        <p:tgtEl>
+                                          <p:spTgt spid="8"/>
+                                        </p:tgtEl>
+                                      </p:cBhvr>
+                                    </p:animEffect>
+                                  </p:childTnLst>
+                                </p:cTn>
+                              </p:par>
+                            </p:childTnLst>
+                          </p:cTn>
+                        </p:par>
+                      </p:childTnLst>
+                    </p:cTn>
+                  </p:par>
+                  <p:par>
+                    <p:cTn id="38" fill="hold">
+                      <p:stCondLst>
+                        <p:cond delay="indefinite"/>
+                      </p:stCondLst>
+                      <p:childTnLst>
+                        <p:par>
+                          <p:cTn id="39" fill="hold">
+                            <p:stCondLst>
+                              <p:cond delay="0"/>
+                            </p:stCondLst>
+                            <p:childTnLst>
+                              <p:par>
+                                <p:cTn id="40" presetID="10" presetClass="entr" presetSubtype="0" fill="hold" nodeType="clickEffect">
+                                  <p:stCondLst>
+                                    <p:cond delay="0"/>
+                                  </p:stCondLst>
+                                  <p:childTnLst>
+                                    <p:set>
+                                      <p:cBhvr>
+                                        <p:cTn id="41" dur="1" fill="hold">
+                                          <p:stCondLst>
+                                            <p:cond delay="0"/>
+                                          </p:stCondLst>
+                                        </p:cTn>
+                                        <p:tgtEl>
+                                          <p:spTgt spid="23"/>
+                                        </p:tgtEl>
+                                        <p:attrNameLst>
+                                          <p:attrName>style.visibility</p:attrName>
+                                        </p:attrNameLst>
+                                      </p:cBhvr>
+                                      <p:to>
+                                        <p:strVal val="visible"/>
+                                      </p:to>
+                                    </p:set>
+                                    <p:animEffect transition="in" filter="fade">
+                                      <p:cBhvr>
+                                        <p:cTn id="42" dur="500"/>
+                                        <p:tgtEl>
+                                          <p:spTgt spid="23"/>
+                                        </p:tgtEl>
+                                      </p:cBhvr>
+                                    </p:animEffect>
+                                  </p:childTnLst>
+                                </p:cTn>
+                              </p:par>
+                            </p:childTnLst>
+                          </p:cTn>
+                        </p:par>
+                      </p:childTnLst>
+                    </p:cTn>
+                  </p:par>
+                  <p:par>
+                    <p:cTn id="43" fill="hold">
+                      <p:stCondLst>
+                        <p:cond delay="indefinite"/>
+                      </p:stCondLst>
+                      <p:childTnLst>
+                        <p:par>
+                          <p:cTn id="44" fill="hold">
+                            <p:stCondLst>
+                              <p:cond delay="0"/>
+                            </p:stCondLst>
+                            <p:childTnLst>
+                              <p:par>
+                                <p:cTn id="45" presetID="10" presetClass="entr" presetSubtype="0" fill="hold" nodeType="clickEffect">
+                                  <p:stCondLst>
+                                    <p:cond delay="0"/>
+                                  </p:stCondLst>
+                                  <p:childTnLst>
+                                    <p:set>
+                                      <p:cBhvr>
+                                        <p:cTn id="46" dur="1" fill="hold">
+                                          <p:stCondLst>
+                                            <p:cond delay="0"/>
+                                          </p:stCondLst>
+                                        </p:cTn>
+                                        <p:tgtEl>
+                                          <p:spTgt spid="7"/>
+                                        </p:tgtEl>
+                                        <p:attrNameLst>
+                                          <p:attrName>style.visibility</p:attrName>
+                                        </p:attrNameLst>
+                                      </p:cBhvr>
+                                      <p:to>
+                                        <p:strVal val="visible"/>
+                                      </p:to>
+                                    </p:set>
+                                    <p:animEffect transition="in" filter="fade">
+                                      <p:cBhvr>
+                                        <p:cTn id="47" dur="500"/>
+                                        <p:tgtEl>
+                                          <p:spTgt spid="7"/>
+                                        </p:tgtEl>
+                                      </p:cBhvr>
+                                    </p:animEffect>
+                                  </p:childTnLst>
+                                </p:cTn>
+                              </p:par>
+                            </p:childTnLst>
+                          </p:cTn>
+                        </p:par>
+                      </p:childTnLst>
+                    </p:cTn>
+                  </p:par>
+                  <p:par>
+                    <p:cTn id="48" fill="hold">
+                      <p:stCondLst>
+                        <p:cond delay="indefinite"/>
+                      </p:stCondLst>
+                      <p:childTnLst>
+                        <p:par>
+                          <p:cTn id="49" fill="hold">
+                            <p:stCondLst>
+                              <p:cond delay="0"/>
+                            </p:stCondLst>
+                            <p:childTnLst>
+                              <p:par>
+                                <p:cTn id="50" presetID="10" presetClass="entr" presetSubtype="0" fill="hold" nodeType="clickEffect">
+                                  <p:stCondLst>
+                                    <p:cond delay="0"/>
+                                  </p:stCondLst>
+                                  <p:childTnLst>
+                                    <p:set>
+                                      <p:cBhvr>
+                                        <p:cTn id="51" dur="1" fill="hold">
+                                          <p:stCondLst>
+                                            <p:cond delay="0"/>
+                                          </p:stCondLst>
+                                        </p:cTn>
+                                        <p:tgtEl>
                                           <p:spTgt spid="24"/>
                                         </p:tgtEl>
                                         <p:attrNameLst>
@@ -5993,7 +7837,7 @@
                                     </p:set>
                                     <p:animEffect transition="in" filter="fade">
                                       <p:cBhvr>
-                                        <p:cTn id="27" dur="500"/>
+                                        <p:cTn id="52" dur="500"/>
                                         <p:tgtEl>
                                           <p:spTgt spid="24"/>
                                         </p:tgtEl>
@@ -6033,7 +7877,7 @@
 </p:sld>
 </file>
 
-<file path=ppt/slides/slide13.xml><?xml version="1.0" encoding="utf-8"?>
+<file path=ppt/slides/slide16.xml><?xml version="1.0" encoding="utf-8"?>
 <p:sld xmlns:a="http://schemas.openxmlformats.org/drawingml/2006/main" xmlns:r="http://schemas.openxmlformats.org/officeDocument/2006/relationships" xmlns:p="http://schemas.openxmlformats.org/presentationml/2006/main">
   <p:cSld>
     <p:spTree>
@@ -6062,12 +7906,18 @@
         </p:nvSpPr>
         <p:spPr/>
         <p:txBody>
-          <a:bodyPr/>
+          <a:bodyPr>
+            <a:normAutofit fontScale="90000"/>
+          </a:bodyPr>
           <a:lstStyle/>
           <a:p>
             <a:r>
               <a:rPr lang="en-CA" dirty="0" smtClean="0"/>
-              <a:t>Results: Metrics Correlation</a:t>
+              <a:t>Results: </a:t>
+            </a:r>
+            <a:r>
+              <a:rPr lang="en-CA" dirty="0" smtClean="0"/>
+              <a:t>Pearson Linear Regression -  Correlation between Metrics</a:t>
             </a:r>
             <a:endParaRPr lang="en-US" dirty="0"/>
           </a:p>
@@ -9764,13 +11614,13 @@
   <p:clrMapOvr>
     <a:masterClrMapping/>
   </p:clrMapOvr>
-  <mc:AlternateContent xmlns:mc="http://schemas.openxmlformats.org/markup-compatibility/2006" xmlns:p14="http://schemas.microsoft.com/office/powerpoint/2010/main">
-    <mc:Choice Requires="p14">
+  <mc:AlternateContent xmlns:mc="http://schemas.openxmlformats.org/markup-compatibility/2006">
+    <mc:Choice xmlns:p14="http://schemas.microsoft.com/office/powerpoint/2010/main" Requires="p14">
       <p:transition spd="med" p14:dur="700">
         <p:fade/>
       </p:transition>
     </mc:Choice>
-    <mc:Fallback xmlns="">
+    <mc:Fallback>
       <p:transition spd="med">
         <p:fade/>
       </p:transition>
@@ -9786,7 +11636,7 @@
 </p:sld>
 </file>
 
-<file path=ppt/slides/slide14.xml><?xml version="1.0" encoding="utf-8"?>
+<file path=ppt/slides/slide17.xml><?xml version="1.0" encoding="utf-8"?>
 <p:sld xmlns:a="http://schemas.openxmlformats.org/drawingml/2006/main" xmlns:r="http://schemas.openxmlformats.org/officeDocument/2006/relationships" xmlns:p="http://schemas.openxmlformats.org/presentationml/2006/main">
   <p:cSld>
     <p:spTree>
@@ -9838,12 +11688,107 @@
         </p:nvSpPr>
         <p:spPr/>
         <p:txBody>
-          <a:bodyPr/>
+          <a:bodyPr>
+            <a:normAutofit/>
+          </a:bodyPr>
           <a:lstStyle/>
           <a:p>
             <a:r>
+              <a:rPr lang="en-CA" b="1" dirty="0" smtClean="0"/>
+              <a:t>Precision</a:t>
+            </a:r>
+            <a:r>
               <a:rPr lang="en-CA" dirty="0" smtClean="0"/>
-              <a:t>Precision, recall, </a:t>
+              <a:t>: fraction </a:t>
+            </a:r>
+            <a:r>
+              <a:rPr lang="en-CA" dirty="0"/>
+              <a:t>of the returned items </a:t>
+            </a:r>
+            <a:r>
+              <a:rPr lang="en-CA" dirty="0" smtClean="0"/>
+              <a:t>that was </a:t>
+            </a:r>
+            <a:r>
+              <a:rPr lang="en-CA" dirty="0"/>
+              <a:t>actually </a:t>
+            </a:r>
+            <a:r>
+              <a:rPr lang="en-CA" dirty="0" smtClean="0"/>
+              <a:t>correct</a:t>
+            </a:r>
+            <a:endParaRPr lang="en-CA" dirty="0"/>
+          </a:p>
+          <a:p>
+            <a:pPr lvl="1"/>
+            <a:r>
+              <a:rPr lang="en-CA" dirty="0" smtClean="0"/>
+              <a:t>Application of rules resulted in 10% precision</a:t>
+            </a:r>
+          </a:p>
+          <a:p>
+            <a:r>
+              <a:rPr lang="en-CA" b="1" dirty="0" smtClean="0"/>
+              <a:t>Recall</a:t>
+            </a:r>
+            <a:r>
+              <a:rPr lang="en-CA" dirty="0" smtClean="0"/>
+              <a:t>: how </a:t>
+            </a:r>
+            <a:r>
+              <a:rPr lang="en-CA" dirty="0"/>
+              <a:t>many </a:t>
+            </a:r>
+            <a:r>
+              <a:rPr lang="en-CA" dirty="0" smtClean="0"/>
+              <a:t>consequents are matched </a:t>
+            </a:r>
+            <a:r>
+              <a:rPr lang="en-CA" dirty="0"/>
+              <a:t>with </a:t>
+            </a:r>
+            <a:r>
+              <a:rPr lang="en-CA" dirty="0" smtClean="0"/>
+              <a:t>all actual changed files</a:t>
+            </a:r>
+            <a:endParaRPr lang="en-CA" dirty="0"/>
+          </a:p>
+          <a:p>
+            <a:pPr lvl="1"/>
+            <a:r>
+              <a:rPr lang="en-CA" dirty="0" smtClean="0"/>
+              <a:t>Recall </a:t>
+            </a:r>
+            <a:r>
+              <a:rPr lang="en-CA" dirty="0"/>
+              <a:t>value </a:t>
+            </a:r>
+            <a:r>
+              <a:rPr lang="en-CA" dirty="0" smtClean="0"/>
+              <a:t>calculated at 2%</a:t>
+            </a:r>
+          </a:p>
+          <a:p>
+            <a:pPr lvl="1"/>
+            <a:r>
+              <a:rPr lang="en-CA" dirty="0" smtClean="0"/>
+              <a:t>Low value partially due to large </a:t>
+            </a:r>
+            <a:r>
+              <a:rPr lang="en-CA" dirty="0"/>
+              <a:t>number </a:t>
+            </a:r>
+            <a:r>
+              <a:rPr lang="en-CA" dirty="0" smtClean="0"/>
+              <a:t>of Java classes </a:t>
+            </a:r>
+            <a:r>
+              <a:rPr lang="en-CA" dirty="0"/>
+              <a:t>in </a:t>
+            </a:r>
+            <a:r>
+              <a:rPr lang="en-CA" dirty="0" smtClean="0"/>
+              <a:t>a single commit </a:t>
             </a:r>
             <a:endParaRPr lang="en-US" dirty="0"/>
           </a:p>
@@ -9859,13 +11804,13 @@
   <p:clrMapOvr>
     <a:masterClrMapping/>
   </p:clrMapOvr>
-  <mc:AlternateContent xmlns:mc="http://schemas.openxmlformats.org/markup-compatibility/2006" xmlns:p14="http://schemas.microsoft.com/office/powerpoint/2010/main">
-    <mc:Choice Requires="p14">
+  <mc:AlternateContent xmlns:mc="http://schemas.openxmlformats.org/markup-compatibility/2006">
+    <mc:Choice xmlns:p14="http://schemas.microsoft.com/office/powerpoint/2010/main" Requires="p14">
       <p:transition spd="med" p14:dur="700">
         <p:fade/>
       </p:transition>
     </mc:Choice>
-    <mc:Fallback xmlns="">
+    <mc:Fallback>
       <p:transition spd="med">
         <p:fade/>
       </p:transition>
@@ -9874,14 +11819,288 @@
   <p:timing>
     <p:tnLst>
       <p:par>
-        <p:cTn id="1" dur="indefinite" restart="never" nodeType="tmRoot"/>
+        <p:cTn id="1" dur="indefinite" restart="never" nodeType="tmRoot">
+          <p:childTnLst>
+            <p:seq concurrent="1" nextAc="seek">
+              <p:cTn id="2" dur="indefinite" nodeType="mainSeq">
+                <p:childTnLst>
+                  <p:par>
+                    <p:cTn id="3" fill="hold">
+                      <p:stCondLst>
+                        <p:cond delay="indefinite"/>
+                      </p:stCondLst>
+                      <p:childTnLst>
+                        <p:par>
+                          <p:cTn id="4" fill="hold">
+                            <p:stCondLst>
+                              <p:cond delay="0"/>
+                            </p:stCondLst>
+                            <p:childTnLst>
+                              <p:par>
+                                <p:cTn id="5" presetID="10" presetClass="entr" presetSubtype="0" fill="hold" nodeType="clickEffect">
+                                  <p:stCondLst>
+                                    <p:cond delay="0"/>
+                                  </p:stCondLst>
+                                  <p:childTnLst>
+                                    <p:set>
+                                      <p:cBhvr>
+                                        <p:cTn id="6" dur="1" fill="hold">
+                                          <p:stCondLst>
+                                            <p:cond delay="0"/>
+                                          </p:stCondLst>
+                                        </p:cTn>
+                                        <p:tgtEl>
+                                          <p:spTgt spid="3">
+                                            <p:txEl>
+                                              <p:pRg st="0" end="0"/>
+                                            </p:txEl>
+                                          </p:spTgt>
+                                        </p:tgtEl>
+                                        <p:attrNameLst>
+                                          <p:attrName>style.visibility</p:attrName>
+                                        </p:attrNameLst>
+                                      </p:cBhvr>
+                                      <p:to>
+                                        <p:strVal val="visible"/>
+                                      </p:to>
+                                    </p:set>
+                                    <p:animEffect transition="in" filter="fade">
+                                      <p:cBhvr>
+                                        <p:cTn id="7" dur="500"/>
+                                        <p:tgtEl>
+                                          <p:spTgt spid="3">
+                                            <p:txEl>
+                                              <p:pRg st="0" end="0"/>
+                                            </p:txEl>
+                                          </p:spTgt>
+                                        </p:tgtEl>
+                                      </p:cBhvr>
+                                    </p:animEffect>
+                                  </p:childTnLst>
+                                </p:cTn>
+                              </p:par>
+                              <p:par>
+                                <p:cTn id="8" presetID="10" presetClass="entr" presetSubtype="0" fill="hold" nodeType="withEffect">
+                                  <p:stCondLst>
+                                    <p:cond delay="0"/>
+                                  </p:stCondLst>
+                                  <p:childTnLst>
+                                    <p:set>
+                                      <p:cBhvr>
+                                        <p:cTn id="9" dur="1" fill="hold">
+                                          <p:stCondLst>
+                                            <p:cond delay="0"/>
+                                          </p:stCondLst>
+                                        </p:cTn>
+                                        <p:tgtEl>
+                                          <p:spTgt spid="3">
+                                            <p:txEl>
+                                              <p:pRg st="1" end="1"/>
+                                            </p:txEl>
+                                          </p:spTgt>
+                                        </p:tgtEl>
+                                        <p:attrNameLst>
+                                          <p:attrName>style.visibility</p:attrName>
+                                        </p:attrNameLst>
+                                      </p:cBhvr>
+                                      <p:to>
+                                        <p:strVal val="visible"/>
+                                      </p:to>
+                                    </p:set>
+                                    <p:animEffect transition="in" filter="fade">
+                                      <p:cBhvr>
+                                        <p:cTn id="10" dur="500"/>
+                                        <p:tgtEl>
+                                          <p:spTgt spid="3">
+                                            <p:txEl>
+                                              <p:pRg st="1" end="1"/>
+                                            </p:txEl>
+                                          </p:spTgt>
+                                        </p:tgtEl>
+                                      </p:cBhvr>
+                                    </p:animEffect>
+                                  </p:childTnLst>
+                                </p:cTn>
+                              </p:par>
+                            </p:childTnLst>
+                          </p:cTn>
+                        </p:par>
+                      </p:childTnLst>
+                    </p:cTn>
+                  </p:par>
+                  <p:par>
+                    <p:cTn id="11" fill="hold">
+                      <p:stCondLst>
+                        <p:cond delay="indefinite"/>
+                      </p:stCondLst>
+                      <p:childTnLst>
+                        <p:par>
+                          <p:cTn id="12" fill="hold">
+                            <p:stCondLst>
+                              <p:cond delay="0"/>
+                            </p:stCondLst>
+                            <p:childTnLst>
+                              <p:par>
+                                <p:cTn id="13" presetID="10" presetClass="entr" presetSubtype="0" fill="hold" nodeType="clickEffect">
+                                  <p:stCondLst>
+                                    <p:cond delay="0"/>
+                                  </p:stCondLst>
+                                  <p:childTnLst>
+                                    <p:set>
+                                      <p:cBhvr>
+                                        <p:cTn id="14" dur="1" fill="hold">
+                                          <p:stCondLst>
+                                            <p:cond delay="0"/>
+                                          </p:stCondLst>
+                                        </p:cTn>
+                                        <p:tgtEl>
+                                          <p:spTgt spid="3">
+                                            <p:txEl>
+                                              <p:pRg st="2" end="2"/>
+                                            </p:txEl>
+                                          </p:spTgt>
+                                        </p:tgtEl>
+                                        <p:attrNameLst>
+                                          <p:attrName>style.visibility</p:attrName>
+                                        </p:attrNameLst>
+                                      </p:cBhvr>
+                                      <p:to>
+                                        <p:strVal val="visible"/>
+                                      </p:to>
+                                    </p:set>
+                                    <p:animEffect transition="in" filter="fade">
+                                      <p:cBhvr>
+                                        <p:cTn id="15" dur="500"/>
+                                        <p:tgtEl>
+                                          <p:spTgt spid="3">
+                                            <p:txEl>
+                                              <p:pRg st="2" end="2"/>
+                                            </p:txEl>
+                                          </p:spTgt>
+                                        </p:tgtEl>
+                                      </p:cBhvr>
+                                    </p:animEffect>
+                                  </p:childTnLst>
+                                </p:cTn>
+                              </p:par>
+                              <p:par>
+                                <p:cTn id="16" presetID="10" presetClass="entr" presetSubtype="0" fill="hold" nodeType="withEffect">
+                                  <p:stCondLst>
+                                    <p:cond delay="0"/>
+                                  </p:stCondLst>
+                                  <p:childTnLst>
+                                    <p:set>
+                                      <p:cBhvr>
+                                        <p:cTn id="17" dur="1" fill="hold">
+                                          <p:stCondLst>
+                                            <p:cond delay="0"/>
+                                          </p:stCondLst>
+                                        </p:cTn>
+                                        <p:tgtEl>
+                                          <p:spTgt spid="3">
+                                            <p:txEl>
+                                              <p:pRg st="3" end="3"/>
+                                            </p:txEl>
+                                          </p:spTgt>
+                                        </p:tgtEl>
+                                        <p:attrNameLst>
+                                          <p:attrName>style.visibility</p:attrName>
+                                        </p:attrNameLst>
+                                      </p:cBhvr>
+                                      <p:to>
+                                        <p:strVal val="visible"/>
+                                      </p:to>
+                                    </p:set>
+                                    <p:animEffect transition="in" filter="fade">
+                                      <p:cBhvr>
+                                        <p:cTn id="18" dur="500"/>
+                                        <p:tgtEl>
+                                          <p:spTgt spid="3">
+                                            <p:txEl>
+                                              <p:pRg st="3" end="3"/>
+                                            </p:txEl>
+                                          </p:spTgt>
+                                        </p:tgtEl>
+                                      </p:cBhvr>
+                                    </p:animEffect>
+                                  </p:childTnLst>
+                                </p:cTn>
+                              </p:par>
+                              <p:par>
+                                <p:cTn id="19" presetID="10" presetClass="entr" presetSubtype="0" fill="hold" nodeType="withEffect">
+                                  <p:stCondLst>
+                                    <p:cond delay="0"/>
+                                  </p:stCondLst>
+                                  <p:childTnLst>
+                                    <p:set>
+                                      <p:cBhvr>
+                                        <p:cTn id="20" dur="1" fill="hold">
+                                          <p:stCondLst>
+                                            <p:cond delay="0"/>
+                                          </p:stCondLst>
+                                        </p:cTn>
+                                        <p:tgtEl>
+                                          <p:spTgt spid="3">
+                                            <p:txEl>
+                                              <p:pRg st="4" end="4"/>
+                                            </p:txEl>
+                                          </p:spTgt>
+                                        </p:tgtEl>
+                                        <p:attrNameLst>
+                                          <p:attrName>style.visibility</p:attrName>
+                                        </p:attrNameLst>
+                                      </p:cBhvr>
+                                      <p:to>
+                                        <p:strVal val="visible"/>
+                                      </p:to>
+                                    </p:set>
+                                    <p:animEffect transition="in" filter="fade">
+                                      <p:cBhvr>
+                                        <p:cTn id="21" dur="500"/>
+                                        <p:tgtEl>
+                                          <p:spTgt spid="3">
+                                            <p:txEl>
+                                              <p:pRg st="4" end="4"/>
+                                            </p:txEl>
+                                          </p:spTgt>
+                                        </p:tgtEl>
+                                      </p:cBhvr>
+                                    </p:animEffect>
+                                  </p:childTnLst>
+                                </p:cTn>
+                              </p:par>
+                            </p:childTnLst>
+                          </p:cTn>
+                        </p:par>
+                      </p:childTnLst>
+                    </p:cTn>
+                  </p:par>
+                </p:childTnLst>
+              </p:cTn>
+              <p:prevCondLst>
+                <p:cond evt="onPrev" delay="0">
+                  <p:tgtEl>
+                    <p:sldTgt/>
+                  </p:tgtEl>
+                </p:cond>
+              </p:prevCondLst>
+              <p:nextCondLst>
+                <p:cond evt="onNext" delay="0">
+                  <p:tgtEl>
+                    <p:sldTgt/>
+                  </p:tgtEl>
+                </p:cond>
+              </p:nextCondLst>
+            </p:seq>
+          </p:childTnLst>
+        </p:cTn>
       </p:par>
     </p:tnLst>
   </p:timing>
 </p:sld>
 </file>
 
-<file path=ppt/slides/slide15.xml><?xml version="1.0" encoding="utf-8"?>
+<file path=ppt/slides/slide18.xml><?xml version="1.0" encoding="utf-8"?>
 <p:sld xmlns:a="http://schemas.openxmlformats.org/drawingml/2006/main" xmlns:r="http://schemas.openxmlformats.org/officeDocument/2006/relationships" xmlns:p="http://schemas.openxmlformats.org/presentationml/2006/main">
   <p:cSld>
     <p:spTree>
@@ -9915,7 +12134,7 @@
           <a:p>
             <a:r>
               <a:rPr lang="en-CA" dirty="0" smtClean="0"/>
-              <a:t>Results Discussion</a:t>
+              <a:t>Challenges Faced</a:t>
             </a:r>
             <a:endParaRPr lang="en-US" dirty="0"/>
           </a:p>
@@ -9933,136 +12152,57 @@
         </p:nvSpPr>
         <p:spPr/>
         <p:txBody>
-          <a:bodyPr/>
+          <a:bodyPr>
+            <a:normAutofit/>
+          </a:bodyPr>
           <a:lstStyle/>
           <a:p>
             <a:r>
-              <a:rPr lang="en-CA" dirty="0" smtClean="0"/>
-              <a:t>It was clear that more volatile code tends to exhibit lower quality metrics</a:t>
-            </a:r>
-          </a:p>
-          <a:p>
-            <a:endParaRPr lang="en-US" dirty="0"/>
-          </a:p>
-        </p:txBody>
-      </p:sp>
-    </p:spTree>
-    <p:extLst>
-      <p:ext uri="{BB962C8B-B14F-4D97-AF65-F5344CB8AC3E}">
-        <p14:creationId xmlns:p14="http://schemas.microsoft.com/office/powerpoint/2010/main" val="2214876572"/>
-      </p:ext>
-    </p:extLst>
-  </p:cSld>
-  <p:clrMapOvr>
-    <a:masterClrMapping/>
-  </p:clrMapOvr>
-  <mc:AlternateContent xmlns:mc="http://schemas.openxmlformats.org/markup-compatibility/2006" xmlns:p14="http://schemas.microsoft.com/office/powerpoint/2010/main">
-    <mc:Choice Requires="p14">
-      <p:transition spd="med" p14:dur="700">
-        <p:fade/>
-      </p:transition>
-    </mc:Choice>
-    <mc:Fallback xmlns="">
-      <p:transition spd="med">
-        <p:fade/>
-      </p:transition>
-    </mc:Fallback>
-  </mc:AlternateContent>
-  <p:timing>
-    <p:tnLst>
-      <p:par>
-        <p:cTn id="1" dur="indefinite" restart="never" nodeType="tmRoot"/>
-      </p:par>
-    </p:tnLst>
-  </p:timing>
-</p:sld>
-</file>
-
-<file path=ppt/slides/slide16.xml><?xml version="1.0" encoding="utf-8"?>
-<p:sld xmlns:a="http://schemas.openxmlformats.org/drawingml/2006/main" xmlns:r="http://schemas.openxmlformats.org/officeDocument/2006/relationships" xmlns:p="http://schemas.openxmlformats.org/presentationml/2006/main">
-  <p:cSld>
-    <p:spTree>
-      <p:nvGrpSpPr>
-        <p:cNvPr id="1" name=""/>
-        <p:cNvGrpSpPr/>
-        <p:nvPr/>
-      </p:nvGrpSpPr>
-      <p:grpSpPr>
-        <a:xfrm>
-          <a:off x="0" y="0"/>
-          <a:ext cx="0" cy="0"/>
-          <a:chOff x="0" y="0"/>
-          <a:chExt cx="0" cy="0"/>
-        </a:xfrm>
-      </p:grpSpPr>
-      <p:sp>
-        <p:nvSpPr>
-          <p:cNvPr id="2" name="Title 1"/>
-          <p:cNvSpPr>
-            <a:spLocks noGrp="1"/>
-          </p:cNvSpPr>
-          <p:nvPr>
-            <p:ph type="title"/>
-          </p:nvPr>
-        </p:nvSpPr>
-        <p:spPr/>
-        <p:txBody>
-          <a:bodyPr/>
-          <a:lstStyle/>
-          <a:p>
-            <a:r>
-              <a:rPr lang="en-CA" dirty="0" smtClean="0"/>
-              <a:t>Challenges Faced</a:t>
-            </a:r>
-            <a:endParaRPr lang="en-US" dirty="0"/>
-          </a:p>
-        </p:txBody>
-      </p:sp>
-      <p:sp>
-        <p:nvSpPr>
-          <p:cNvPr id="3" name="Content Placeholder 2"/>
-          <p:cNvSpPr>
-            <a:spLocks noGrp="1"/>
-          </p:cNvSpPr>
-          <p:nvPr>
-            <p:ph idx="1"/>
-          </p:nvPr>
-        </p:nvSpPr>
-        <p:spPr/>
-        <p:txBody>
-          <a:bodyPr/>
-          <a:lstStyle/>
-          <a:p>
-            <a:r>
-              <a:rPr lang="en-CA" dirty="0" smtClean="0"/>
+              <a:rPr lang="en-CA" sz="2800" dirty="0" smtClean="0"/>
               <a:t>Parsing the massive SVN commit log using regex</a:t>
             </a:r>
           </a:p>
           <a:p>
             <a:pPr lvl="1"/>
             <a:r>
-              <a:rPr lang="en-CA" dirty="0" smtClean="0"/>
+              <a:rPr lang="en-CA" sz="2400" dirty="0" smtClean="0"/>
               <a:t>Victim of catastrophic backtracking (SO in Eclipse):</a:t>
             </a:r>
           </a:p>
           <a:p>
             <a:pPr lvl="1"/>
-            <a:endParaRPr lang="en-CA" dirty="0"/>
+            <a:endParaRPr lang="en-CA" sz="2400" dirty="0"/>
           </a:p>
           <a:p>
             <a:pPr lvl="1"/>
-            <a:endParaRPr lang="en-CA" dirty="0" smtClean="0"/>
+            <a:endParaRPr lang="en-CA" sz="2400" dirty="0" smtClean="0"/>
           </a:p>
           <a:p>
             <a:pPr lvl="1"/>
-            <a:endParaRPr lang="en-CA" dirty="0"/>
-          </a:p>
-          <a:p>
-            <a:r>
-              <a:rPr lang="en-CA" dirty="0" smtClean="0"/>
-              <a:t>Computing the association rules required large computing power (16GB ram!) </a:t>
-            </a:r>
-            <a:endParaRPr lang="en-US" dirty="0"/>
+            <a:endParaRPr lang="en-CA" sz="2400" dirty="0"/>
+          </a:p>
+          <a:p>
+            <a:pPr lvl="1"/>
+            <a:endParaRPr lang="en-CA" sz="2400" dirty="0" smtClean="0"/>
+          </a:p>
+          <a:p>
+            <a:pPr lvl="1"/>
+            <a:endParaRPr lang="en-CA" sz="2400" dirty="0"/>
+          </a:p>
+          <a:p>
+            <a:r>
+              <a:rPr lang="en-CA" sz="2800" dirty="0" smtClean="0"/>
+              <a:t>Computing </a:t>
+            </a:r>
+            <a:r>
+              <a:rPr lang="en-CA" sz="2800" dirty="0" smtClean="0"/>
+              <a:t>the association rules required large computing power </a:t>
+            </a:r>
+            <a:r>
+              <a:rPr lang="en-CA" sz="2800" dirty="0" smtClean="0"/>
+              <a:t>and quite some processing time</a:t>
+            </a:r>
+            <a:endParaRPr lang="en-US" sz="2800" dirty="0"/>
           </a:p>
         </p:txBody>
       </p:sp>
@@ -10089,7 +12229,7 @@
         </p:blipFill>
         <p:spPr bwMode="auto">
           <a:xfrm>
-            <a:off x="887543" y="3276600"/>
+            <a:off x="887542" y="2895600"/>
             <a:ext cx="7570657" cy="1295400"/>
           </a:xfrm>
           <a:prstGeom prst="rect">
@@ -10136,13 +12276,13 @@
   <p:clrMapOvr>
     <a:masterClrMapping/>
   </p:clrMapOvr>
-  <mc:AlternateContent xmlns:mc="http://schemas.openxmlformats.org/markup-compatibility/2006" xmlns:p14="http://schemas.microsoft.com/office/powerpoint/2010/main">
-    <mc:Choice Requires="p14">
+  <mc:AlternateContent xmlns:mc="http://schemas.openxmlformats.org/markup-compatibility/2006">
+    <mc:Choice xmlns:p14="http://schemas.microsoft.com/office/powerpoint/2010/main" Requires="p14">
       <p:transition spd="med" p14:dur="700">
         <p:fade/>
       </p:transition>
     </mc:Choice>
-    <mc:Fallback xmlns="">
+    <mc:Fallback>
       <p:transition spd="med">
         <p:fade/>
       </p:transition>
@@ -10151,14 +12291,255 @@
   <p:timing>
     <p:tnLst>
       <p:par>
-        <p:cTn id="1" dur="indefinite" restart="never" nodeType="tmRoot"/>
+        <p:cTn id="1" dur="indefinite" restart="never" nodeType="tmRoot">
+          <p:childTnLst>
+            <p:seq concurrent="1" nextAc="seek">
+              <p:cTn id="2" dur="indefinite" nodeType="mainSeq">
+                <p:childTnLst>
+                  <p:par>
+                    <p:cTn id="3" fill="hold">
+                      <p:stCondLst>
+                        <p:cond delay="indefinite"/>
+                      </p:stCondLst>
+                      <p:childTnLst>
+                        <p:par>
+                          <p:cTn id="4" fill="hold">
+                            <p:stCondLst>
+                              <p:cond delay="0"/>
+                            </p:stCondLst>
+                            <p:childTnLst>
+                              <p:par>
+                                <p:cTn id="5" presetID="10" presetClass="entr" presetSubtype="0" fill="hold" nodeType="clickEffect">
+                                  <p:stCondLst>
+                                    <p:cond delay="0"/>
+                                  </p:stCondLst>
+                                  <p:childTnLst>
+                                    <p:set>
+                                      <p:cBhvr>
+                                        <p:cTn id="6" dur="1" fill="hold">
+                                          <p:stCondLst>
+                                            <p:cond delay="0"/>
+                                          </p:stCondLst>
+                                        </p:cTn>
+                                        <p:tgtEl>
+                                          <p:spTgt spid="3">
+                                            <p:txEl>
+                                              <p:pRg st="0" end="0"/>
+                                            </p:txEl>
+                                          </p:spTgt>
+                                        </p:tgtEl>
+                                        <p:attrNameLst>
+                                          <p:attrName>style.visibility</p:attrName>
+                                        </p:attrNameLst>
+                                      </p:cBhvr>
+                                      <p:to>
+                                        <p:strVal val="visible"/>
+                                      </p:to>
+                                    </p:set>
+                                    <p:animEffect transition="in" filter="fade">
+                                      <p:cBhvr>
+                                        <p:cTn id="7" dur="500"/>
+                                        <p:tgtEl>
+                                          <p:spTgt spid="3">
+                                            <p:txEl>
+                                              <p:pRg st="0" end="0"/>
+                                            </p:txEl>
+                                          </p:spTgt>
+                                        </p:tgtEl>
+                                      </p:cBhvr>
+                                    </p:animEffect>
+                                  </p:childTnLst>
+                                </p:cTn>
+                              </p:par>
+                              <p:par>
+                                <p:cTn id="8" presetID="10" presetClass="entr" presetSubtype="0" fill="hold" nodeType="withEffect">
+                                  <p:stCondLst>
+                                    <p:cond delay="0"/>
+                                  </p:stCondLst>
+                                  <p:childTnLst>
+                                    <p:set>
+                                      <p:cBhvr>
+                                        <p:cTn id="9" dur="1" fill="hold">
+                                          <p:stCondLst>
+                                            <p:cond delay="0"/>
+                                          </p:stCondLst>
+                                        </p:cTn>
+                                        <p:tgtEl>
+                                          <p:spTgt spid="3">
+                                            <p:txEl>
+                                              <p:pRg st="1" end="1"/>
+                                            </p:txEl>
+                                          </p:spTgt>
+                                        </p:tgtEl>
+                                        <p:attrNameLst>
+                                          <p:attrName>style.visibility</p:attrName>
+                                        </p:attrNameLst>
+                                      </p:cBhvr>
+                                      <p:to>
+                                        <p:strVal val="visible"/>
+                                      </p:to>
+                                    </p:set>
+                                    <p:animEffect transition="in" filter="fade">
+                                      <p:cBhvr>
+                                        <p:cTn id="10" dur="500"/>
+                                        <p:tgtEl>
+                                          <p:spTgt spid="3">
+                                            <p:txEl>
+                                              <p:pRg st="1" end="1"/>
+                                            </p:txEl>
+                                          </p:spTgt>
+                                        </p:tgtEl>
+                                      </p:cBhvr>
+                                    </p:animEffect>
+                                  </p:childTnLst>
+                                </p:cTn>
+                              </p:par>
+                            </p:childTnLst>
+                          </p:cTn>
+                        </p:par>
+                      </p:childTnLst>
+                    </p:cTn>
+                  </p:par>
+                  <p:par>
+                    <p:cTn id="11" fill="hold">
+                      <p:stCondLst>
+                        <p:cond delay="indefinite"/>
+                      </p:stCondLst>
+                      <p:childTnLst>
+                        <p:par>
+                          <p:cTn id="12" fill="hold">
+                            <p:stCondLst>
+                              <p:cond delay="0"/>
+                            </p:stCondLst>
+                            <p:childTnLst>
+                              <p:par>
+                                <p:cTn id="13" presetID="10" presetClass="entr" presetSubtype="0" fill="hold" nodeType="clickEffect">
+                                  <p:stCondLst>
+                                    <p:cond delay="0"/>
+                                  </p:stCondLst>
+                                  <p:childTnLst>
+                                    <p:set>
+                                      <p:cBhvr>
+                                        <p:cTn id="14" dur="1" fill="hold">
+                                          <p:stCondLst>
+                                            <p:cond delay="0"/>
+                                          </p:stCondLst>
+                                        </p:cTn>
+                                        <p:tgtEl>
+                                          <p:spTgt spid="1026"/>
+                                        </p:tgtEl>
+                                        <p:attrNameLst>
+                                          <p:attrName>style.visibility</p:attrName>
+                                        </p:attrNameLst>
+                                      </p:cBhvr>
+                                      <p:to>
+                                        <p:strVal val="visible"/>
+                                      </p:to>
+                                    </p:set>
+                                    <p:animEffect transition="in" filter="fade">
+                                      <p:cBhvr>
+                                        <p:cTn id="15" dur="500"/>
+                                        <p:tgtEl>
+                                          <p:spTgt spid="1026"/>
+                                        </p:tgtEl>
+                                      </p:cBhvr>
+                                    </p:animEffect>
+                                  </p:childTnLst>
+                                </p:cTn>
+                              </p:par>
+                            </p:childTnLst>
+                          </p:cTn>
+                        </p:par>
+                      </p:childTnLst>
+                    </p:cTn>
+                  </p:par>
+                  <p:par>
+                    <p:cTn id="16" fill="hold">
+                      <p:stCondLst>
+                        <p:cond delay="indefinite"/>
+                      </p:stCondLst>
+                      <p:childTnLst>
+                        <p:par>
+                          <p:cTn id="17" fill="hold">
+                            <p:stCondLst>
+                              <p:cond delay="0"/>
+                            </p:stCondLst>
+                            <p:childTnLst>
+                              <p:par>
+                                <p:cTn id="18" presetID="10" presetClass="entr" presetSubtype="0" fill="hold" nodeType="clickEffect">
+                                  <p:stCondLst>
+                                    <p:cond delay="0"/>
+                                  </p:stCondLst>
+                                  <p:childTnLst>
+                                    <p:set>
+                                      <p:cBhvr>
+                                        <p:cTn id="19" dur="1" fill="hold">
+                                          <p:stCondLst>
+                                            <p:cond delay="0"/>
+                                          </p:stCondLst>
+                                        </p:cTn>
+                                        <p:tgtEl>
+                                          <p:spTgt spid="3">
+                                            <p:txEl>
+                                              <p:pRg st="7" end="7"/>
+                                            </p:txEl>
+                                          </p:spTgt>
+                                        </p:tgtEl>
+                                        <p:attrNameLst>
+                                          <p:attrName>style.visibility</p:attrName>
+                                        </p:attrNameLst>
+                                      </p:cBhvr>
+                                      <p:to>
+                                        <p:strVal val="visible"/>
+                                      </p:to>
+                                    </p:set>
+                                    <p:animEffect transition="in" filter="fade">
+                                      <p:cBhvr>
+                                        <p:cTn id="20" dur="500"/>
+                                        <p:tgtEl>
+                                          <p:spTgt spid="3">
+                                            <p:txEl>
+                                              <p:pRg st="7" end="7"/>
+                                            </p:txEl>
+                                          </p:spTgt>
+                                        </p:tgtEl>
+                                      </p:cBhvr>
+                                    </p:animEffect>
+                                  </p:childTnLst>
+                                </p:cTn>
+                              </p:par>
+                            </p:childTnLst>
+                          </p:cTn>
+                        </p:par>
+                      </p:childTnLst>
+                    </p:cTn>
+                  </p:par>
+                </p:childTnLst>
+              </p:cTn>
+              <p:prevCondLst>
+                <p:cond evt="onPrev" delay="0">
+                  <p:tgtEl>
+                    <p:sldTgt/>
+                  </p:tgtEl>
+                </p:cond>
+              </p:prevCondLst>
+              <p:nextCondLst>
+                <p:cond evt="onNext" delay="0">
+                  <p:tgtEl>
+                    <p:sldTgt/>
+                  </p:tgtEl>
+                </p:cond>
+              </p:nextCondLst>
+            </p:seq>
+          </p:childTnLst>
+        </p:cTn>
       </p:par>
     </p:tnLst>
   </p:timing>
 </p:sld>
 </file>
 
-<file path=ppt/slides/slide17.xml><?xml version="1.0" encoding="utf-8"?>
+<file path=ppt/slides/slide19.xml><?xml version="1.0" encoding="utf-8"?>
 <p:sld xmlns:a="http://schemas.openxmlformats.org/drawingml/2006/main" xmlns:r="http://schemas.openxmlformats.org/officeDocument/2006/relationships" xmlns:p="http://schemas.openxmlformats.org/presentationml/2006/main">
   <p:cSld>
     <p:spTree>
@@ -10192,7 +12573,7 @@
           <a:p>
             <a:r>
               <a:rPr lang="en-CA" dirty="0" smtClean="0"/>
-              <a:t>Threats to Validity</a:t>
+              <a:t>Challenges Faced /2</a:t>
             </a:r>
             <a:endParaRPr lang="en-US" dirty="0"/>
           </a:p>
@@ -10210,54 +12591,99 @@
         </p:nvSpPr>
         <p:spPr/>
         <p:txBody>
-          <a:bodyPr/>
+          <a:bodyPr>
+            <a:normAutofit lnSpcReduction="10000"/>
+          </a:bodyPr>
           <a:lstStyle/>
           <a:p>
             <a:r>
-              <a:rPr lang="en-CA" dirty="0" smtClean="0"/>
-              <a:t>Construct</a:t>
-            </a:r>
-          </a:p>
-          <a:p>
-            <a:r>
-              <a:rPr lang="en-CA" dirty="0" smtClean="0"/>
-              <a:t>Internal</a:t>
-            </a:r>
-          </a:p>
-          <a:p>
-            <a:r>
-              <a:rPr lang="en-CA" dirty="0" smtClean="0"/>
-              <a:t>External</a:t>
-            </a:r>
-          </a:p>
-          <a:p>
-            <a:r>
-              <a:rPr lang="en-CA" dirty="0" smtClean="0"/>
-              <a:t>Reliability</a:t>
-            </a:r>
-          </a:p>
-          <a:p>
-            <a:endParaRPr lang="en-US" dirty="0"/>
+              <a:rPr lang="en-CA" sz="2800" dirty="0" smtClean="0"/>
+              <a:t>Cleaning the transactions to calculate association rules was time consuming (some duplicates and corrupt data)</a:t>
+            </a:r>
+          </a:p>
+          <a:p>
+            <a:r>
+              <a:rPr lang="en-CA" sz="2800" dirty="0" smtClean="0"/>
+              <a:t>Infrastructure: </a:t>
+            </a:r>
+          </a:p>
+          <a:p>
+            <a:pPr lvl="1"/>
+            <a:r>
+              <a:rPr lang="en-CA" sz="2400" dirty="0"/>
+              <a:t>D</a:t>
+            </a:r>
+            <a:r>
+              <a:rPr lang="en-CA" sz="2400" dirty="0" smtClean="0"/>
+              <a:t>istributed programming using Git led to some merge conflicts</a:t>
+            </a:r>
+          </a:p>
+          <a:p>
+            <a:pPr lvl="1"/>
+            <a:r>
+              <a:rPr lang="en-CA" sz="2400" dirty="0"/>
+              <a:t>S</a:t>
+            </a:r>
+            <a:r>
+              <a:rPr lang="en-CA" sz="2400" dirty="0" smtClean="0"/>
+              <a:t>pent time resolving lost / corrupted data</a:t>
+            </a:r>
+          </a:p>
+          <a:p>
+            <a:pPr lvl="1"/>
+            <a:r>
+              <a:rPr lang="en-CA" sz="2400" dirty="0" smtClean="0"/>
+              <a:t>Three different OS versions (Ubuntu, OSX, Windows 7) caused some difficulties</a:t>
+            </a:r>
+          </a:p>
+          <a:p>
+            <a:pPr lvl="2"/>
+            <a:r>
+              <a:rPr lang="en-CA" sz="2000" dirty="0" smtClean="0"/>
+              <a:t>.</a:t>
+            </a:r>
+            <a:r>
+              <a:rPr lang="en-CA" sz="2000" dirty="0" err="1" smtClean="0"/>
+              <a:t>classpath</a:t>
+            </a:r>
+            <a:r>
+              <a:rPr lang="en-CA" sz="2000" dirty="0"/>
+              <a:t> </a:t>
+            </a:r>
+            <a:r>
+              <a:rPr lang="en-CA" sz="2000" dirty="0" smtClean="0"/>
+              <a:t>and .project issues</a:t>
+            </a:r>
+          </a:p>
+          <a:p>
+            <a:pPr lvl="2"/>
+            <a:r>
+              <a:rPr lang="en-CA" sz="2000" dirty="0" smtClean="0"/>
+              <a:t>CRLF vs. LF</a:t>
+            </a:r>
+          </a:p>
+          <a:p>
+            <a:endParaRPr lang="en-US" sz="2800" dirty="0"/>
           </a:p>
         </p:txBody>
       </p:sp>
     </p:spTree>
     <p:extLst>
       <p:ext uri="{BB962C8B-B14F-4D97-AF65-F5344CB8AC3E}">
-        <p14:creationId xmlns:p14="http://schemas.microsoft.com/office/powerpoint/2010/main" val="1013677625"/>
+        <p14:creationId xmlns:p14="http://schemas.microsoft.com/office/powerpoint/2010/main" val="420654588"/>
       </p:ext>
     </p:extLst>
   </p:cSld>
   <p:clrMapOvr>
     <a:masterClrMapping/>
   </p:clrMapOvr>
-  <mc:AlternateContent xmlns:mc="http://schemas.openxmlformats.org/markup-compatibility/2006" xmlns:p14="http://schemas.microsoft.com/office/powerpoint/2010/main">
-    <mc:Choice Requires="p14">
+  <mc:AlternateContent xmlns:mc="http://schemas.openxmlformats.org/markup-compatibility/2006">
+    <mc:Choice xmlns:p14="http://schemas.microsoft.com/office/powerpoint/2010/main" Requires="p14">
       <p:transition spd="med" p14:dur="700">
         <p:fade/>
       </p:transition>
     </mc:Choice>
-    <mc:Fallback xmlns="">
+    <mc:Fallback>
       <p:transition spd="med">
         <p:fade/>
       </p:transition>
@@ -10266,7 +12692,367 @@
   <p:timing>
     <p:tnLst>
       <p:par>
-        <p:cTn id="1" dur="indefinite" restart="never" nodeType="tmRoot"/>
+        <p:cTn id="1" dur="indefinite" restart="never" nodeType="tmRoot">
+          <p:childTnLst>
+            <p:seq concurrent="1" nextAc="seek">
+              <p:cTn id="2" dur="indefinite" nodeType="mainSeq">
+                <p:childTnLst>
+                  <p:par>
+                    <p:cTn id="3" fill="hold">
+                      <p:stCondLst>
+                        <p:cond delay="indefinite"/>
+                      </p:stCondLst>
+                      <p:childTnLst>
+                        <p:par>
+                          <p:cTn id="4" fill="hold">
+                            <p:stCondLst>
+                              <p:cond delay="0"/>
+                            </p:stCondLst>
+                            <p:childTnLst>
+                              <p:par>
+                                <p:cTn id="5" presetID="10" presetClass="entr" presetSubtype="0" fill="hold" nodeType="clickEffect">
+                                  <p:stCondLst>
+                                    <p:cond delay="0"/>
+                                  </p:stCondLst>
+                                  <p:childTnLst>
+                                    <p:set>
+                                      <p:cBhvr>
+                                        <p:cTn id="6" dur="1" fill="hold">
+                                          <p:stCondLst>
+                                            <p:cond delay="0"/>
+                                          </p:stCondLst>
+                                        </p:cTn>
+                                        <p:tgtEl>
+                                          <p:spTgt spid="3">
+                                            <p:txEl>
+                                              <p:pRg st="0" end="0"/>
+                                            </p:txEl>
+                                          </p:spTgt>
+                                        </p:tgtEl>
+                                        <p:attrNameLst>
+                                          <p:attrName>style.visibility</p:attrName>
+                                        </p:attrNameLst>
+                                      </p:cBhvr>
+                                      <p:to>
+                                        <p:strVal val="visible"/>
+                                      </p:to>
+                                    </p:set>
+                                    <p:animEffect transition="in" filter="fade">
+                                      <p:cBhvr>
+                                        <p:cTn id="7" dur="500"/>
+                                        <p:tgtEl>
+                                          <p:spTgt spid="3">
+                                            <p:txEl>
+                                              <p:pRg st="0" end="0"/>
+                                            </p:txEl>
+                                          </p:spTgt>
+                                        </p:tgtEl>
+                                      </p:cBhvr>
+                                    </p:animEffect>
+                                  </p:childTnLst>
+                                </p:cTn>
+                              </p:par>
+                            </p:childTnLst>
+                          </p:cTn>
+                        </p:par>
+                      </p:childTnLst>
+                    </p:cTn>
+                  </p:par>
+                  <p:par>
+                    <p:cTn id="8" fill="hold">
+                      <p:stCondLst>
+                        <p:cond delay="indefinite"/>
+                      </p:stCondLst>
+                      <p:childTnLst>
+                        <p:par>
+                          <p:cTn id="9" fill="hold">
+                            <p:stCondLst>
+                              <p:cond delay="0"/>
+                            </p:stCondLst>
+                            <p:childTnLst>
+                              <p:par>
+                                <p:cTn id="10" presetID="10" presetClass="entr" presetSubtype="0" fill="hold" nodeType="clickEffect">
+                                  <p:stCondLst>
+                                    <p:cond delay="0"/>
+                                  </p:stCondLst>
+                                  <p:childTnLst>
+                                    <p:set>
+                                      <p:cBhvr>
+                                        <p:cTn id="11" dur="1" fill="hold">
+                                          <p:stCondLst>
+                                            <p:cond delay="0"/>
+                                          </p:stCondLst>
+                                        </p:cTn>
+                                        <p:tgtEl>
+                                          <p:spTgt spid="3">
+                                            <p:txEl>
+                                              <p:pRg st="1" end="1"/>
+                                            </p:txEl>
+                                          </p:spTgt>
+                                        </p:tgtEl>
+                                        <p:attrNameLst>
+                                          <p:attrName>style.visibility</p:attrName>
+                                        </p:attrNameLst>
+                                      </p:cBhvr>
+                                      <p:to>
+                                        <p:strVal val="visible"/>
+                                      </p:to>
+                                    </p:set>
+                                    <p:animEffect transition="in" filter="fade">
+                                      <p:cBhvr>
+                                        <p:cTn id="12" dur="500"/>
+                                        <p:tgtEl>
+                                          <p:spTgt spid="3">
+                                            <p:txEl>
+                                              <p:pRg st="1" end="1"/>
+                                            </p:txEl>
+                                          </p:spTgt>
+                                        </p:tgtEl>
+                                      </p:cBhvr>
+                                    </p:animEffect>
+                                  </p:childTnLst>
+                                </p:cTn>
+                              </p:par>
+                              <p:par>
+                                <p:cTn id="13" presetID="10" presetClass="entr" presetSubtype="0" fill="hold" nodeType="withEffect">
+                                  <p:stCondLst>
+                                    <p:cond delay="0"/>
+                                  </p:stCondLst>
+                                  <p:childTnLst>
+                                    <p:set>
+                                      <p:cBhvr>
+                                        <p:cTn id="14" dur="1" fill="hold">
+                                          <p:stCondLst>
+                                            <p:cond delay="0"/>
+                                          </p:stCondLst>
+                                        </p:cTn>
+                                        <p:tgtEl>
+                                          <p:spTgt spid="3">
+                                            <p:txEl>
+                                              <p:pRg st="2" end="2"/>
+                                            </p:txEl>
+                                          </p:spTgt>
+                                        </p:tgtEl>
+                                        <p:attrNameLst>
+                                          <p:attrName>style.visibility</p:attrName>
+                                        </p:attrNameLst>
+                                      </p:cBhvr>
+                                      <p:to>
+                                        <p:strVal val="visible"/>
+                                      </p:to>
+                                    </p:set>
+                                    <p:animEffect transition="in" filter="fade">
+                                      <p:cBhvr>
+                                        <p:cTn id="15" dur="500"/>
+                                        <p:tgtEl>
+                                          <p:spTgt spid="3">
+                                            <p:txEl>
+                                              <p:pRg st="2" end="2"/>
+                                            </p:txEl>
+                                          </p:spTgt>
+                                        </p:tgtEl>
+                                      </p:cBhvr>
+                                    </p:animEffect>
+                                  </p:childTnLst>
+                                </p:cTn>
+                              </p:par>
+                              <p:par>
+                                <p:cTn id="16" presetID="10" presetClass="entr" presetSubtype="0" fill="hold" nodeType="withEffect">
+                                  <p:stCondLst>
+                                    <p:cond delay="0"/>
+                                  </p:stCondLst>
+                                  <p:childTnLst>
+                                    <p:set>
+                                      <p:cBhvr>
+                                        <p:cTn id="17" dur="1" fill="hold">
+                                          <p:stCondLst>
+                                            <p:cond delay="0"/>
+                                          </p:stCondLst>
+                                        </p:cTn>
+                                        <p:tgtEl>
+                                          <p:spTgt spid="3">
+                                            <p:txEl>
+                                              <p:pRg st="3" end="3"/>
+                                            </p:txEl>
+                                          </p:spTgt>
+                                        </p:tgtEl>
+                                        <p:attrNameLst>
+                                          <p:attrName>style.visibility</p:attrName>
+                                        </p:attrNameLst>
+                                      </p:cBhvr>
+                                      <p:to>
+                                        <p:strVal val="visible"/>
+                                      </p:to>
+                                    </p:set>
+                                    <p:animEffect transition="in" filter="fade">
+                                      <p:cBhvr>
+                                        <p:cTn id="18" dur="500"/>
+                                        <p:tgtEl>
+                                          <p:spTgt spid="3">
+                                            <p:txEl>
+                                              <p:pRg st="3" end="3"/>
+                                            </p:txEl>
+                                          </p:spTgt>
+                                        </p:tgtEl>
+                                      </p:cBhvr>
+                                    </p:animEffect>
+                                  </p:childTnLst>
+                                </p:cTn>
+                              </p:par>
+                              <p:par>
+                                <p:cTn id="19" presetID="10" presetClass="entr" presetSubtype="0" fill="hold" nodeType="withEffect">
+                                  <p:stCondLst>
+                                    <p:cond delay="0"/>
+                                  </p:stCondLst>
+                                  <p:childTnLst>
+                                    <p:set>
+                                      <p:cBhvr>
+                                        <p:cTn id="20" dur="1" fill="hold">
+                                          <p:stCondLst>
+                                            <p:cond delay="0"/>
+                                          </p:stCondLst>
+                                        </p:cTn>
+                                        <p:tgtEl>
+                                          <p:spTgt spid="3">
+                                            <p:txEl>
+                                              <p:pRg st="4" end="4"/>
+                                            </p:txEl>
+                                          </p:spTgt>
+                                        </p:tgtEl>
+                                        <p:attrNameLst>
+                                          <p:attrName>style.visibility</p:attrName>
+                                        </p:attrNameLst>
+                                      </p:cBhvr>
+                                      <p:to>
+                                        <p:strVal val="visible"/>
+                                      </p:to>
+                                    </p:set>
+                                    <p:animEffect transition="in" filter="fade">
+                                      <p:cBhvr>
+                                        <p:cTn id="21" dur="500"/>
+                                        <p:tgtEl>
+                                          <p:spTgt spid="3">
+                                            <p:txEl>
+                                              <p:pRg st="4" end="4"/>
+                                            </p:txEl>
+                                          </p:spTgt>
+                                        </p:tgtEl>
+                                      </p:cBhvr>
+                                    </p:animEffect>
+                                  </p:childTnLst>
+                                </p:cTn>
+                              </p:par>
+                              <p:par>
+                                <p:cTn id="22" presetID="10" presetClass="entr" presetSubtype="0" fill="hold" nodeType="withEffect">
+                                  <p:stCondLst>
+                                    <p:cond delay="0"/>
+                                  </p:stCondLst>
+                                  <p:childTnLst>
+                                    <p:set>
+                                      <p:cBhvr>
+                                        <p:cTn id="23" dur="1" fill="hold">
+                                          <p:stCondLst>
+                                            <p:cond delay="0"/>
+                                          </p:stCondLst>
+                                        </p:cTn>
+                                        <p:tgtEl>
+                                          <p:spTgt spid="3">
+                                            <p:txEl>
+                                              <p:pRg st="5" end="5"/>
+                                            </p:txEl>
+                                          </p:spTgt>
+                                        </p:tgtEl>
+                                        <p:attrNameLst>
+                                          <p:attrName>style.visibility</p:attrName>
+                                        </p:attrNameLst>
+                                      </p:cBhvr>
+                                      <p:to>
+                                        <p:strVal val="visible"/>
+                                      </p:to>
+                                    </p:set>
+                                    <p:animEffect transition="in" filter="fade">
+                                      <p:cBhvr>
+                                        <p:cTn id="24" dur="500"/>
+                                        <p:tgtEl>
+                                          <p:spTgt spid="3">
+                                            <p:txEl>
+                                              <p:pRg st="5" end="5"/>
+                                            </p:txEl>
+                                          </p:spTgt>
+                                        </p:tgtEl>
+                                      </p:cBhvr>
+                                    </p:animEffect>
+                                  </p:childTnLst>
+                                </p:cTn>
+                              </p:par>
+                              <p:par>
+                                <p:cTn id="25" presetID="10" presetClass="entr" presetSubtype="0" fill="hold" nodeType="withEffect">
+                                  <p:stCondLst>
+                                    <p:cond delay="0"/>
+                                  </p:stCondLst>
+                                  <p:childTnLst>
+                                    <p:set>
+                                      <p:cBhvr>
+                                        <p:cTn id="26" dur="1" fill="hold">
+                                          <p:stCondLst>
+                                            <p:cond delay="0"/>
+                                          </p:stCondLst>
+                                        </p:cTn>
+                                        <p:tgtEl>
+                                          <p:spTgt spid="3">
+                                            <p:txEl>
+                                              <p:pRg st="6" end="6"/>
+                                            </p:txEl>
+                                          </p:spTgt>
+                                        </p:tgtEl>
+                                        <p:attrNameLst>
+                                          <p:attrName>style.visibility</p:attrName>
+                                        </p:attrNameLst>
+                                      </p:cBhvr>
+                                      <p:to>
+                                        <p:strVal val="visible"/>
+                                      </p:to>
+                                    </p:set>
+                                    <p:animEffect transition="in" filter="fade">
+                                      <p:cBhvr>
+                                        <p:cTn id="27" dur="500"/>
+                                        <p:tgtEl>
+                                          <p:spTgt spid="3">
+                                            <p:txEl>
+                                              <p:pRg st="6" end="6"/>
+                                            </p:txEl>
+                                          </p:spTgt>
+                                        </p:tgtEl>
+                                      </p:cBhvr>
+                                    </p:animEffect>
+                                  </p:childTnLst>
+                                </p:cTn>
+                              </p:par>
+                            </p:childTnLst>
+                          </p:cTn>
+                        </p:par>
+                      </p:childTnLst>
+                    </p:cTn>
+                  </p:par>
+                </p:childTnLst>
+              </p:cTn>
+              <p:prevCondLst>
+                <p:cond evt="onPrev" delay="0">
+                  <p:tgtEl>
+                    <p:sldTgt/>
+                  </p:tgtEl>
+                </p:cond>
+              </p:prevCondLst>
+              <p:nextCondLst>
+                <p:cond evt="onNext" delay="0">
+                  <p:tgtEl>
+                    <p:sldTgt/>
+                  </p:tgtEl>
+                </p:cond>
+              </p:nextCondLst>
+            </p:seq>
+          </p:childTnLst>
+        </p:cTn>
       </p:par>
     </p:tnLst>
   </p:timing>
@@ -10347,7 +13133,18 @@
             <a:pPr lvl="1"/>
             <a:r>
               <a:rPr lang="en-CA" dirty="0" smtClean="0"/>
-              <a:t>Example: MyClass.java changed between versions 1 and 2, and also between version 3 and 4</a:t>
+              <a:t>Example: </a:t>
+            </a:r>
+            <a:r>
+              <a:rPr lang="en-CA" sz="2600" dirty="0" smtClean="0">
+                <a:latin typeface="Consolas" panose="020B0609020204030204" pitchFamily="49" charset="0"/>
+                <a:cs typeface="Consolas" panose="020B0609020204030204" pitchFamily="49" charset="0"/>
+              </a:rPr>
+              <a:t>MyClass.java</a:t>
+            </a:r>
+            <a:r>
+              <a:rPr lang="en-CA" dirty="0" smtClean="0"/>
+              <a:t> changed between versions 1 and 2, and also between version 3 and 4</a:t>
             </a:r>
           </a:p>
           <a:p>
@@ -10437,13 +13234,13 @@
   <p:clrMapOvr>
     <a:masterClrMapping/>
   </p:clrMapOvr>
-  <mc:AlternateContent xmlns:mc="http://schemas.openxmlformats.org/markup-compatibility/2006" xmlns:p14="http://schemas.microsoft.com/office/powerpoint/2010/main">
-    <mc:Choice Requires="p14">
+  <mc:AlternateContent xmlns:mc="http://schemas.openxmlformats.org/markup-compatibility/2006">
+    <mc:Choice xmlns:p14="http://schemas.microsoft.com/office/powerpoint/2010/main" Requires="p14">
       <p:transition spd="med" p14:dur="700">
         <p:fade/>
       </p:transition>
     </mc:Choice>
-    <mc:Fallback xmlns="">
+    <mc:Fallback>
       <p:transition spd="med">
         <p:fade/>
       </p:transition>
@@ -10453,6 +13250,553 @@
     <p:tnLst>
       <p:par>
         <p:cTn id="1" dur="indefinite" restart="never" nodeType="tmRoot"/>
+      </p:par>
+    </p:tnLst>
+  </p:timing>
+</p:sld>
+</file>
+
+<file path=ppt/slides/slide20.xml><?xml version="1.0" encoding="utf-8"?>
+<p:sld xmlns:a="http://schemas.openxmlformats.org/drawingml/2006/main" xmlns:r="http://schemas.openxmlformats.org/officeDocument/2006/relationships" xmlns:p="http://schemas.openxmlformats.org/presentationml/2006/main">
+  <p:cSld>
+    <p:spTree>
+      <p:nvGrpSpPr>
+        <p:cNvPr id="1" name=""/>
+        <p:cNvGrpSpPr/>
+        <p:nvPr/>
+      </p:nvGrpSpPr>
+      <p:grpSpPr>
+        <a:xfrm>
+          <a:off x="0" y="0"/>
+          <a:ext cx="0" cy="0"/>
+          <a:chOff x="0" y="0"/>
+          <a:chExt cx="0" cy="0"/>
+        </a:xfrm>
+      </p:grpSpPr>
+      <p:sp>
+        <p:nvSpPr>
+          <p:cNvPr id="2" name="Title 1"/>
+          <p:cNvSpPr>
+            <a:spLocks noGrp="1"/>
+          </p:cNvSpPr>
+          <p:nvPr>
+            <p:ph type="title"/>
+          </p:nvPr>
+        </p:nvSpPr>
+        <p:spPr/>
+        <p:txBody>
+          <a:bodyPr/>
+          <a:lstStyle/>
+          <a:p>
+            <a:r>
+              <a:rPr lang="en-CA" dirty="0" smtClean="0"/>
+              <a:t>Threats to Validity</a:t>
+            </a:r>
+            <a:endParaRPr lang="en-US" dirty="0"/>
+          </a:p>
+        </p:txBody>
+      </p:sp>
+      <p:sp>
+        <p:nvSpPr>
+          <p:cNvPr id="3" name="Content Placeholder 2"/>
+          <p:cNvSpPr>
+            <a:spLocks noGrp="1"/>
+          </p:cNvSpPr>
+          <p:nvPr>
+            <p:ph idx="1"/>
+          </p:nvPr>
+        </p:nvSpPr>
+        <p:spPr/>
+        <p:txBody>
+          <a:bodyPr>
+            <a:normAutofit fontScale="92500" lnSpcReduction="10000"/>
+          </a:bodyPr>
+          <a:lstStyle/>
+          <a:p>
+            <a:r>
+              <a:rPr lang="en-CA" dirty="0" smtClean="0"/>
+              <a:t>Construct</a:t>
+            </a:r>
+          </a:p>
+          <a:p>
+            <a:pPr lvl="1"/>
+            <a:r>
+              <a:rPr lang="en-CA" dirty="0" smtClean="0"/>
+              <a:t>The time between each successive release was not uniform (varied between 1.5 years to 4 years)</a:t>
+            </a:r>
+            <a:endParaRPr lang="en-CA" dirty="0" smtClean="0"/>
+          </a:p>
+          <a:p>
+            <a:r>
+              <a:rPr lang="en-CA" dirty="0" smtClean="0"/>
+              <a:t>Internal</a:t>
+            </a:r>
+          </a:p>
+          <a:p>
+            <a:r>
+              <a:rPr lang="en-CA" dirty="0" smtClean="0"/>
+              <a:t>External</a:t>
+            </a:r>
+          </a:p>
+          <a:p>
+            <a:pPr lvl="1"/>
+            <a:r>
+              <a:rPr lang="en-CA" dirty="0" smtClean="0"/>
+              <a:t>Only used 1 project (should also repeat this on other OSS projects)</a:t>
+            </a:r>
+            <a:endParaRPr lang="en-CA" dirty="0" smtClean="0"/>
+          </a:p>
+          <a:p>
+            <a:r>
+              <a:rPr lang="en-CA" dirty="0" smtClean="0"/>
+              <a:t>Reliability</a:t>
+            </a:r>
+          </a:p>
+          <a:p>
+            <a:pPr lvl="1"/>
+            <a:r>
+              <a:rPr lang="en-CA" dirty="0" smtClean="0"/>
+              <a:t>Association rules based only on 4 versions (</a:t>
+            </a:r>
+            <a:r>
+              <a:rPr lang="en-CA" dirty="0" smtClean="0">
+                <a:solidFill>
+                  <a:srgbClr val="FF0000"/>
+                </a:solidFill>
+              </a:rPr>
+              <a:t>3 collections of files</a:t>
+            </a:r>
+            <a:r>
+              <a:rPr lang="en-CA" dirty="0" smtClean="0"/>
+              <a:t>)</a:t>
+            </a:r>
+            <a:endParaRPr lang="en-CA" dirty="0" smtClean="0"/>
+          </a:p>
+          <a:p>
+            <a:endParaRPr lang="en-US" dirty="0"/>
+          </a:p>
+        </p:txBody>
+      </p:sp>
+    </p:spTree>
+    <p:extLst>
+      <p:ext uri="{BB962C8B-B14F-4D97-AF65-F5344CB8AC3E}">
+        <p14:creationId xmlns:p14="http://schemas.microsoft.com/office/powerpoint/2010/main" val="1013677625"/>
+      </p:ext>
+    </p:extLst>
+  </p:cSld>
+  <p:clrMapOvr>
+    <a:masterClrMapping/>
+  </p:clrMapOvr>
+  <mc:AlternateContent xmlns:mc="http://schemas.openxmlformats.org/markup-compatibility/2006">
+    <mc:Choice xmlns:p14="http://schemas.microsoft.com/office/powerpoint/2010/main" Requires="p14">
+      <p:transition spd="med" p14:dur="700">
+        <p:fade/>
+      </p:transition>
+    </mc:Choice>
+    <mc:Fallback>
+      <p:transition spd="med">
+        <p:fade/>
+      </p:transition>
+    </mc:Fallback>
+  </mc:AlternateContent>
+  <p:timing>
+    <p:tnLst>
+      <p:par>
+        <p:cTn id="1" dur="indefinite" restart="never" nodeType="tmRoot"/>
+      </p:par>
+    </p:tnLst>
+  </p:timing>
+</p:sld>
+</file>
+
+<file path=ppt/slides/slide21.xml><?xml version="1.0" encoding="utf-8"?>
+<p:sld xmlns:a="http://schemas.openxmlformats.org/drawingml/2006/main" xmlns:r="http://schemas.openxmlformats.org/officeDocument/2006/relationships" xmlns:p="http://schemas.openxmlformats.org/presentationml/2006/main">
+  <p:cSld>
+    <p:spTree>
+      <p:nvGrpSpPr>
+        <p:cNvPr id="1" name=""/>
+        <p:cNvGrpSpPr/>
+        <p:nvPr/>
+      </p:nvGrpSpPr>
+      <p:grpSpPr>
+        <a:xfrm>
+          <a:off x="0" y="0"/>
+          <a:ext cx="0" cy="0"/>
+          <a:chOff x="0" y="0"/>
+          <a:chExt cx="0" cy="0"/>
+        </a:xfrm>
+      </p:grpSpPr>
+      <p:sp>
+        <p:nvSpPr>
+          <p:cNvPr id="2" name="Title 1"/>
+          <p:cNvSpPr>
+            <a:spLocks noGrp="1"/>
+          </p:cNvSpPr>
+          <p:nvPr>
+            <p:ph type="title"/>
+          </p:nvPr>
+        </p:nvSpPr>
+        <p:spPr/>
+        <p:txBody>
+          <a:bodyPr/>
+          <a:lstStyle/>
+          <a:p>
+            <a:r>
+              <a:rPr lang="en-CA" dirty="0" smtClean="0"/>
+              <a:t>Summary</a:t>
+            </a:r>
+            <a:endParaRPr lang="en-US" dirty="0"/>
+          </a:p>
+        </p:txBody>
+      </p:sp>
+      <p:sp>
+        <p:nvSpPr>
+          <p:cNvPr id="3" name="Content Placeholder 2"/>
+          <p:cNvSpPr>
+            <a:spLocks noGrp="1"/>
+          </p:cNvSpPr>
+          <p:nvPr>
+            <p:ph idx="1"/>
+          </p:nvPr>
+        </p:nvSpPr>
+        <p:spPr/>
+        <p:txBody>
+          <a:bodyPr>
+            <a:normAutofit fontScale="92500"/>
+          </a:bodyPr>
+          <a:lstStyle/>
+          <a:p>
+            <a:r>
+              <a:rPr lang="en-CA" dirty="0" smtClean="0"/>
+              <a:t>Over multiple versions of Apache Ant, i</a:t>
+            </a:r>
+            <a:r>
+              <a:rPr lang="en-CA" dirty="0" smtClean="0"/>
+              <a:t>t </a:t>
+            </a:r>
+            <a:r>
+              <a:rPr lang="en-CA" dirty="0" smtClean="0"/>
+              <a:t>was clear that more volatile code </a:t>
+            </a:r>
+            <a:r>
+              <a:rPr lang="en-CA" dirty="0" smtClean="0"/>
+              <a:t>tended </a:t>
+            </a:r>
+            <a:r>
+              <a:rPr lang="en-CA" dirty="0" smtClean="0"/>
+              <a:t>to exhibit lower quality </a:t>
+            </a:r>
+            <a:r>
+              <a:rPr lang="en-CA" dirty="0" smtClean="0"/>
+              <a:t>metrics (C&amp;K + MOOD)</a:t>
+            </a:r>
+          </a:p>
+          <a:p>
+            <a:endParaRPr lang="en-CA" dirty="0" smtClean="0"/>
+          </a:p>
+          <a:p>
+            <a:r>
+              <a:rPr lang="en-CA" dirty="0" smtClean="0"/>
+              <a:t>Based on historical SVN data, we attempted to build a prediction model using association rules</a:t>
+            </a:r>
+          </a:p>
+          <a:p>
+            <a:pPr lvl="1"/>
+            <a:r>
+              <a:rPr lang="en-CA" dirty="0"/>
+              <a:t>P</a:t>
+            </a:r>
+            <a:r>
+              <a:rPr lang="en-CA" dirty="0" smtClean="0"/>
+              <a:t>recision </a:t>
+            </a:r>
+            <a:r>
+              <a:rPr lang="en-CA" dirty="0"/>
+              <a:t>and recall </a:t>
+            </a:r>
+            <a:r>
+              <a:rPr lang="en-CA" dirty="0" smtClean="0"/>
+              <a:t>values were calculated</a:t>
+            </a:r>
+          </a:p>
+          <a:p>
+            <a:pPr lvl="1"/>
+            <a:r>
+              <a:rPr lang="en-CA" dirty="0" smtClean="0"/>
+              <a:t>Both were quite low; however, they do give valuable </a:t>
+            </a:r>
+            <a:r>
+              <a:rPr lang="en-CA" dirty="0"/>
+              <a:t>information to </a:t>
+            </a:r>
+            <a:r>
+              <a:rPr lang="en-CA" dirty="0" smtClean="0"/>
+              <a:t>the developer / team</a:t>
+            </a:r>
+            <a:endParaRPr lang="en-CA" dirty="0" smtClean="0"/>
+          </a:p>
+          <a:p>
+            <a:endParaRPr lang="en-US" dirty="0"/>
+          </a:p>
+        </p:txBody>
+      </p:sp>
+    </p:spTree>
+    <p:extLst>
+      <p:ext uri="{BB962C8B-B14F-4D97-AF65-F5344CB8AC3E}">
+        <p14:creationId xmlns:p14="http://schemas.microsoft.com/office/powerpoint/2010/main" val="2214876572"/>
+      </p:ext>
+    </p:extLst>
+  </p:cSld>
+  <p:clrMapOvr>
+    <a:masterClrMapping/>
+  </p:clrMapOvr>
+  <mc:AlternateContent xmlns:mc="http://schemas.openxmlformats.org/markup-compatibility/2006">
+    <mc:Choice xmlns:p14="http://schemas.microsoft.com/office/powerpoint/2010/main" Requires="p14">
+      <p:transition spd="med" p14:dur="700">
+        <p:fade/>
+      </p:transition>
+    </mc:Choice>
+    <mc:Fallback>
+      <p:transition spd="med">
+        <p:fade/>
+      </p:transition>
+    </mc:Fallback>
+  </mc:AlternateContent>
+  <p:timing>
+    <p:tnLst>
+      <p:par>
+        <p:cTn id="1" dur="indefinite" restart="never" nodeType="tmRoot">
+          <p:childTnLst>
+            <p:seq concurrent="1" nextAc="seek">
+              <p:cTn id="2" dur="indefinite" nodeType="mainSeq">
+                <p:childTnLst>
+                  <p:par>
+                    <p:cTn id="3" fill="hold">
+                      <p:stCondLst>
+                        <p:cond delay="indefinite"/>
+                      </p:stCondLst>
+                      <p:childTnLst>
+                        <p:par>
+                          <p:cTn id="4" fill="hold">
+                            <p:stCondLst>
+                              <p:cond delay="0"/>
+                            </p:stCondLst>
+                            <p:childTnLst>
+                              <p:par>
+                                <p:cTn id="5" presetID="10" presetClass="entr" presetSubtype="0" fill="hold" nodeType="clickEffect">
+                                  <p:stCondLst>
+                                    <p:cond delay="0"/>
+                                  </p:stCondLst>
+                                  <p:childTnLst>
+                                    <p:set>
+                                      <p:cBhvr>
+                                        <p:cTn id="6" dur="1" fill="hold">
+                                          <p:stCondLst>
+                                            <p:cond delay="0"/>
+                                          </p:stCondLst>
+                                        </p:cTn>
+                                        <p:tgtEl>
+                                          <p:spTgt spid="3">
+                                            <p:txEl>
+                                              <p:pRg st="0" end="0"/>
+                                            </p:txEl>
+                                          </p:spTgt>
+                                        </p:tgtEl>
+                                        <p:attrNameLst>
+                                          <p:attrName>style.visibility</p:attrName>
+                                        </p:attrNameLst>
+                                      </p:cBhvr>
+                                      <p:to>
+                                        <p:strVal val="visible"/>
+                                      </p:to>
+                                    </p:set>
+                                    <p:animEffect transition="in" filter="fade">
+                                      <p:cBhvr>
+                                        <p:cTn id="7" dur="500"/>
+                                        <p:tgtEl>
+                                          <p:spTgt spid="3">
+                                            <p:txEl>
+                                              <p:pRg st="0" end="0"/>
+                                            </p:txEl>
+                                          </p:spTgt>
+                                        </p:tgtEl>
+                                      </p:cBhvr>
+                                    </p:animEffect>
+                                  </p:childTnLst>
+                                </p:cTn>
+                              </p:par>
+                            </p:childTnLst>
+                          </p:cTn>
+                        </p:par>
+                      </p:childTnLst>
+                    </p:cTn>
+                  </p:par>
+                  <p:par>
+                    <p:cTn id="8" fill="hold">
+                      <p:stCondLst>
+                        <p:cond delay="indefinite"/>
+                      </p:stCondLst>
+                      <p:childTnLst>
+                        <p:par>
+                          <p:cTn id="9" fill="hold">
+                            <p:stCondLst>
+                              <p:cond delay="0"/>
+                            </p:stCondLst>
+                            <p:childTnLst>
+                              <p:par>
+                                <p:cTn id="10" presetID="10" presetClass="entr" presetSubtype="0" fill="hold" nodeType="clickEffect">
+                                  <p:stCondLst>
+                                    <p:cond delay="0"/>
+                                  </p:stCondLst>
+                                  <p:childTnLst>
+                                    <p:set>
+                                      <p:cBhvr>
+                                        <p:cTn id="11" dur="1" fill="hold">
+                                          <p:stCondLst>
+                                            <p:cond delay="0"/>
+                                          </p:stCondLst>
+                                        </p:cTn>
+                                        <p:tgtEl>
+                                          <p:spTgt spid="3">
+                                            <p:txEl>
+                                              <p:pRg st="2" end="2"/>
+                                            </p:txEl>
+                                          </p:spTgt>
+                                        </p:tgtEl>
+                                        <p:attrNameLst>
+                                          <p:attrName>style.visibility</p:attrName>
+                                        </p:attrNameLst>
+                                      </p:cBhvr>
+                                      <p:to>
+                                        <p:strVal val="visible"/>
+                                      </p:to>
+                                    </p:set>
+                                    <p:animEffect transition="in" filter="fade">
+                                      <p:cBhvr>
+                                        <p:cTn id="12" dur="500"/>
+                                        <p:tgtEl>
+                                          <p:spTgt spid="3">
+                                            <p:txEl>
+                                              <p:pRg st="2" end="2"/>
+                                            </p:txEl>
+                                          </p:spTgt>
+                                        </p:tgtEl>
+                                      </p:cBhvr>
+                                    </p:animEffect>
+                                  </p:childTnLst>
+                                </p:cTn>
+                              </p:par>
+                              <p:par>
+                                <p:cTn id="13" presetID="10" presetClass="entr" presetSubtype="0" fill="hold" nodeType="withEffect">
+                                  <p:stCondLst>
+                                    <p:cond delay="0"/>
+                                  </p:stCondLst>
+                                  <p:childTnLst>
+                                    <p:set>
+                                      <p:cBhvr>
+                                        <p:cTn id="14" dur="1" fill="hold">
+                                          <p:stCondLst>
+                                            <p:cond delay="0"/>
+                                          </p:stCondLst>
+                                        </p:cTn>
+                                        <p:tgtEl>
+                                          <p:spTgt spid="3">
+                                            <p:txEl>
+                                              <p:pRg st="3" end="3"/>
+                                            </p:txEl>
+                                          </p:spTgt>
+                                        </p:tgtEl>
+                                        <p:attrNameLst>
+                                          <p:attrName>style.visibility</p:attrName>
+                                        </p:attrNameLst>
+                                      </p:cBhvr>
+                                      <p:to>
+                                        <p:strVal val="visible"/>
+                                      </p:to>
+                                    </p:set>
+                                    <p:animEffect transition="in" filter="fade">
+                                      <p:cBhvr>
+                                        <p:cTn id="15" dur="500"/>
+                                        <p:tgtEl>
+                                          <p:spTgt spid="3">
+                                            <p:txEl>
+                                              <p:pRg st="3" end="3"/>
+                                            </p:txEl>
+                                          </p:spTgt>
+                                        </p:tgtEl>
+                                      </p:cBhvr>
+                                    </p:animEffect>
+                                  </p:childTnLst>
+                                </p:cTn>
+                              </p:par>
+                              <p:par>
+                                <p:cTn id="16" presetID="10" presetClass="entr" presetSubtype="0" fill="hold" nodeType="withEffect">
+                                  <p:stCondLst>
+                                    <p:cond delay="0"/>
+                                  </p:stCondLst>
+                                  <p:childTnLst>
+                                    <p:set>
+                                      <p:cBhvr>
+                                        <p:cTn id="17" dur="1" fill="hold">
+                                          <p:stCondLst>
+                                            <p:cond delay="0"/>
+                                          </p:stCondLst>
+                                        </p:cTn>
+                                        <p:tgtEl>
+                                          <p:spTgt spid="3">
+                                            <p:txEl>
+                                              <p:pRg st="4" end="4"/>
+                                            </p:txEl>
+                                          </p:spTgt>
+                                        </p:tgtEl>
+                                        <p:attrNameLst>
+                                          <p:attrName>style.visibility</p:attrName>
+                                        </p:attrNameLst>
+                                      </p:cBhvr>
+                                      <p:to>
+                                        <p:strVal val="visible"/>
+                                      </p:to>
+                                    </p:set>
+                                    <p:animEffect transition="in" filter="fade">
+                                      <p:cBhvr>
+                                        <p:cTn id="18" dur="500"/>
+                                        <p:tgtEl>
+                                          <p:spTgt spid="3">
+                                            <p:txEl>
+                                              <p:pRg st="4" end="4"/>
+                                            </p:txEl>
+                                          </p:spTgt>
+                                        </p:tgtEl>
+                                      </p:cBhvr>
+                                    </p:animEffect>
+                                  </p:childTnLst>
+                                </p:cTn>
+                              </p:par>
+                            </p:childTnLst>
+                          </p:cTn>
+                        </p:par>
+                      </p:childTnLst>
+                    </p:cTn>
+                  </p:par>
+                </p:childTnLst>
+              </p:cTn>
+              <p:prevCondLst>
+                <p:cond evt="onPrev" delay="0">
+                  <p:tgtEl>
+                    <p:sldTgt/>
+                  </p:tgtEl>
+                </p:cond>
+              </p:prevCondLst>
+              <p:nextCondLst>
+                <p:cond evt="onNext" delay="0">
+                  <p:tgtEl>
+                    <p:sldTgt/>
+                  </p:tgtEl>
+                </p:cond>
+              </p:nextCondLst>
+            </p:seq>
+          </p:childTnLst>
+        </p:cTn>
       </p:par>
     </p:tnLst>
   </p:timing>
@@ -11346,13 +14690,13 @@
   <p:clrMapOvr>
     <a:masterClrMapping/>
   </p:clrMapOvr>
-  <mc:AlternateContent xmlns:mc="http://schemas.openxmlformats.org/markup-compatibility/2006" xmlns:p14="http://schemas.microsoft.com/office/powerpoint/2010/main">
-    <mc:Choice Requires="p14">
+  <mc:AlternateContent xmlns:mc="http://schemas.openxmlformats.org/markup-compatibility/2006">
+    <mc:Choice xmlns:p14="http://schemas.microsoft.com/office/powerpoint/2010/main" Requires="p14">
       <p:transition spd="med" p14:dur="700">
         <p:fade/>
       </p:transition>
     </mc:Choice>
-    <mc:Fallback xmlns="">
+    <mc:Fallback>
       <p:transition spd="med">
         <p:fade/>
       </p:transition>
@@ -12641,13 +15985,13 @@
   <p:clrMapOvr>
     <a:masterClrMapping/>
   </p:clrMapOvr>
-  <mc:AlternateContent xmlns:mc="http://schemas.openxmlformats.org/markup-compatibility/2006" xmlns:p14="http://schemas.microsoft.com/office/powerpoint/2010/main">
-    <mc:Choice Requires="p14">
+  <mc:AlternateContent xmlns:mc="http://schemas.openxmlformats.org/markup-compatibility/2006">
+    <mc:Choice xmlns:p14="http://schemas.microsoft.com/office/powerpoint/2010/main" Requires="p14">
       <p:transition spd="med" p14:dur="700">
         <p:fade/>
       </p:transition>
     </mc:Choice>
-    <mc:Fallback xmlns="">
+    <mc:Fallback>
       <p:transition spd="med">
         <p:fade/>
       </p:transition>
@@ -13338,7 +16682,15 @@
           <a:p>
             <a:r>
               <a:rPr lang="en-US" dirty="0" smtClean="0"/>
-              <a:t>Based on volatility and association rules, can we build a practical change propensity model?</a:t>
+              <a:t>Based on </a:t>
+            </a:r>
+            <a:r>
+              <a:rPr lang="en-US" dirty="0" smtClean="0"/>
+              <a:t>association </a:t>
+            </a:r>
+            <a:r>
+              <a:rPr lang="en-US" dirty="0" smtClean="0"/>
+              <a:t>rules, can we build a practical change propensity model?</a:t>
             </a:r>
           </a:p>
           <a:p>
@@ -13349,7 +16701,15 @@
             </a:r>
             <a:r>
               <a:rPr lang="en-CA" dirty="0" smtClean="0"/>
-              <a:t>: Based on historical volatility data and association rules, we can </a:t>
+              <a:t>: Based on </a:t>
+            </a:r>
+            <a:r>
+              <a:rPr lang="en-CA" dirty="0" smtClean="0"/>
+              <a:t>association rules and historical data, </a:t>
+            </a:r>
+            <a:r>
+              <a:rPr lang="en-CA" dirty="0" smtClean="0"/>
+              <a:t>we can </a:t>
             </a:r>
             <a:r>
               <a:rPr lang="en-CA" b="1" dirty="0" smtClean="0">
@@ -13386,42 +16746,50 @@
                   </a:innerShdw>
                 </a:effectLst>
               </a:rPr>
-              <a:t>predict which classes may also change</a:t>
-            </a:r>
-            <a:endParaRPr lang="en-US" b="1" dirty="0" smtClean="0">
-              <a:ln w="1905"/>
-              <a:gradFill>
-                <a:gsLst>
-                  <a:gs pos="0">
-                    <a:schemeClr val="accent6">
-                      <a:shade val="20000"/>
-                      <a:satMod val="200000"/>
-                    </a:schemeClr>
-                  </a:gs>
-                  <a:gs pos="78000">
-                    <a:schemeClr val="accent6">
-                      <a:tint val="90000"/>
-                      <a:shade val="89000"/>
-                      <a:satMod val="220000"/>
-                    </a:schemeClr>
-                  </a:gs>
-                  <a:gs pos="100000">
-                    <a:schemeClr val="accent6">
-                      <a:tint val="12000"/>
-                      <a:satMod val="255000"/>
-                    </a:schemeClr>
-                  </a:gs>
-                </a:gsLst>
-                <a:lin ang="5400000"/>
-              </a:gradFill>
-              <a:effectLst>
-                <a:innerShdw blurRad="69850" dist="43180" dir="5400000">
-                  <a:srgbClr val="000000">
-                    <a:alpha val="65000"/>
-                  </a:srgbClr>
-                </a:innerShdw>
-              </a:effectLst>
-            </a:endParaRPr>
+              <a:t>predict which classes may also </a:t>
+            </a:r>
+            <a:r>
+              <a:rPr lang="en-CA" b="1" dirty="0" smtClean="0">
+                <a:ln w="1905"/>
+                <a:gradFill>
+                  <a:gsLst>
+                    <a:gs pos="0">
+                      <a:schemeClr val="accent6">
+                        <a:shade val="20000"/>
+                        <a:satMod val="200000"/>
+                      </a:schemeClr>
+                    </a:gs>
+                    <a:gs pos="78000">
+                      <a:schemeClr val="accent6">
+                        <a:tint val="90000"/>
+                        <a:shade val="89000"/>
+                        <a:satMod val="220000"/>
+                      </a:schemeClr>
+                    </a:gs>
+                    <a:gs pos="100000">
+                      <a:schemeClr val="accent6">
+                        <a:tint val="12000"/>
+                        <a:satMod val="255000"/>
+                      </a:schemeClr>
+                    </a:gs>
+                  </a:gsLst>
+                  <a:lin ang="5400000"/>
+                </a:gradFill>
+                <a:effectLst>
+                  <a:innerShdw blurRad="69850" dist="43180" dir="5400000">
+                    <a:srgbClr val="000000">
+                      <a:alpha val="65000"/>
+                    </a:srgbClr>
+                  </a:innerShdw>
+                </a:effectLst>
+              </a:rPr>
+              <a:t>change </a:t>
+            </a:r>
+            <a:r>
+              <a:rPr lang="en-CA" dirty="0"/>
+              <a:t>in the current version</a:t>
+            </a:r>
+            <a:endParaRPr lang="en-US" dirty="0"/>
           </a:p>
         </p:txBody>
       </p:sp>
@@ -13435,13 +16803,13 @@
   <p:clrMapOvr>
     <a:masterClrMapping/>
   </p:clrMapOvr>
-  <mc:AlternateContent xmlns:mc="http://schemas.openxmlformats.org/markup-compatibility/2006" xmlns:p14="http://schemas.microsoft.com/office/powerpoint/2010/main">
-    <mc:Choice Requires="p14">
+  <mc:AlternateContent xmlns:mc="http://schemas.openxmlformats.org/markup-compatibility/2006">
+    <mc:Choice xmlns:p14="http://schemas.microsoft.com/office/powerpoint/2010/main" Requires="p14">
       <p:transition spd="med" p14:dur="700">
         <p:fade/>
       </p:transition>
     </mc:Choice>
-    <mc:Fallback xmlns="">
+    <mc:Fallback>
       <p:transition spd="med">
         <p:fade/>
       </p:transition>
@@ -13450,7 +16818,238 @@
   <p:timing>
     <p:tnLst>
       <p:par>
-        <p:cTn id="1" dur="indefinite" restart="never" nodeType="tmRoot"/>
+        <p:cTn id="1" dur="indefinite" restart="never" nodeType="tmRoot">
+          <p:childTnLst>
+            <p:seq concurrent="1" nextAc="seek">
+              <p:cTn id="2" dur="indefinite" nodeType="mainSeq">
+                <p:childTnLst>
+                  <p:par>
+                    <p:cTn id="3" fill="hold">
+                      <p:stCondLst>
+                        <p:cond delay="indefinite"/>
+                      </p:stCondLst>
+                      <p:childTnLst>
+                        <p:par>
+                          <p:cTn id="4" fill="hold">
+                            <p:stCondLst>
+                              <p:cond delay="0"/>
+                            </p:stCondLst>
+                            <p:childTnLst>
+                              <p:par>
+                                <p:cTn id="5" presetID="10" presetClass="entr" presetSubtype="0" fill="hold" nodeType="clickEffect">
+                                  <p:stCondLst>
+                                    <p:cond delay="0"/>
+                                  </p:stCondLst>
+                                  <p:childTnLst>
+                                    <p:set>
+                                      <p:cBhvr>
+                                        <p:cTn id="6" dur="1" fill="hold">
+                                          <p:stCondLst>
+                                            <p:cond delay="0"/>
+                                          </p:stCondLst>
+                                        </p:cTn>
+                                        <p:tgtEl>
+                                          <p:spTgt spid="3">
+                                            <p:txEl>
+                                              <p:pRg st="0" end="0"/>
+                                            </p:txEl>
+                                          </p:spTgt>
+                                        </p:tgtEl>
+                                        <p:attrNameLst>
+                                          <p:attrName>style.visibility</p:attrName>
+                                        </p:attrNameLst>
+                                      </p:cBhvr>
+                                      <p:to>
+                                        <p:strVal val="visible"/>
+                                      </p:to>
+                                    </p:set>
+                                    <p:animEffect transition="in" filter="fade">
+                                      <p:cBhvr>
+                                        <p:cTn id="7" dur="500"/>
+                                        <p:tgtEl>
+                                          <p:spTgt spid="3">
+                                            <p:txEl>
+                                              <p:pRg st="0" end="0"/>
+                                            </p:txEl>
+                                          </p:spTgt>
+                                        </p:tgtEl>
+                                      </p:cBhvr>
+                                    </p:animEffect>
+                                  </p:childTnLst>
+                                </p:cTn>
+                              </p:par>
+                              <p:par>
+                                <p:cTn id="8" presetID="10" presetClass="entr" presetSubtype="0" fill="hold" nodeType="withEffect">
+                                  <p:stCondLst>
+                                    <p:cond delay="0"/>
+                                  </p:stCondLst>
+                                  <p:childTnLst>
+                                    <p:set>
+                                      <p:cBhvr>
+                                        <p:cTn id="9" dur="1" fill="hold">
+                                          <p:stCondLst>
+                                            <p:cond delay="0"/>
+                                          </p:stCondLst>
+                                        </p:cTn>
+                                        <p:tgtEl>
+                                          <p:spTgt spid="3">
+                                            <p:txEl>
+                                              <p:pRg st="1" end="1"/>
+                                            </p:txEl>
+                                          </p:spTgt>
+                                        </p:tgtEl>
+                                        <p:attrNameLst>
+                                          <p:attrName>style.visibility</p:attrName>
+                                        </p:attrNameLst>
+                                      </p:cBhvr>
+                                      <p:to>
+                                        <p:strVal val="visible"/>
+                                      </p:to>
+                                    </p:set>
+                                    <p:animEffect transition="in" filter="fade">
+                                      <p:cBhvr>
+                                        <p:cTn id="10" dur="500"/>
+                                        <p:tgtEl>
+                                          <p:spTgt spid="3">
+                                            <p:txEl>
+                                              <p:pRg st="1" end="1"/>
+                                            </p:txEl>
+                                          </p:spTgt>
+                                        </p:tgtEl>
+                                      </p:cBhvr>
+                                    </p:animEffect>
+                                  </p:childTnLst>
+                                </p:cTn>
+                              </p:par>
+                            </p:childTnLst>
+                          </p:cTn>
+                        </p:par>
+                      </p:childTnLst>
+                    </p:cTn>
+                  </p:par>
+                  <p:par>
+                    <p:cTn id="11" fill="hold">
+                      <p:stCondLst>
+                        <p:cond delay="indefinite"/>
+                      </p:stCondLst>
+                      <p:childTnLst>
+                        <p:par>
+                          <p:cTn id="12" fill="hold">
+                            <p:stCondLst>
+                              <p:cond delay="0"/>
+                            </p:stCondLst>
+                            <p:childTnLst>
+                              <p:par>
+                                <p:cTn id="13" presetID="10" presetClass="entr" presetSubtype="0" fill="hold" nodeType="clickEffect">
+                                  <p:stCondLst>
+                                    <p:cond delay="0"/>
+                                  </p:stCondLst>
+                                  <p:childTnLst>
+                                    <p:set>
+                                      <p:cBhvr>
+                                        <p:cTn id="14" dur="1" fill="hold">
+                                          <p:stCondLst>
+                                            <p:cond delay="0"/>
+                                          </p:stCondLst>
+                                        </p:cTn>
+                                        <p:tgtEl>
+                                          <p:spTgt spid="3">
+                                            <p:txEl>
+                                              <p:pRg st="2" end="2"/>
+                                            </p:txEl>
+                                          </p:spTgt>
+                                        </p:tgtEl>
+                                        <p:attrNameLst>
+                                          <p:attrName>style.visibility</p:attrName>
+                                        </p:attrNameLst>
+                                      </p:cBhvr>
+                                      <p:to>
+                                        <p:strVal val="visible"/>
+                                      </p:to>
+                                    </p:set>
+                                    <p:animEffect transition="in" filter="fade">
+                                      <p:cBhvr>
+                                        <p:cTn id="15" dur="500"/>
+                                        <p:tgtEl>
+                                          <p:spTgt spid="3">
+                                            <p:txEl>
+                                              <p:pRg st="2" end="2"/>
+                                            </p:txEl>
+                                          </p:spTgt>
+                                        </p:tgtEl>
+                                      </p:cBhvr>
+                                    </p:animEffect>
+                                  </p:childTnLst>
+                                </p:cTn>
+                              </p:par>
+                              <p:par>
+                                <p:cTn id="16" presetID="10" presetClass="entr" presetSubtype="0" fill="hold" nodeType="withEffect">
+                                  <p:stCondLst>
+                                    <p:cond delay="0"/>
+                                  </p:stCondLst>
+                                  <p:childTnLst>
+                                    <p:set>
+                                      <p:cBhvr>
+                                        <p:cTn id="17" dur="1" fill="hold">
+                                          <p:stCondLst>
+                                            <p:cond delay="0"/>
+                                          </p:stCondLst>
+                                        </p:cTn>
+                                        <p:tgtEl>
+                                          <p:spTgt spid="3">
+                                            <p:txEl>
+                                              <p:pRg st="3" end="3"/>
+                                            </p:txEl>
+                                          </p:spTgt>
+                                        </p:tgtEl>
+                                        <p:attrNameLst>
+                                          <p:attrName>style.visibility</p:attrName>
+                                        </p:attrNameLst>
+                                      </p:cBhvr>
+                                      <p:to>
+                                        <p:strVal val="visible"/>
+                                      </p:to>
+                                    </p:set>
+                                    <p:animEffect transition="in" filter="fade">
+                                      <p:cBhvr>
+                                        <p:cTn id="18" dur="500"/>
+                                        <p:tgtEl>
+                                          <p:spTgt spid="3">
+                                            <p:txEl>
+                                              <p:pRg st="3" end="3"/>
+                                            </p:txEl>
+                                          </p:spTgt>
+                                        </p:tgtEl>
+                                      </p:cBhvr>
+                                    </p:animEffect>
+                                  </p:childTnLst>
+                                </p:cTn>
+                              </p:par>
+                            </p:childTnLst>
+                          </p:cTn>
+                        </p:par>
+                      </p:childTnLst>
+                    </p:cTn>
+                  </p:par>
+                </p:childTnLst>
+              </p:cTn>
+              <p:prevCondLst>
+                <p:cond evt="onPrev" delay="0">
+                  <p:tgtEl>
+                    <p:sldTgt/>
+                  </p:tgtEl>
+                </p:cond>
+              </p:prevCondLst>
+              <p:nextCondLst>
+                <p:cond evt="onNext" delay="0">
+                  <p:tgtEl>
+                    <p:sldTgt/>
+                  </p:tgtEl>
+                </p:cond>
+              </p:nextCondLst>
+            </p:seq>
+          </p:childTnLst>
+        </p:cTn>
       </p:par>
     </p:tnLst>
   </p:timing>
@@ -13530,13 +17129,13 @@
   <p:clrMapOvr>
     <a:masterClrMapping/>
   </p:clrMapOvr>
-  <mc:AlternateContent xmlns:mc="http://schemas.openxmlformats.org/markup-compatibility/2006" xmlns:p14="http://schemas.microsoft.com/office/powerpoint/2010/main">
-    <mc:Choice Requires="p14">
+  <mc:AlternateContent xmlns:mc="http://schemas.openxmlformats.org/markup-compatibility/2006">
+    <mc:Choice xmlns:p14="http://schemas.microsoft.com/office/powerpoint/2010/main" Requires="p14">
       <p:transition spd="med" p14:dur="700">
         <p:fade/>
       </p:transition>
     </mc:Choice>
-    <mc:Fallback xmlns="">
+    <mc:Fallback>
       <p:transition spd="med">
         <p:fade/>
       </p:transition>
@@ -13918,13 +17517,13 @@
   <p:clrMapOvr>
     <a:masterClrMapping/>
   </p:clrMapOvr>
-  <mc:AlternateContent xmlns:mc="http://schemas.openxmlformats.org/markup-compatibility/2006" xmlns:p14="http://schemas.microsoft.com/office/powerpoint/2010/main">
-    <mc:Choice Requires="p14">
+  <mc:AlternateContent xmlns:mc="http://schemas.openxmlformats.org/markup-compatibility/2006">
+    <mc:Choice xmlns:p14="http://schemas.microsoft.com/office/powerpoint/2010/main" Requires="p14">
       <p:transition spd="med" p14:dur="700">
         <p:fade/>
       </p:transition>
     </mc:Choice>
-    <mc:Fallback xmlns="">
+    <mc:Fallback>
       <p:transition spd="med">
         <p:fade/>
       </p:transition>
@@ -14580,13 +18179,13 @@
   <p:clrMapOvr>
     <a:masterClrMapping/>
   </p:clrMapOvr>
-  <mc:AlternateContent xmlns:mc="http://schemas.openxmlformats.org/markup-compatibility/2006" xmlns:p14="http://schemas.microsoft.com/office/powerpoint/2010/main">
-    <mc:Choice Requires="p14">
+  <mc:AlternateContent xmlns:mc="http://schemas.openxmlformats.org/markup-compatibility/2006">
+    <mc:Choice xmlns:p14="http://schemas.microsoft.com/office/powerpoint/2010/main" Requires="p14">
       <p:transition spd="med" p14:dur="700">
         <p:fade/>
       </p:transition>
     </mc:Choice>
-    <mc:Fallback xmlns="">
+    <mc:Fallback>
       <p:transition spd="med">
         <p:fade/>
       </p:transition>
@@ -15152,13 +18751,13 @@
   <p:clrMapOvr>
     <a:masterClrMapping/>
   </p:clrMapOvr>
-  <mc:AlternateContent xmlns:mc="http://schemas.openxmlformats.org/markup-compatibility/2006" xmlns:p14="http://schemas.microsoft.com/office/powerpoint/2010/main">
-    <mc:Choice Requires="p14">
+  <mc:AlternateContent xmlns:mc="http://schemas.openxmlformats.org/markup-compatibility/2006">
+    <mc:Choice xmlns:p14="http://schemas.microsoft.com/office/powerpoint/2010/main" Requires="p14">
       <p:transition spd="med" p14:dur="700">
         <p:fade/>
       </p:transition>
     </mc:Choice>
-    <mc:Fallback xmlns="">
+    <mc:Fallback>
       <p:transition spd="med">
         <p:fade/>
       </p:transition>

--- a/milestones/Group_Presentation_Volatility_Amish.pptx
+++ b/milestones/Group_Presentation_Volatility_Amish.pptx
@@ -212,7 +212,7 @@
           <a:p>
             <a:fld id="{3306547B-373B-42F2-9B6A-41DAAAD10A9A}" type="datetimeFigureOut">
               <a:rPr lang="en-US" smtClean="0"/>
-              <a:t>4/9/2014</a:t>
+              <a:t>4/10/2014</a:t>
             </a:fld>
             <a:endParaRPr lang="en-US"/>
           </a:p>
@@ -819,6 +819,119 @@
 </p:notes>
 </file>
 
+<file path=ppt/notesSlides/notesSlide12.xml><?xml version="1.0" encoding="utf-8"?>
+<p:notes xmlns:a="http://schemas.openxmlformats.org/drawingml/2006/main" xmlns:r="http://schemas.openxmlformats.org/officeDocument/2006/relationships" xmlns:p="http://schemas.openxmlformats.org/presentationml/2006/main">
+  <p:cSld>
+    <p:spTree>
+      <p:nvGrpSpPr>
+        <p:cNvPr id="1" name=""/>
+        <p:cNvGrpSpPr/>
+        <p:nvPr/>
+      </p:nvGrpSpPr>
+      <p:grpSpPr>
+        <a:xfrm>
+          <a:off x="0" y="0"/>
+          <a:ext cx="0" cy="0"/>
+          <a:chOff x="0" y="0"/>
+          <a:chExt cx="0" cy="0"/>
+        </a:xfrm>
+      </p:grpSpPr>
+      <p:sp>
+        <p:nvSpPr>
+          <p:cNvPr id="2" name="Slide Image Placeholder 1"/>
+          <p:cNvSpPr>
+            <a:spLocks noGrp="1" noRot="1" noChangeAspect="1"/>
+          </p:cNvSpPr>
+          <p:nvPr>
+            <p:ph type="sldImg"/>
+          </p:nvPr>
+        </p:nvSpPr>
+        <p:spPr/>
+      </p:sp>
+      <p:sp>
+        <p:nvSpPr>
+          <p:cNvPr id="3" name="Notes Placeholder 2"/>
+          <p:cNvSpPr>
+            <a:spLocks noGrp="1"/>
+          </p:cNvSpPr>
+          <p:nvPr>
+            <p:ph type="body" idx="1"/>
+          </p:nvPr>
+        </p:nvSpPr>
+        <p:spPr/>
+        <p:txBody>
+          <a:bodyPr/>
+          <a:lstStyle/>
+          <a:p>
+            <a:r>
+              <a:rPr lang="en-US" dirty="0" smtClean="0"/>
+              <a:t>Construct – meaningful, measuring the right thing?</a:t>
+            </a:r>
+          </a:p>
+          <a:p>
+            <a:r>
+              <a:rPr lang="en-US" dirty="0" smtClean="0"/>
+              <a:t>Internal – other plausible</a:t>
+            </a:r>
+            <a:r>
+              <a:rPr lang="en-US" baseline="0" dirty="0" smtClean="0"/>
+              <a:t> rival hypothesis</a:t>
+            </a:r>
+          </a:p>
+          <a:p>
+            <a:r>
+              <a:rPr lang="en-US" baseline="0" dirty="0" smtClean="0"/>
+              <a:t>External – generalize </a:t>
+            </a:r>
+          </a:p>
+          <a:p>
+            <a:r>
+              <a:rPr lang="en-US" baseline="0" dirty="0" smtClean="0"/>
+              <a:t>Reliability - repeatable</a:t>
+            </a:r>
+            <a:endParaRPr lang="en-US" dirty="0" smtClean="0"/>
+          </a:p>
+          <a:p>
+            <a:endParaRPr lang="en-US" dirty="0"/>
+          </a:p>
+        </p:txBody>
+      </p:sp>
+      <p:sp>
+        <p:nvSpPr>
+          <p:cNvPr id="4" name="Slide Number Placeholder 3"/>
+          <p:cNvSpPr>
+            <a:spLocks noGrp="1"/>
+          </p:cNvSpPr>
+          <p:nvPr>
+            <p:ph type="sldNum" sz="quarter" idx="10"/>
+          </p:nvPr>
+        </p:nvSpPr>
+        <p:spPr/>
+        <p:txBody>
+          <a:bodyPr/>
+          <a:lstStyle/>
+          <a:p>
+            <a:fld id="{34574B59-0BD7-417A-AEA6-FF8431D8BFDA}" type="slidenum">
+              <a:rPr lang="en-US" smtClean="0"/>
+              <a:t>20</a:t>
+            </a:fld>
+            <a:endParaRPr lang="en-US"/>
+          </a:p>
+        </p:txBody>
+      </p:sp>
+    </p:spTree>
+    <p:extLst>
+      <p:ext uri="{BB962C8B-B14F-4D97-AF65-F5344CB8AC3E}">
+        <p14:creationId xmlns:p14="http://schemas.microsoft.com/office/powerpoint/2010/main" val="1789347153"/>
+      </p:ext>
+    </p:extLst>
+  </p:cSld>
+  <p:clrMapOvr>
+    <a:masterClrMapping/>
+  </p:clrMapOvr>
+</p:notes>
+</file>
+
 <file path=ppt/notesSlides/notesSlide2.xml><?xml version="1.0" encoding="utf-8"?>
 <p:notes xmlns:a="http://schemas.openxmlformats.org/drawingml/2006/main" xmlns:r="http://schemas.openxmlformats.org/officeDocument/2006/relationships" xmlns:p="http://schemas.openxmlformats.org/presentationml/2006/main">
   <p:cSld>
@@ -961,6 +1074,15 @@
               <a:rPr lang="en-CA" baseline="0" dirty="0" smtClean="0"/>
               <a:t> of Java classes into three buckets (HV, MV, LV), we can pose our research questions</a:t>
             </a:r>
+            <a:endParaRPr lang="en-US" baseline="0" dirty="0" smtClean="0"/>
+          </a:p>
+          <a:p>
+            <a:r>
+              <a:rPr lang="en-US" baseline="0" dirty="0" smtClean="0"/>
+              <a:t>Is our second hypothesis really disprovable?</a:t>
+            </a:r>
+          </a:p>
+          <a:p>
             <a:endParaRPr lang="en-US" dirty="0"/>
           </a:p>
         </p:txBody>
@@ -1057,8 +1179,100 @@
           <a:p>
             <a:r>
               <a:rPr lang="en-CA" baseline="0" dirty="0" smtClean="0"/>
-              <a:t>Bring back our main point: we’re investigating whether higher volatility code exhibits lower quality metrics</a:t>
-            </a:r>
+              <a:t>Bring back our main point: we’re </a:t>
+            </a:r>
+            <a:r>
+              <a:rPr lang="en-CA" baseline="0" dirty="0" smtClean="0"/>
+              <a:t>investigating </a:t>
+            </a:r>
+            <a:r>
+              <a:rPr lang="en-CA" baseline="0" dirty="0" smtClean="0"/>
+              <a:t>whether higher volatility code exhibits lower quality </a:t>
+            </a:r>
+            <a:r>
+              <a:rPr lang="en-CA" baseline="0" dirty="0" smtClean="0"/>
+              <a:t>metrics</a:t>
+            </a:r>
+          </a:p>
+          <a:p>
+            <a:endParaRPr lang="en-CA" baseline="0" dirty="0" smtClean="0"/>
+          </a:p>
+          <a:p>
+            <a:pPr lvl="0"/>
+            <a:r>
+              <a:rPr lang="en-US" sz="1200" kern="1200" dirty="0" smtClean="0">
+                <a:solidFill>
+                  <a:schemeClr val="tx1"/>
+                </a:solidFill>
+                <a:effectLst/>
+                <a:latin typeface="+mn-lt"/>
+                <a:ea typeface="+mn-ea"/>
+                <a:cs typeface="+mn-cs"/>
+              </a:rPr>
+              <a:t>Ant Core SVN log:</a:t>
+            </a:r>
+          </a:p>
+          <a:p>
+            <a:pPr lvl="1"/>
+            <a:r>
+              <a:rPr lang="en-US" sz="1200" kern="1200" dirty="0" smtClean="0">
+                <a:solidFill>
+                  <a:schemeClr val="tx1"/>
+                </a:solidFill>
+                <a:effectLst/>
+                <a:latin typeface="+mn-lt"/>
+                <a:ea typeface="+mn-ea"/>
+                <a:cs typeface="+mn-cs"/>
+              </a:rPr>
+              <a:t>149,034 lines</a:t>
+            </a:r>
+          </a:p>
+          <a:p>
+            <a:pPr lvl="1"/>
+            <a:r>
+              <a:rPr lang="en-US" sz="1200" kern="1200" dirty="0" smtClean="0">
+                <a:solidFill>
+                  <a:schemeClr val="tx1"/>
+                </a:solidFill>
+                <a:effectLst/>
+                <a:latin typeface="+mn-lt"/>
+                <a:ea typeface="+mn-ea"/>
+                <a:cs typeface="+mn-cs"/>
+              </a:rPr>
+              <a:t>12,958 commits</a:t>
+            </a:r>
+          </a:p>
+          <a:p>
+            <a:pPr lvl="1"/>
+            <a:r>
+              <a:rPr lang="en-US" sz="1200" kern="1200" dirty="0" smtClean="0">
+                <a:solidFill>
+                  <a:schemeClr val="tx1"/>
+                </a:solidFill>
+                <a:effectLst/>
+                <a:latin typeface="+mn-lt"/>
+                <a:ea typeface="+mn-ea"/>
+                <a:cs typeface="+mn-cs"/>
+              </a:rPr>
+              <a:t>First commit: January 13, 2000</a:t>
+            </a:r>
+          </a:p>
+          <a:p>
+            <a:pPr lvl="1"/>
+            <a:r>
+              <a:rPr lang="en-US" sz="1200" kern="1200" dirty="0" smtClean="0">
+                <a:solidFill>
+                  <a:schemeClr val="tx1"/>
+                </a:solidFill>
+                <a:effectLst/>
+                <a:latin typeface="+mn-lt"/>
+                <a:ea typeface="+mn-ea"/>
+                <a:cs typeface="+mn-cs"/>
+              </a:rPr>
+              <a:t>Last commit: January 27, 2014</a:t>
+            </a:r>
+          </a:p>
+          <a:p>
             <a:endParaRPr lang="en-US" dirty="0"/>
           </a:p>
         </p:txBody>
@@ -1854,7 +2068,7 @@
           <a:p>
             <a:fld id="{0FAA2E9A-8599-42EB-A43E-9B024D98E334}" type="datetimeFigureOut">
               <a:rPr lang="en-US" smtClean="0"/>
-              <a:t>4/9/2014</a:t>
+              <a:t>4/10/2014</a:t>
             </a:fld>
             <a:endParaRPr lang="en-US"/>
           </a:p>
@@ -2024,7 +2238,7 @@
           <a:p>
             <a:fld id="{0FAA2E9A-8599-42EB-A43E-9B024D98E334}" type="datetimeFigureOut">
               <a:rPr lang="en-US" smtClean="0"/>
-              <a:t>4/9/2014</a:t>
+              <a:t>4/10/2014</a:t>
             </a:fld>
             <a:endParaRPr lang="en-US"/>
           </a:p>
@@ -2204,7 +2418,7 @@
           <a:p>
             <a:fld id="{0FAA2E9A-8599-42EB-A43E-9B024D98E334}" type="datetimeFigureOut">
               <a:rPr lang="en-US" smtClean="0"/>
-              <a:t>4/9/2014</a:t>
+              <a:t>4/10/2014</a:t>
             </a:fld>
             <a:endParaRPr lang="en-US"/>
           </a:p>
@@ -2374,7 +2588,7 @@
           <a:p>
             <a:fld id="{0FAA2E9A-8599-42EB-A43E-9B024D98E334}" type="datetimeFigureOut">
               <a:rPr lang="en-US" smtClean="0"/>
-              <a:t>4/9/2014</a:t>
+              <a:t>4/10/2014</a:t>
             </a:fld>
             <a:endParaRPr lang="en-US"/>
           </a:p>
@@ -2620,7 +2834,7 @@
           <a:p>
             <a:fld id="{0FAA2E9A-8599-42EB-A43E-9B024D98E334}" type="datetimeFigureOut">
               <a:rPr lang="en-US" smtClean="0"/>
-              <a:t>4/9/2014</a:t>
+              <a:t>4/10/2014</a:t>
             </a:fld>
             <a:endParaRPr lang="en-US"/>
           </a:p>
@@ -2908,7 +3122,7 @@
           <a:p>
             <a:fld id="{0FAA2E9A-8599-42EB-A43E-9B024D98E334}" type="datetimeFigureOut">
               <a:rPr lang="en-US" smtClean="0"/>
-              <a:t>4/9/2014</a:t>
+              <a:t>4/10/2014</a:t>
             </a:fld>
             <a:endParaRPr lang="en-US"/>
           </a:p>
@@ -3330,7 +3544,7 @@
           <a:p>
             <a:fld id="{0FAA2E9A-8599-42EB-A43E-9B024D98E334}" type="datetimeFigureOut">
               <a:rPr lang="en-US" smtClean="0"/>
-              <a:t>4/9/2014</a:t>
+              <a:t>4/10/2014</a:t>
             </a:fld>
             <a:endParaRPr lang="en-US"/>
           </a:p>
@@ -3448,7 +3662,7 @@
           <a:p>
             <a:fld id="{0FAA2E9A-8599-42EB-A43E-9B024D98E334}" type="datetimeFigureOut">
               <a:rPr lang="en-US" smtClean="0"/>
-              <a:t>4/9/2014</a:t>
+              <a:t>4/10/2014</a:t>
             </a:fld>
             <a:endParaRPr lang="en-US"/>
           </a:p>
@@ -3543,7 +3757,7 @@
           <a:p>
             <a:fld id="{0FAA2E9A-8599-42EB-A43E-9B024D98E334}" type="datetimeFigureOut">
               <a:rPr lang="en-US" smtClean="0"/>
-              <a:t>4/9/2014</a:t>
+              <a:t>4/10/2014</a:t>
             </a:fld>
             <a:endParaRPr lang="en-US"/>
           </a:p>
@@ -3820,7 +4034,7 @@
           <a:p>
             <a:fld id="{0FAA2E9A-8599-42EB-A43E-9B024D98E334}" type="datetimeFigureOut">
               <a:rPr lang="en-US" smtClean="0"/>
-              <a:t>4/9/2014</a:t>
+              <a:t>4/10/2014</a:t>
             </a:fld>
             <a:endParaRPr lang="en-US"/>
           </a:p>
@@ -4073,7 +4287,7 @@
           <a:p>
             <a:fld id="{0FAA2E9A-8599-42EB-A43E-9B024D98E334}" type="datetimeFigureOut">
               <a:rPr lang="en-US" smtClean="0"/>
-              <a:t>4/9/2014</a:t>
+              <a:t>4/10/2014</a:t>
             </a:fld>
             <a:endParaRPr lang="en-US"/>
           </a:p>
@@ -4286,7 +4500,7 @@
           <a:p>
             <a:fld id="{0FAA2E9A-8599-42EB-A43E-9B024D98E334}" type="datetimeFigureOut">
               <a:rPr lang="en-US" smtClean="0"/>
-              <a:t>4/9/2014</a:t>
+              <a:t>4/10/2014</a:t>
             </a:fld>
             <a:endParaRPr lang="en-US"/>
           </a:p>
@@ -4763,13 +4977,13 @@
   <p:clrMapOvr>
     <a:masterClrMapping/>
   </p:clrMapOvr>
-  <mc:AlternateContent xmlns:mc="http://schemas.openxmlformats.org/markup-compatibility/2006">
-    <mc:Choice xmlns:p14="http://schemas.microsoft.com/office/powerpoint/2010/main" Requires="p14">
+  <mc:AlternateContent xmlns:mc="http://schemas.openxmlformats.org/markup-compatibility/2006" xmlns:p14="http://schemas.microsoft.com/office/powerpoint/2010/main">
+    <mc:Choice Requires="p14">
       <p:transition spd="med" p14:dur="700">
         <p:fade/>
       </p:transition>
     </mc:Choice>
-    <mc:Fallback>
+    <mc:Fallback xmlns="">
       <p:transition spd="med">
         <p:fade/>
       </p:transition>
@@ -5050,13 +5264,13 @@
   <p:clrMapOvr>
     <a:masterClrMapping/>
   </p:clrMapOvr>
-  <mc:AlternateContent xmlns:mc="http://schemas.openxmlformats.org/markup-compatibility/2006">
-    <mc:Choice xmlns:p14="http://schemas.microsoft.com/office/powerpoint/2010/main" Requires="p14">
+  <mc:AlternateContent xmlns:mc="http://schemas.openxmlformats.org/markup-compatibility/2006" xmlns:p14="http://schemas.microsoft.com/office/powerpoint/2010/main">
+    <mc:Choice Requires="p14">
       <p:transition spd="med" p14:dur="700">
         <p:fade/>
       </p:transition>
     </mc:Choice>
-    <mc:Fallback>
+    <mc:Fallback xmlns="">
       <p:transition spd="med">
         <p:fade/>
       </p:transition>
@@ -5659,13 +5873,13 @@
   <p:clrMapOvr>
     <a:masterClrMapping/>
   </p:clrMapOvr>
-  <mc:AlternateContent xmlns:mc="http://schemas.openxmlformats.org/markup-compatibility/2006">
-    <mc:Choice xmlns:p14="http://schemas.microsoft.com/office/powerpoint/2010/main" Requires="p14">
+  <mc:AlternateContent xmlns:mc="http://schemas.openxmlformats.org/markup-compatibility/2006" xmlns:p14="http://schemas.microsoft.com/office/powerpoint/2010/main">
+    <mc:Choice Requires="p14">
       <p:transition spd="med" p14:dur="700">
         <p:fade/>
       </p:transition>
     </mc:Choice>
-    <mc:Fallback>
+    <mc:Fallback xmlns="">
       <p:transition spd="med">
         <p:fade/>
       </p:transition>
@@ -5674,7 +5888,385 @@
   <p:timing>
     <p:tnLst>
       <p:par>
-        <p:cTn id="1" dur="indefinite" restart="never" nodeType="tmRoot"/>
+        <p:cTn id="1" dur="indefinite" restart="never" nodeType="tmRoot">
+          <p:childTnLst>
+            <p:seq concurrent="1" nextAc="seek">
+              <p:cTn id="2" dur="indefinite" nodeType="mainSeq">
+                <p:childTnLst>
+                  <p:par>
+                    <p:cTn id="3" fill="hold">
+                      <p:stCondLst>
+                        <p:cond delay="indefinite"/>
+                      </p:stCondLst>
+                      <p:childTnLst>
+                        <p:par>
+                          <p:cTn id="4" fill="hold">
+                            <p:stCondLst>
+                              <p:cond delay="0"/>
+                            </p:stCondLst>
+                            <p:childTnLst>
+                              <p:par>
+                                <p:cTn id="5" presetID="10" presetClass="entr" presetSubtype="0" fill="hold" nodeType="clickEffect">
+                                  <p:stCondLst>
+                                    <p:cond delay="0"/>
+                                  </p:stCondLst>
+                                  <p:childTnLst>
+                                    <p:set>
+                                      <p:cBhvr>
+                                        <p:cTn id="6" dur="1" fill="hold">
+                                          <p:stCondLst>
+                                            <p:cond delay="0"/>
+                                          </p:stCondLst>
+                                        </p:cTn>
+                                        <p:tgtEl>
+                                          <p:spTgt spid="3">
+                                            <p:txEl>
+                                              <p:pRg st="3" end="3"/>
+                                            </p:txEl>
+                                          </p:spTgt>
+                                        </p:tgtEl>
+                                        <p:attrNameLst>
+                                          <p:attrName>style.visibility</p:attrName>
+                                        </p:attrNameLst>
+                                      </p:cBhvr>
+                                      <p:to>
+                                        <p:strVal val="visible"/>
+                                      </p:to>
+                                    </p:set>
+                                    <p:animEffect transition="in" filter="fade">
+                                      <p:cBhvr>
+                                        <p:cTn id="7" dur="500"/>
+                                        <p:tgtEl>
+                                          <p:spTgt spid="3">
+                                            <p:txEl>
+                                              <p:pRg st="3" end="3"/>
+                                            </p:txEl>
+                                          </p:spTgt>
+                                        </p:tgtEl>
+                                      </p:cBhvr>
+                                    </p:animEffect>
+                                  </p:childTnLst>
+                                </p:cTn>
+                              </p:par>
+                              <p:par>
+                                <p:cTn id="8" presetID="10" presetClass="entr" presetSubtype="0" fill="hold" nodeType="withEffect">
+                                  <p:stCondLst>
+                                    <p:cond delay="0"/>
+                                  </p:stCondLst>
+                                  <p:childTnLst>
+                                    <p:set>
+                                      <p:cBhvr>
+                                        <p:cTn id="9" dur="1" fill="hold">
+                                          <p:stCondLst>
+                                            <p:cond delay="0"/>
+                                          </p:stCondLst>
+                                        </p:cTn>
+                                        <p:tgtEl>
+                                          <p:spTgt spid="3">
+                                            <p:txEl>
+                                              <p:pRg st="4" end="4"/>
+                                            </p:txEl>
+                                          </p:spTgt>
+                                        </p:tgtEl>
+                                        <p:attrNameLst>
+                                          <p:attrName>style.visibility</p:attrName>
+                                        </p:attrNameLst>
+                                      </p:cBhvr>
+                                      <p:to>
+                                        <p:strVal val="visible"/>
+                                      </p:to>
+                                    </p:set>
+                                    <p:animEffect transition="in" filter="fade">
+                                      <p:cBhvr>
+                                        <p:cTn id="10" dur="500"/>
+                                        <p:tgtEl>
+                                          <p:spTgt spid="3">
+                                            <p:txEl>
+                                              <p:pRg st="4" end="4"/>
+                                            </p:txEl>
+                                          </p:spTgt>
+                                        </p:tgtEl>
+                                      </p:cBhvr>
+                                    </p:animEffect>
+                                  </p:childTnLst>
+                                </p:cTn>
+                              </p:par>
+                            </p:childTnLst>
+                          </p:cTn>
+                        </p:par>
+                      </p:childTnLst>
+                    </p:cTn>
+                  </p:par>
+                  <p:par>
+                    <p:cTn id="11" fill="hold">
+                      <p:stCondLst>
+                        <p:cond delay="indefinite"/>
+                      </p:stCondLst>
+                      <p:childTnLst>
+                        <p:par>
+                          <p:cTn id="12" fill="hold">
+                            <p:stCondLst>
+                              <p:cond delay="0"/>
+                            </p:stCondLst>
+                            <p:childTnLst>
+                              <p:par>
+                                <p:cTn id="13" presetID="10" presetClass="entr" presetSubtype="0" fill="hold" nodeType="clickEffect">
+                                  <p:stCondLst>
+                                    <p:cond delay="0"/>
+                                  </p:stCondLst>
+                                  <p:childTnLst>
+                                    <p:set>
+                                      <p:cBhvr>
+                                        <p:cTn id="14" dur="1" fill="hold">
+                                          <p:stCondLst>
+                                            <p:cond delay="0"/>
+                                          </p:stCondLst>
+                                        </p:cTn>
+                                        <p:tgtEl>
+                                          <p:spTgt spid="3">
+                                            <p:txEl>
+                                              <p:pRg st="5" end="5"/>
+                                            </p:txEl>
+                                          </p:spTgt>
+                                        </p:tgtEl>
+                                        <p:attrNameLst>
+                                          <p:attrName>style.visibility</p:attrName>
+                                        </p:attrNameLst>
+                                      </p:cBhvr>
+                                      <p:to>
+                                        <p:strVal val="visible"/>
+                                      </p:to>
+                                    </p:set>
+                                    <p:animEffect transition="in" filter="fade">
+                                      <p:cBhvr>
+                                        <p:cTn id="15" dur="500"/>
+                                        <p:tgtEl>
+                                          <p:spTgt spid="3">
+                                            <p:txEl>
+                                              <p:pRg st="5" end="5"/>
+                                            </p:txEl>
+                                          </p:spTgt>
+                                        </p:tgtEl>
+                                      </p:cBhvr>
+                                    </p:animEffect>
+                                  </p:childTnLst>
+                                </p:cTn>
+                              </p:par>
+                              <p:par>
+                                <p:cTn id="16" presetID="10" presetClass="entr" presetSubtype="0" fill="hold" nodeType="withEffect">
+                                  <p:stCondLst>
+                                    <p:cond delay="0"/>
+                                  </p:stCondLst>
+                                  <p:childTnLst>
+                                    <p:set>
+                                      <p:cBhvr>
+                                        <p:cTn id="17" dur="1" fill="hold">
+                                          <p:stCondLst>
+                                            <p:cond delay="0"/>
+                                          </p:stCondLst>
+                                        </p:cTn>
+                                        <p:tgtEl>
+                                          <p:spTgt spid="3">
+                                            <p:txEl>
+                                              <p:pRg st="6" end="6"/>
+                                            </p:txEl>
+                                          </p:spTgt>
+                                        </p:tgtEl>
+                                        <p:attrNameLst>
+                                          <p:attrName>style.visibility</p:attrName>
+                                        </p:attrNameLst>
+                                      </p:cBhvr>
+                                      <p:to>
+                                        <p:strVal val="visible"/>
+                                      </p:to>
+                                    </p:set>
+                                    <p:animEffect transition="in" filter="fade">
+                                      <p:cBhvr>
+                                        <p:cTn id="18" dur="500"/>
+                                        <p:tgtEl>
+                                          <p:spTgt spid="3">
+                                            <p:txEl>
+                                              <p:pRg st="6" end="6"/>
+                                            </p:txEl>
+                                          </p:spTgt>
+                                        </p:tgtEl>
+                                      </p:cBhvr>
+                                    </p:animEffect>
+                                  </p:childTnLst>
+                                </p:cTn>
+                              </p:par>
+                            </p:childTnLst>
+                          </p:cTn>
+                        </p:par>
+                      </p:childTnLst>
+                    </p:cTn>
+                  </p:par>
+                  <p:par>
+                    <p:cTn id="19" fill="hold">
+                      <p:stCondLst>
+                        <p:cond delay="indefinite"/>
+                      </p:stCondLst>
+                      <p:childTnLst>
+                        <p:par>
+                          <p:cTn id="20" fill="hold">
+                            <p:stCondLst>
+                              <p:cond delay="0"/>
+                            </p:stCondLst>
+                            <p:childTnLst>
+                              <p:par>
+                                <p:cTn id="21" presetID="10" presetClass="entr" presetSubtype="0" fill="hold" nodeType="clickEffect">
+                                  <p:stCondLst>
+                                    <p:cond delay="0"/>
+                                  </p:stCondLst>
+                                  <p:childTnLst>
+                                    <p:set>
+                                      <p:cBhvr>
+                                        <p:cTn id="22" dur="1" fill="hold">
+                                          <p:stCondLst>
+                                            <p:cond delay="0"/>
+                                          </p:stCondLst>
+                                        </p:cTn>
+                                        <p:tgtEl>
+                                          <p:spTgt spid="3">
+                                            <p:txEl>
+                                              <p:pRg st="7" end="7"/>
+                                            </p:txEl>
+                                          </p:spTgt>
+                                        </p:tgtEl>
+                                        <p:attrNameLst>
+                                          <p:attrName>style.visibility</p:attrName>
+                                        </p:attrNameLst>
+                                      </p:cBhvr>
+                                      <p:to>
+                                        <p:strVal val="visible"/>
+                                      </p:to>
+                                    </p:set>
+                                    <p:animEffect transition="in" filter="fade">
+                                      <p:cBhvr>
+                                        <p:cTn id="23" dur="500"/>
+                                        <p:tgtEl>
+                                          <p:spTgt spid="3">
+                                            <p:txEl>
+                                              <p:pRg st="7" end="7"/>
+                                            </p:txEl>
+                                          </p:spTgt>
+                                        </p:tgtEl>
+                                      </p:cBhvr>
+                                    </p:animEffect>
+                                  </p:childTnLst>
+                                </p:cTn>
+                              </p:par>
+                              <p:par>
+                                <p:cTn id="24" presetID="10" presetClass="entr" presetSubtype="0" fill="hold" nodeType="withEffect">
+                                  <p:stCondLst>
+                                    <p:cond delay="0"/>
+                                  </p:stCondLst>
+                                  <p:childTnLst>
+                                    <p:set>
+                                      <p:cBhvr>
+                                        <p:cTn id="25" dur="1" fill="hold">
+                                          <p:stCondLst>
+                                            <p:cond delay="0"/>
+                                          </p:stCondLst>
+                                        </p:cTn>
+                                        <p:tgtEl>
+                                          <p:spTgt spid="3">
+                                            <p:txEl>
+                                              <p:pRg st="8" end="8"/>
+                                            </p:txEl>
+                                          </p:spTgt>
+                                        </p:tgtEl>
+                                        <p:attrNameLst>
+                                          <p:attrName>style.visibility</p:attrName>
+                                        </p:attrNameLst>
+                                      </p:cBhvr>
+                                      <p:to>
+                                        <p:strVal val="visible"/>
+                                      </p:to>
+                                    </p:set>
+                                    <p:animEffect transition="in" filter="fade">
+                                      <p:cBhvr>
+                                        <p:cTn id="26" dur="500"/>
+                                        <p:tgtEl>
+                                          <p:spTgt spid="3">
+                                            <p:txEl>
+                                              <p:pRg st="8" end="8"/>
+                                            </p:txEl>
+                                          </p:spTgt>
+                                        </p:tgtEl>
+                                      </p:cBhvr>
+                                    </p:animEffect>
+                                  </p:childTnLst>
+                                </p:cTn>
+                              </p:par>
+                              <p:par>
+                                <p:cTn id="27" presetID="10" presetClass="entr" presetSubtype="0" fill="hold" nodeType="withEffect">
+                                  <p:stCondLst>
+                                    <p:cond delay="0"/>
+                                  </p:stCondLst>
+                                  <p:childTnLst>
+                                    <p:set>
+                                      <p:cBhvr>
+                                        <p:cTn id="28" dur="1" fill="hold">
+                                          <p:stCondLst>
+                                            <p:cond delay="0"/>
+                                          </p:stCondLst>
+                                        </p:cTn>
+                                        <p:tgtEl>
+                                          <p:spTgt spid="3">
+                                            <p:txEl>
+                                              <p:pRg st="9" end="9"/>
+                                            </p:txEl>
+                                          </p:spTgt>
+                                        </p:tgtEl>
+                                        <p:attrNameLst>
+                                          <p:attrName>style.visibility</p:attrName>
+                                        </p:attrNameLst>
+                                      </p:cBhvr>
+                                      <p:to>
+                                        <p:strVal val="visible"/>
+                                      </p:to>
+                                    </p:set>
+                                    <p:animEffect transition="in" filter="fade">
+                                      <p:cBhvr>
+                                        <p:cTn id="29" dur="500"/>
+                                        <p:tgtEl>
+                                          <p:spTgt spid="3">
+                                            <p:txEl>
+                                              <p:pRg st="9" end="9"/>
+                                            </p:txEl>
+                                          </p:spTgt>
+                                        </p:tgtEl>
+                                      </p:cBhvr>
+                                    </p:animEffect>
+                                  </p:childTnLst>
+                                </p:cTn>
+                              </p:par>
+                            </p:childTnLst>
+                          </p:cTn>
+                        </p:par>
+                      </p:childTnLst>
+                    </p:cTn>
+                  </p:par>
+                </p:childTnLst>
+              </p:cTn>
+              <p:prevCondLst>
+                <p:cond evt="onPrev" delay="0">
+                  <p:tgtEl>
+                    <p:sldTgt/>
+                  </p:tgtEl>
+                </p:cond>
+              </p:prevCondLst>
+              <p:nextCondLst>
+                <p:cond evt="onNext" delay="0">
+                  <p:tgtEl>
+                    <p:sldTgt/>
+                  </p:tgtEl>
+                </p:cond>
+              </p:nextCondLst>
+            </p:seq>
+          </p:childTnLst>
+        </p:cTn>
       </p:par>
     </p:tnLst>
   </p:timing>
@@ -5715,11 +6307,7 @@
           <a:p>
             <a:r>
               <a:rPr lang="en-CA" dirty="0" smtClean="0"/>
-              <a:t>Association </a:t>
-            </a:r>
-            <a:r>
-              <a:rPr lang="en-CA" dirty="0" smtClean="0"/>
-              <a:t>Rules /1</a:t>
+              <a:t>Association Rules /1</a:t>
             </a:r>
             <a:endParaRPr lang="en-US" dirty="0"/>
           </a:p>
@@ -5790,7 +6378,6 @@
               <a:rPr lang="en-CA" dirty="0" smtClean="0"/>
               <a:t>Filtered transactions to only include the Java class modification (not addition or deletion)</a:t>
             </a:r>
-            <a:endParaRPr lang="en-CA" dirty="0" smtClean="0"/>
           </a:p>
         </p:txBody>
       </p:sp>
@@ -5804,13 +6391,13 @@
   <p:clrMapOvr>
     <a:masterClrMapping/>
   </p:clrMapOvr>
-  <mc:AlternateContent xmlns:mc="http://schemas.openxmlformats.org/markup-compatibility/2006">
-    <mc:Choice xmlns:p14="http://schemas.microsoft.com/office/powerpoint/2010/main" Requires="p14">
+  <mc:AlternateContent xmlns:mc="http://schemas.openxmlformats.org/markup-compatibility/2006" xmlns:p14="http://schemas.microsoft.com/office/powerpoint/2010/main">
+    <mc:Choice Requires="p14">
       <p:transition spd="med" p14:dur="700">
         <p:fade/>
       </p:transition>
     </mc:Choice>
-    <mc:Fallback>
+    <mc:Fallback xmlns="">
       <p:transition spd="med">
         <p:fade/>
       </p:transition>
@@ -6291,13 +6878,13 @@
   <p:clrMapOvr>
     <a:masterClrMapping/>
   </p:clrMapOvr>
-  <mc:AlternateContent xmlns:mc="http://schemas.openxmlformats.org/markup-compatibility/2006">
-    <mc:Choice xmlns:p14="http://schemas.microsoft.com/office/powerpoint/2010/main" Requires="p14">
+  <mc:AlternateContent xmlns:mc="http://schemas.openxmlformats.org/markup-compatibility/2006" xmlns:p14="http://schemas.microsoft.com/office/powerpoint/2010/main">
+    <mc:Choice Requires="p14">
       <p:transition spd="med" p14:dur="700">
         <p:fade/>
       </p:transition>
     </mc:Choice>
-    <mc:Fallback>
+    <mc:Fallback xmlns="">
       <p:transition spd="med">
         <p:fade/>
       </p:transition>
@@ -6618,13 +7205,13 @@
   <p:clrMapOvr>
     <a:masterClrMapping/>
   </p:clrMapOvr>
-  <mc:AlternateContent xmlns:mc="http://schemas.openxmlformats.org/markup-compatibility/2006">
-    <mc:Choice xmlns:p14="http://schemas.microsoft.com/office/powerpoint/2010/main" Requires="p14">
+  <mc:AlternateContent xmlns:mc="http://schemas.openxmlformats.org/markup-compatibility/2006" xmlns:p14="http://schemas.microsoft.com/office/powerpoint/2010/main">
+    <mc:Choice Requires="p14">
       <p:transition spd="med" p14:dur="700">
         <p:fade/>
       </p:transition>
     </mc:Choice>
-    <mc:Fallback>
+    <mc:Fallback xmlns="">
       <p:transition spd="med">
         <p:fade/>
       </p:transition>
@@ -7302,13 +7889,13 @@
   <p:clrMapOvr>
     <a:masterClrMapping/>
   </p:clrMapOvr>
-  <mc:AlternateContent xmlns:mc="http://schemas.openxmlformats.org/markup-compatibility/2006">
-    <mc:Choice xmlns:p14="http://schemas.microsoft.com/office/powerpoint/2010/main" Requires="p14">
+  <mc:AlternateContent xmlns:mc="http://schemas.openxmlformats.org/markup-compatibility/2006" xmlns:p14="http://schemas.microsoft.com/office/powerpoint/2010/main">
+    <mc:Choice Requires="p14">
       <p:transition spd="med" p14:dur="700">
         <p:fade/>
       </p:transition>
     </mc:Choice>
-    <mc:Fallback>
+    <mc:Fallback xmlns="">
       <p:transition spd="med">
         <p:fade/>
       </p:transition>
@@ -7913,11 +8500,7 @@
           <a:p>
             <a:r>
               <a:rPr lang="en-CA" dirty="0" smtClean="0"/>
-              <a:t>Results: </a:t>
-            </a:r>
-            <a:r>
-              <a:rPr lang="en-CA" dirty="0" smtClean="0"/>
-              <a:t>Pearson Linear Regression -  Correlation between Metrics</a:t>
+              <a:t>Results: Pearson Linear Regression -  Correlation between Metrics</a:t>
             </a:r>
             <a:endParaRPr lang="en-US" dirty="0"/>
           </a:p>
@@ -11614,13 +12197,13 @@
   <p:clrMapOvr>
     <a:masterClrMapping/>
   </p:clrMapOvr>
-  <mc:AlternateContent xmlns:mc="http://schemas.openxmlformats.org/markup-compatibility/2006">
-    <mc:Choice xmlns:p14="http://schemas.microsoft.com/office/powerpoint/2010/main" Requires="p14">
+  <mc:AlternateContent xmlns:mc="http://schemas.openxmlformats.org/markup-compatibility/2006" xmlns:p14="http://schemas.microsoft.com/office/powerpoint/2010/main">
+    <mc:Choice Requires="p14">
       <p:transition spd="med" p14:dur="700">
         <p:fade/>
       </p:transition>
     </mc:Choice>
-    <mc:Fallback>
+    <mc:Fallback xmlns="">
       <p:transition spd="med">
         <p:fade/>
       </p:transition>
@@ -11804,13 +12387,13 @@
   <p:clrMapOvr>
     <a:masterClrMapping/>
   </p:clrMapOvr>
-  <mc:AlternateContent xmlns:mc="http://schemas.openxmlformats.org/markup-compatibility/2006">
-    <mc:Choice xmlns:p14="http://schemas.microsoft.com/office/powerpoint/2010/main" Requires="p14">
+  <mc:AlternateContent xmlns:mc="http://schemas.openxmlformats.org/markup-compatibility/2006" xmlns:p14="http://schemas.microsoft.com/office/powerpoint/2010/main">
+    <mc:Choice Requires="p14">
       <p:transition spd="med" p14:dur="700">
         <p:fade/>
       </p:transition>
     </mc:Choice>
-    <mc:Fallback>
+    <mc:Fallback xmlns="">
       <p:transition spd="med">
         <p:fade/>
       </p:transition>
@@ -12192,15 +12775,7 @@
           <a:p>
             <a:r>
               <a:rPr lang="en-CA" sz="2800" dirty="0" smtClean="0"/>
-              <a:t>Computing </a:t>
-            </a:r>
-            <a:r>
-              <a:rPr lang="en-CA" sz="2800" dirty="0" smtClean="0"/>
-              <a:t>the association rules required large computing power </a:t>
-            </a:r>
-            <a:r>
-              <a:rPr lang="en-CA" sz="2800" dirty="0" smtClean="0"/>
-              <a:t>and quite some processing time</a:t>
+              <a:t>Computing the association rules required large computing power and quite some processing time</a:t>
             </a:r>
             <a:endParaRPr lang="en-US" sz="2800" dirty="0"/>
           </a:p>
@@ -12276,13 +12851,13 @@
   <p:clrMapOvr>
     <a:masterClrMapping/>
   </p:clrMapOvr>
-  <mc:AlternateContent xmlns:mc="http://schemas.openxmlformats.org/markup-compatibility/2006">
-    <mc:Choice xmlns:p14="http://schemas.microsoft.com/office/powerpoint/2010/main" Requires="p14">
+  <mc:AlternateContent xmlns:mc="http://schemas.openxmlformats.org/markup-compatibility/2006" xmlns:p14="http://schemas.microsoft.com/office/powerpoint/2010/main">
+    <mc:Choice Requires="p14">
       <p:transition spd="med" p14:dur="700">
         <p:fade/>
       </p:transition>
     </mc:Choice>
-    <mc:Fallback>
+    <mc:Fallback xmlns="">
       <p:transition spd="med">
         <p:fade/>
       </p:transition>
@@ -12677,13 +13252,13 @@
   <p:clrMapOvr>
     <a:masterClrMapping/>
   </p:clrMapOvr>
-  <mc:AlternateContent xmlns:mc="http://schemas.openxmlformats.org/markup-compatibility/2006">
-    <mc:Choice xmlns:p14="http://schemas.microsoft.com/office/powerpoint/2010/main" Requires="p14">
+  <mc:AlternateContent xmlns:mc="http://schemas.openxmlformats.org/markup-compatibility/2006" xmlns:p14="http://schemas.microsoft.com/office/powerpoint/2010/main">
+    <mc:Choice Requires="p14">
       <p:transition spd="med" p14:dur="700">
         <p:fade/>
       </p:transition>
     </mc:Choice>
-    <mc:Fallback>
+    <mc:Fallback xmlns="">
       <p:transition spd="med">
         <p:fade/>
       </p:transition>
@@ -13234,13 +13809,13 @@
   <p:clrMapOvr>
     <a:masterClrMapping/>
   </p:clrMapOvr>
-  <mc:AlternateContent xmlns:mc="http://schemas.openxmlformats.org/markup-compatibility/2006">
-    <mc:Choice xmlns:p14="http://schemas.microsoft.com/office/powerpoint/2010/main" Requires="p14">
+  <mc:AlternateContent xmlns:mc="http://schemas.openxmlformats.org/markup-compatibility/2006" xmlns:p14="http://schemas.microsoft.com/office/powerpoint/2010/main">
+    <mc:Choice Requires="p14">
       <p:transition spd="med" p14:dur="700">
         <p:fade/>
       </p:transition>
     </mc:Choice>
-    <mc:Fallback>
+    <mc:Fallback xmlns="">
       <p:transition spd="med">
         <p:fade/>
       </p:transition>
@@ -13309,32 +13884,38 @@
         <p:spPr/>
         <p:txBody>
           <a:bodyPr>
-            <a:normAutofit fontScale="92500" lnSpcReduction="10000"/>
+            <a:normAutofit/>
           </a:bodyPr>
           <a:lstStyle/>
           <a:p>
             <a:r>
-              <a:rPr lang="en-CA" dirty="0" smtClean="0"/>
+              <a:rPr lang="en-CA" b="1" dirty="0" smtClean="0"/>
               <a:t>Construct</a:t>
             </a:r>
           </a:p>
           <a:p>
             <a:pPr lvl="1"/>
             <a:r>
-              <a:rPr lang="en-CA" dirty="0" smtClean="0"/>
-              <a:t>The time between each successive release was not uniform (varied between 1.5 years to 4 years)</a:t>
-            </a:r>
-            <a:endParaRPr lang="en-CA" dirty="0" smtClean="0"/>
-          </a:p>
-          <a:p>
-            <a:r>
-              <a:rPr lang="en-CA" dirty="0" smtClean="0"/>
-              <a:t>Internal</a:t>
-            </a:r>
-          </a:p>
-          <a:p>
-            <a:r>
-              <a:rPr lang="en-CA" dirty="0" smtClean="0"/>
+              <a:rPr lang="en-US" dirty="0" smtClean="0"/>
+              <a:t>Association </a:t>
+            </a:r>
+            <a:r>
+              <a:rPr lang="en-US" dirty="0"/>
+              <a:t>rules based only on </a:t>
+            </a:r>
+            <a:r>
+              <a:rPr lang="en-US" i="1" dirty="0"/>
+              <a:t>4 versions </a:t>
+            </a:r>
+            <a:r>
+              <a:rPr lang="en-US" dirty="0"/>
+              <a:t>(3 collections of files) </a:t>
+            </a:r>
+            <a:endParaRPr lang="en-CA" dirty="0"/>
+          </a:p>
+          <a:p>
+            <a:r>
+              <a:rPr lang="en-CA" b="1" dirty="0" smtClean="0"/>
               <a:t>External</a:t>
             </a:r>
           </a:p>
@@ -13344,33 +13925,6 @@
               <a:rPr lang="en-CA" dirty="0" smtClean="0"/>
               <a:t>Only used 1 project (should also repeat this on other OSS projects)</a:t>
             </a:r>
-            <a:endParaRPr lang="en-CA" dirty="0" smtClean="0"/>
-          </a:p>
-          <a:p>
-            <a:r>
-              <a:rPr lang="en-CA" dirty="0" smtClean="0"/>
-              <a:t>Reliability</a:t>
-            </a:r>
-          </a:p>
-          <a:p>
-            <a:pPr lvl="1"/>
-            <a:r>
-              <a:rPr lang="en-CA" dirty="0" smtClean="0"/>
-              <a:t>Association rules based only on 4 versions (</a:t>
-            </a:r>
-            <a:r>
-              <a:rPr lang="en-CA" dirty="0" smtClean="0">
-                <a:solidFill>
-                  <a:srgbClr val="FF0000"/>
-                </a:solidFill>
-              </a:rPr>
-              <a:t>3 collections of files</a:t>
-            </a:r>
-            <a:r>
-              <a:rPr lang="en-CA" dirty="0" smtClean="0"/>
-              <a:t>)</a:t>
-            </a:r>
-            <a:endParaRPr lang="en-CA" dirty="0" smtClean="0"/>
           </a:p>
           <a:p>
             <a:endParaRPr lang="en-US" dirty="0"/>
@@ -13387,13 +13941,13 @@
   <p:clrMapOvr>
     <a:masterClrMapping/>
   </p:clrMapOvr>
-  <mc:AlternateContent xmlns:mc="http://schemas.openxmlformats.org/markup-compatibility/2006">
-    <mc:Choice xmlns:p14="http://schemas.microsoft.com/office/powerpoint/2010/main" Requires="p14">
+  <mc:AlternateContent xmlns:mc="http://schemas.openxmlformats.org/markup-compatibility/2006" xmlns:p14="http://schemas.microsoft.com/office/powerpoint/2010/main">
+    <mc:Choice Requires="p14">
       <p:transition spd="med" p14:dur="700">
         <p:fade/>
       </p:transition>
     </mc:Choice>
-    <mc:Fallback>
+    <mc:Fallback xmlns="">
       <p:transition spd="med">
         <p:fade/>
       </p:transition>
@@ -13462,42 +14016,115 @@
         <p:spPr/>
         <p:txBody>
           <a:bodyPr>
-            <a:normAutofit fontScale="92500"/>
+            <a:normAutofit fontScale="85000" lnSpcReduction="10000"/>
           </a:bodyPr>
           <a:lstStyle/>
           <a:p>
             <a:r>
               <a:rPr lang="en-CA" dirty="0" smtClean="0"/>
-              <a:t>Over multiple versions of Apache Ant, i</a:t>
+              <a:t>Over multiple versions of Apache Ant, it was clear that </a:t>
+            </a:r>
+            <a:r>
+              <a:rPr lang="en-CA" b="1" dirty="0" smtClean="0">
+                <a:ln w="1905"/>
+                <a:gradFill>
+                  <a:gsLst>
+                    <a:gs pos="0">
+                      <a:schemeClr val="accent6">
+                        <a:shade val="20000"/>
+                        <a:satMod val="200000"/>
+                      </a:schemeClr>
+                    </a:gs>
+                    <a:gs pos="78000">
+                      <a:schemeClr val="accent6">
+                        <a:tint val="90000"/>
+                        <a:shade val="89000"/>
+                        <a:satMod val="220000"/>
+                      </a:schemeClr>
+                    </a:gs>
+                    <a:gs pos="100000">
+                      <a:schemeClr val="accent6">
+                        <a:tint val="12000"/>
+                        <a:satMod val="255000"/>
+                      </a:schemeClr>
+                    </a:gs>
+                  </a:gsLst>
+                  <a:lin ang="5400000"/>
+                </a:gradFill>
+                <a:effectLst>
+                  <a:innerShdw blurRad="69850" dist="43180" dir="5400000">
+                    <a:srgbClr val="000000">
+                      <a:alpha val="65000"/>
+                    </a:srgbClr>
+                  </a:innerShdw>
+                </a:effectLst>
+              </a:rPr>
+              <a:t>more volatile code tended to exhibit lower quality metrics</a:t>
             </a:r>
             <a:r>
               <a:rPr lang="en-CA" dirty="0" smtClean="0"/>
-              <a:t>t </a:t>
-            </a:r>
+              <a:t> (C&amp;K + MOOD)</a:t>
+            </a:r>
+          </a:p>
+          <a:p>
+            <a:pPr lvl="1"/>
             <a:r>
               <a:rPr lang="en-CA" dirty="0" smtClean="0"/>
-              <a:t>was clear that more volatile code </a:t>
-            </a:r>
+              <a:t>Can use this information to target classes for refactoring and better unit testing</a:t>
+            </a:r>
+          </a:p>
+          <a:p>
+            <a:pPr lvl="1"/>
             <a:r>
               <a:rPr lang="en-CA" dirty="0" smtClean="0"/>
-              <a:t>tended </a:t>
-            </a:r>
+              <a:t>Adds another dimension when prioritizing what to tackle</a:t>
+            </a:r>
+          </a:p>
+          <a:p>
             <a:r>
               <a:rPr lang="en-CA" dirty="0" smtClean="0"/>
-              <a:t>to exhibit lower quality </a:t>
+              <a:t>Based on historical SVN data, we </a:t>
+            </a:r>
+            <a:r>
+              <a:rPr lang="en-CA" b="1" dirty="0" smtClean="0">
+                <a:ln w="1905"/>
+                <a:gradFill>
+                  <a:gsLst>
+                    <a:gs pos="0">
+                      <a:schemeClr val="accent6">
+                        <a:shade val="20000"/>
+                        <a:satMod val="200000"/>
+                      </a:schemeClr>
+                    </a:gs>
+                    <a:gs pos="78000">
+                      <a:schemeClr val="accent6">
+                        <a:tint val="90000"/>
+                        <a:shade val="89000"/>
+                        <a:satMod val="220000"/>
+                      </a:schemeClr>
+                    </a:gs>
+                    <a:gs pos="100000">
+                      <a:schemeClr val="accent6">
+                        <a:tint val="12000"/>
+                        <a:satMod val="255000"/>
+                      </a:schemeClr>
+                    </a:gs>
+                  </a:gsLst>
+                  <a:lin ang="5400000"/>
+                </a:gradFill>
+                <a:effectLst>
+                  <a:innerShdw blurRad="69850" dist="43180" dir="5400000">
+                    <a:srgbClr val="000000">
+                      <a:alpha val="65000"/>
+                    </a:srgbClr>
+                  </a:innerShdw>
+                </a:effectLst>
+              </a:rPr>
+              <a:t>attempted to build a prediction model</a:t>
             </a:r>
             <a:r>
               <a:rPr lang="en-CA" dirty="0" smtClean="0"/>
-              <a:t>metrics (C&amp;K + MOOD)</a:t>
-            </a:r>
-          </a:p>
-          <a:p>
-            <a:endParaRPr lang="en-CA" dirty="0" smtClean="0"/>
-          </a:p>
-          <a:p>
-            <a:r>
-              <a:rPr lang="en-CA" dirty="0" smtClean="0"/>
-              <a:t>Based on historical SVN data, we attempted to build a prediction model using association rules</a:t>
+              <a:t> using association rules</a:t>
             </a:r>
           </a:p>
           <a:p>
@@ -13533,7 +14160,6 @@
               <a:rPr lang="en-CA" dirty="0" smtClean="0"/>
               <a:t>the developer / team</a:t>
             </a:r>
-            <a:endParaRPr lang="en-CA" dirty="0" smtClean="0"/>
           </a:p>
           <a:p>
             <a:endParaRPr lang="en-US" dirty="0"/>
@@ -13550,13 +14176,13 @@
   <p:clrMapOvr>
     <a:masterClrMapping/>
   </p:clrMapOvr>
-  <mc:AlternateContent xmlns:mc="http://schemas.openxmlformats.org/markup-compatibility/2006">
-    <mc:Choice xmlns:p14="http://schemas.microsoft.com/office/powerpoint/2010/main" Requires="p14">
+  <mc:AlternateContent xmlns:mc="http://schemas.openxmlformats.org/markup-compatibility/2006" xmlns:p14="http://schemas.microsoft.com/office/powerpoint/2010/main">
+    <mc:Choice Requires="p14">
       <p:transition spd="med" p14:dur="700">
         <p:fade/>
       </p:transition>
     </mc:Choice>
-    <mc:Fallback>
+    <mc:Fallback xmlns="">
       <p:transition spd="med">
         <p:fade/>
       </p:transition>
@@ -13659,7 +14285,7 @@
                                         <p:tgtEl>
                                           <p:spTgt spid="3">
                                             <p:txEl>
-                                              <p:pRg st="2" end="2"/>
+                                              <p:pRg st="1" end="1"/>
                                             </p:txEl>
                                           </p:spTgt>
                                         </p:tgtEl>
@@ -13677,6 +14303,67 @@
                                         <p:tgtEl>
                                           <p:spTgt spid="3">
                                             <p:txEl>
+                                              <p:pRg st="1" end="1"/>
+                                            </p:txEl>
+                                          </p:spTgt>
+                                        </p:tgtEl>
+                                      </p:cBhvr>
+                                    </p:animEffect>
+                                  </p:childTnLst>
+                                </p:cTn>
+                              </p:par>
+                            </p:childTnLst>
+                          </p:cTn>
+                        </p:par>
+                      </p:childTnLst>
+                    </p:cTn>
+                  </p:par>
+                  <p:par>
+                    <p:cTn id="13" fill="hold">
+                      <p:stCondLst>
+                        <p:cond delay="indefinite"/>
+                      </p:stCondLst>
+                      <p:childTnLst>
+                        <p:par>
+                          <p:cTn id="14" fill="hold">
+                            <p:stCondLst>
+                              <p:cond delay="0"/>
+                            </p:stCondLst>
+                            <p:childTnLst>
+                              <p:par>
+                                <p:cTn id="15" presetID="10" presetClass="entr" presetSubtype="0" fill="hold" nodeType="clickEffect">
+                                  <p:stCondLst>
+                                    <p:cond delay="0"/>
+                                  </p:stCondLst>
+                                  <p:childTnLst>
+                                    <p:set>
+                                      <p:cBhvr>
+                                        <p:cTn id="16" dur="1" fill="hold">
+                                          <p:stCondLst>
+                                            <p:cond delay="0"/>
+                                          </p:stCondLst>
+                                        </p:cTn>
+                                        <p:tgtEl>
+                                          <p:spTgt spid="3">
+                                            <p:txEl>
+                                              <p:pRg st="2" end="2"/>
+                                            </p:txEl>
+                                          </p:spTgt>
+                                        </p:tgtEl>
+                                        <p:attrNameLst>
+                                          <p:attrName>style.visibility</p:attrName>
+                                        </p:attrNameLst>
+                                      </p:cBhvr>
+                                      <p:to>
+                                        <p:strVal val="visible"/>
+                                      </p:to>
+                                    </p:set>
+                                    <p:animEffect transition="in" filter="fade">
+                                      <p:cBhvr>
+                                        <p:cTn id="17" dur="500"/>
+                                        <p:tgtEl>
+                                          <p:spTgt spid="3">
+                                            <p:txEl>
                                               <p:pRg st="2" end="2"/>
                                             </p:txEl>
                                           </p:spTgt>
@@ -13686,15 +14373,33 @@
                                   </p:childTnLst>
                                 </p:cTn>
                               </p:par>
+                            </p:childTnLst>
+                          </p:cTn>
+                        </p:par>
+                      </p:childTnLst>
+                    </p:cTn>
+                  </p:par>
+                  <p:par>
+                    <p:cTn id="18" fill="hold">
+                      <p:stCondLst>
+                        <p:cond delay="indefinite"/>
+                      </p:stCondLst>
+                      <p:childTnLst>
+                        <p:par>
+                          <p:cTn id="19" fill="hold">
+                            <p:stCondLst>
+                              <p:cond delay="0"/>
+                            </p:stCondLst>
+                            <p:childTnLst>
                               <p:par>
-                                <p:cTn id="13" presetID="10" presetClass="entr" presetSubtype="0" fill="hold" nodeType="withEffect">
+                                <p:cTn id="20" presetID="10" presetClass="entr" presetSubtype="0" fill="hold" nodeType="clickEffect">
                                   <p:stCondLst>
                                     <p:cond delay="0"/>
                                   </p:stCondLst>
                                   <p:childTnLst>
                                     <p:set>
                                       <p:cBhvr>
-                                        <p:cTn id="14" dur="1" fill="hold">
+                                        <p:cTn id="21" dur="1" fill="hold">
                                           <p:stCondLst>
                                             <p:cond delay="0"/>
                                           </p:stCondLst>
@@ -13716,7 +14421,7 @@
                                     </p:set>
                                     <p:animEffect transition="in" filter="fade">
                                       <p:cBhvr>
-                                        <p:cTn id="15" dur="500"/>
+                                        <p:cTn id="22" dur="500"/>
                                         <p:tgtEl>
                                           <p:spTgt spid="3">
                                             <p:txEl>
@@ -13730,14 +14435,14 @@
                                 </p:cTn>
                               </p:par>
                               <p:par>
-                                <p:cTn id="16" presetID="10" presetClass="entr" presetSubtype="0" fill="hold" nodeType="withEffect">
+                                <p:cTn id="23" presetID="10" presetClass="entr" presetSubtype="0" fill="hold" nodeType="withEffect">
                                   <p:stCondLst>
                                     <p:cond delay="0"/>
                                   </p:stCondLst>
                                   <p:childTnLst>
                                     <p:set>
                                       <p:cBhvr>
-                                        <p:cTn id="17" dur="1" fill="hold">
+                                        <p:cTn id="24" dur="1" fill="hold">
                                           <p:stCondLst>
                                             <p:cond delay="0"/>
                                           </p:stCondLst>
@@ -13759,11 +14464,54 @@
                                     </p:set>
                                     <p:animEffect transition="in" filter="fade">
                                       <p:cBhvr>
-                                        <p:cTn id="18" dur="500"/>
+                                        <p:cTn id="25" dur="500"/>
                                         <p:tgtEl>
                                           <p:spTgt spid="3">
                                             <p:txEl>
                                               <p:pRg st="4" end="4"/>
+                                            </p:txEl>
+                                          </p:spTgt>
+                                        </p:tgtEl>
+                                      </p:cBhvr>
+                                    </p:animEffect>
+                                  </p:childTnLst>
+                                </p:cTn>
+                              </p:par>
+                              <p:par>
+                                <p:cTn id="26" presetID="10" presetClass="entr" presetSubtype="0" fill="hold" nodeType="withEffect">
+                                  <p:stCondLst>
+                                    <p:cond delay="0"/>
+                                  </p:stCondLst>
+                                  <p:childTnLst>
+                                    <p:set>
+                                      <p:cBhvr>
+                                        <p:cTn id="27" dur="1" fill="hold">
+                                          <p:stCondLst>
+                                            <p:cond delay="0"/>
+                                          </p:stCondLst>
+                                        </p:cTn>
+                                        <p:tgtEl>
+                                          <p:spTgt spid="3">
+                                            <p:txEl>
+                                              <p:pRg st="5" end="5"/>
+                                            </p:txEl>
+                                          </p:spTgt>
+                                        </p:tgtEl>
+                                        <p:attrNameLst>
+                                          <p:attrName>style.visibility</p:attrName>
+                                        </p:attrNameLst>
+                                      </p:cBhvr>
+                                      <p:to>
+                                        <p:strVal val="visible"/>
+                                      </p:to>
+                                    </p:set>
+                                    <p:animEffect transition="in" filter="fade">
+                                      <p:cBhvr>
+                                        <p:cTn id="28" dur="500"/>
+                                        <p:tgtEl>
+                                          <p:spTgt spid="3">
+                                            <p:txEl>
+                                              <p:pRg st="5" end="5"/>
                                             </p:txEl>
                                           </p:spTgt>
                                         </p:tgtEl>
@@ -14690,13 +15438,13 @@
   <p:clrMapOvr>
     <a:masterClrMapping/>
   </p:clrMapOvr>
-  <mc:AlternateContent xmlns:mc="http://schemas.openxmlformats.org/markup-compatibility/2006">
-    <mc:Choice xmlns:p14="http://schemas.microsoft.com/office/powerpoint/2010/main" Requires="p14">
+  <mc:AlternateContent xmlns:mc="http://schemas.openxmlformats.org/markup-compatibility/2006" xmlns:p14="http://schemas.microsoft.com/office/powerpoint/2010/main">
+    <mc:Choice Requires="p14">
       <p:transition spd="med" p14:dur="700">
         <p:fade/>
       </p:transition>
     </mc:Choice>
-    <mc:Fallback>
+    <mc:Fallback xmlns="">
       <p:transition spd="med">
         <p:fade/>
       </p:transition>
@@ -15985,13 +16733,13 @@
   <p:clrMapOvr>
     <a:masterClrMapping/>
   </p:clrMapOvr>
-  <mc:AlternateContent xmlns:mc="http://schemas.openxmlformats.org/markup-compatibility/2006">
-    <mc:Choice xmlns:p14="http://schemas.microsoft.com/office/powerpoint/2010/main" Requires="p14">
+  <mc:AlternateContent xmlns:mc="http://schemas.openxmlformats.org/markup-compatibility/2006" xmlns:p14="http://schemas.microsoft.com/office/powerpoint/2010/main">
+    <mc:Choice Requires="p14">
       <p:transition spd="med" p14:dur="700">
         <p:fade/>
       </p:transition>
     </mc:Choice>
-    <mc:Fallback>
+    <mc:Fallback xmlns="">
       <p:transition spd="med">
         <p:fade/>
       </p:transition>
@@ -16682,15 +17430,7 @@
           <a:p>
             <a:r>
               <a:rPr lang="en-US" dirty="0" smtClean="0"/>
-              <a:t>Based on </a:t>
-            </a:r>
-            <a:r>
-              <a:rPr lang="en-US" dirty="0" smtClean="0"/>
-              <a:t>association </a:t>
-            </a:r>
-            <a:r>
-              <a:rPr lang="en-US" dirty="0" smtClean="0"/>
-              <a:t>rules, can we build a practical change propensity model?</a:t>
+              <a:t>Based on association rules, can we build a practical change propensity model?</a:t>
             </a:r>
           </a:p>
           <a:p>
@@ -16701,15 +17441,7 @@
             </a:r>
             <a:r>
               <a:rPr lang="en-CA" dirty="0" smtClean="0"/>
-              <a:t>: Based on </a:t>
-            </a:r>
-            <a:r>
-              <a:rPr lang="en-CA" dirty="0" smtClean="0"/>
-              <a:t>association rules and historical data, </a:t>
-            </a:r>
-            <a:r>
-              <a:rPr lang="en-CA" dirty="0" smtClean="0"/>
-              <a:t>we can </a:t>
+              <a:t>: Based on association rules and historical data, we can </a:t>
             </a:r>
             <a:r>
               <a:rPr lang="en-CA" b="1" dirty="0" smtClean="0">
@@ -16746,44 +17478,7 @@
                   </a:innerShdw>
                 </a:effectLst>
               </a:rPr>
-              <a:t>predict which classes may also </a:t>
-            </a:r>
-            <a:r>
-              <a:rPr lang="en-CA" b="1" dirty="0" smtClean="0">
-                <a:ln w="1905"/>
-                <a:gradFill>
-                  <a:gsLst>
-                    <a:gs pos="0">
-                      <a:schemeClr val="accent6">
-                        <a:shade val="20000"/>
-                        <a:satMod val="200000"/>
-                      </a:schemeClr>
-                    </a:gs>
-                    <a:gs pos="78000">
-                      <a:schemeClr val="accent6">
-                        <a:tint val="90000"/>
-                        <a:shade val="89000"/>
-                        <a:satMod val="220000"/>
-                      </a:schemeClr>
-                    </a:gs>
-                    <a:gs pos="100000">
-                      <a:schemeClr val="accent6">
-                        <a:tint val="12000"/>
-                        <a:satMod val="255000"/>
-                      </a:schemeClr>
-                    </a:gs>
-                  </a:gsLst>
-                  <a:lin ang="5400000"/>
-                </a:gradFill>
-                <a:effectLst>
-                  <a:innerShdw blurRad="69850" dist="43180" dir="5400000">
-                    <a:srgbClr val="000000">
-                      <a:alpha val="65000"/>
-                    </a:srgbClr>
-                  </a:innerShdw>
-                </a:effectLst>
-              </a:rPr>
-              <a:t>change </a:t>
+              <a:t>predict which classes may also change </a:t>
             </a:r>
             <a:r>
               <a:rPr lang="en-CA" dirty="0"/>
@@ -16803,13 +17498,13 @@
   <p:clrMapOvr>
     <a:masterClrMapping/>
   </p:clrMapOvr>
-  <mc:AlternateContent xmlns:mc="http://schemas.openxmlformats.org/markup-compatibility/2006">
-    <mc:Choice xmlns:p14="http://schemas.microsoft.com/office/powerpoint/2010/main" Requires="p14">
+  <mc:AlternateContent xmlns:mc="http://schemas.openxmlformats.org/markup-compatibility/2006" xmlns:p14="http://schemas.microsoft.com/office/powerpoint/2010/main">
+    <mc:Choice Requires="p14">
       <p:transition spd="med" p14:dur="700">
         <p:fade/>
       </p:transition>
     </mc:Choice>
-    <mc:Fallback>
+    <mc:Fallback xmlns="">
       <p:transition spd="med">
         <p:fade/>
       </p:transition>
@@ -17129,13 +17824,13 @@
   <p:clrMapOvr>
     <a:masterClrMapping/>
   </p:clrMapOvr>
-  <mc:AlternateContent xmlns:mc="http://schemas.openxmlformats.org/markup-compatibility/2006">
-    <mc:Choice xmlns:p14="http://schemas.microsoft.com/office/powerpoint/2010/main" Requires="p14">
+  <mc:AlternateContent xmlns:mc="http://schemas.openxmlformats.org/markup-compatibility/2006" xmlns:p14="http://schemas.microsoft.com/office/powerpoint/2010/main">
+    <mc:Choice Requires="p14">
       <p:transition spd="med" p14:dur="700">
         <p:fade/>
       </p:transition>
     </mc:Choice>
-    <mc:Fallback>
+    <mc:Fallback xmlns="">
       <p:transition spd="med">
         <p:fade/>
       </p:transition>
@@ -17517,13 +18212,13 @@
   <p:clrMapOvr>
     <a:masterClrMapping/>
   </p:clrMapOvr>
-  <mc:AlternateContent xmlns:mc="http://schemas.openxmlformats.org/markup-compatibility/2006">
-    <mc:Choice xmlns:p14="http://schemas.microsoft.com/office/powerpoint/2010/main" Requires="p14">
+  <mc:AlternateContent xmlns:mc="http://schemas.openxmlformats.org/markup-compatibility/2006" xmlns:p14="http://schemas.microsoft.com/office/powerpoint/2010/main">
+    <mc:Choice Requires="p14">
       <p:transition spd="med" p14:dur="700">
         <p:fade/>
       </p:transition>
     </mc:Choice>
-    <mc:Fallback>
+    <mc:Fallback xmlns="">
       <p:transition spd="med">
         <p:fade/>
       </p:transition>
@@ -18179,13 +18874,13 @@
   <p:clrMapOvr>
     <a:masterClrMapping/>
   </p:clrMapOvr>
-  <mc:AlternateContent xmlns:mc="http://schemas.openxmlformats.org/markup-compatibility/2006">
-    <mc:Choice xmlns:p14="http://schemas.microsoft.com/office/powerpoint/2010/main" Requires="p14">
+  <mc:AlternateContent xmlns:mc="http://schemas.openxmlformats.org/markup-compatibility/2006" xmlns:p14="http://schemas.microsoft.com/office/powerpoint/2010/main">
+    <mc:Choice Requires="p14">
       <p:transition spd="med" p14:dur="700">
         <p:fade/>
       </p:transition>
     </mc:Choice>
-    <mc:Fallback>
+    <mc:Fallback xmlns="">
       <p:transition spd="med">
         <p:fade/>
       </p:transition>
@@ -18655,21 +19350,21 @@
           </a:p>
           <a:p>
             <a:r>
-              <a:rPr lang="en-CA" dirty="0" smtClean="0"/>
+              <a:rPr lang="en-CA" i="1" dirty="0" smtClean="0"/>
               <a:t>System Metrics (MOOD):</a:t>
             </a:r>
           </a:p>
           <a:p>
             <a:pPr lvl="1"/>
             <a:r>
-              <a:rPr lang="en-CA" dirty="0" smtClean="0"/>
+              <a:rPr lang="en-CA" i="1" dirty="0" smtClean="0"/>
               <a:t>MHF</a:t>
             </a:r>
           </a:p>
           <a:p>
             <a:pPr lvl="1"/>
             <a:r>
-              <a:rPr lang="en-CA" dirty="0" smtClean="0"/>
+              <a:rPr lang="en-CA" i="1" dirty="0" smtClean="0"/>
               <a:t>AHF</a:t>
             </a:r>
           </a:p>
@@ -18751,13 +19446,13 @@
   <p:clrMapOvr>
     <a:masterClrMapping/>
   </p:clrMapOvr>
-  <mc:AlternateContent xmlns:mc="http://schemas.openxmlformats.org/markup-compatibility/2006">
-    <mc:Choice xmlns:p14="http://schemas.microsoft.com/office/powerpoint/2010/main" Requires="p14">
+  <mc:AlternateContent xmlns:mc="http://schemas.openxmlformats.org/markup-compatibility/2006" xmlns:p14="http://schemas.microsoft.com/office/powerpoint/2010/main">
+    <mc:Choice Requires="p14">
       <p:transition spd="med" p14:dur="700">
         <p:fade/>
       </p:transition>
     </mc:Choice>
-    <mc:Fallback>
+    <mc:Fallback xmlns="">
       <p:transition spd="med">
         <p:fade/>
       </p:transition>

--- a/milestones/Group_Presentation_Volatility_Amish.pptx
+++ b/milestones/Group_Presentation_Volatility_Amish.pptx
@@ -212,7 +212,7 @@
           <a:p>
             <a:fld id="{3306547B-373B-42F2-9B6A-41DAAAD10A9A}" type="datetimeFigureOut">
               <a:rPr lang="en-US" smtClean="0"/>
-              <a:t>4/10/2014</a:t>
+              <a:t>11/04/14</a:t>
             </a:fld>
             <a:endParaRPr lang="en-US"/>
           </a:p>
@@ -1179,19 +1179,7 @@
           <a:p>
             <a:r>
               <a:rPr lang="en-CA" baseline="0" dirty="0" smtClean="0"/>
-              <a:t>Bring back our main point: we’re </a:t>
-            </a:r>
-            <a:r>
-              <a:rPr lang="en-CA" baseline="0" dirty="0" smtClean="0"/>
-              <a:t>investigating </a:t>
-            </a:r>
-            <a:r>
-              <a:rPr lang="en-CA" baseline="0" dirty="0" smtClean="0"/>
-              <a:t>whether higher volatility code exhibits lower quality </a:t>
-            </a:r>
-            <a:r>
-              <a:rPr lang="en-CA" baseline="0" dirty="0" smtClean="0"/>
-              <a:t>metrics</a:t>
+              <a:t>Bring back our main point: we’re investigating whether higher volatility code exhibits lower quality metrics</a:t>
             </a:r>
           </a:p>
           <a:p>
@@ -2068,7 +2056,7 @@
           <a:p>
             <a:fld id="{0FAA2E9A-8599-42EB-A43E-9B024D98E334}" type="datetimeFigureOut">
               <a:rPr lang="en-US" smtClean="0"/>
-              <a:t>4/10/2014</a:t>
+              <a:t>11/04/14</a:t>
             </a:fld>
             <a:endParaRPr lang="en-US"/>
           </a:p>
@@ -2238,7 +2226,7 @@
           <a:p>
             <a:fld id="{0FAA2E9A-8599-42EB-A43E-9B024D98E334}" type="datetimeFigureOut">
               <a:rPr lang="en-US" smtClean="0"/>
-              <a:t>4/10/2014</a:t>
+              <a:t>11/04/14</a:t>
             </a:fld>
             <a:endParaRPr lang="en-US"/>
           </a:p>
@@ -2418,7 +2406,7 @@
           <a:p>
             <a:fld id="{0FAA2E9A-8599-42EB-A43E-9B024D98E334}" type="datetimeFigureOut">
               <a:rPr lang="en-US" smtClean="0"/>
-              <a:t>4/10/2014</a:t>
+              <a:t>11/04/14</a:t>
             </a:fld>
             <a:endParaRPr lang="en-US"/>
           </a:p>
@@ -2588,7 +2576,7 @@
           <a:p>
             <a:fld id="{0FAA2E9A-8599-42EB-A43E-9B024D98E334}" type="datetimeFigureOut">
               <a:rPr lang="en-US" smtClean="0"/>
-              <a:t>4/10/2014</a:t>
+              <a:t>11/04/14</a:t>
             </a:fld>
             <a:endParaRPr lang="en-US"/>
           </a:p>
@@ -2834,7 +2822,7 @@
           <a:p>
             <a:fld id="{0FAA2E9A-8599-42EB-A43E-9B024D98E334}" type="datetimeFigureOut">
               <a:rPr lang="en-US" smtClean="0"/>
-              <a:t>4/10/2014</a:t>
+              <a:t>11/04/14</a:t>
             </a:fld>
             <a:endParaRPr lang="en-US"/>
           </a:p>
@@ -3122,7 +3110,7 @@
           <a:p>
             <a:fld id="{0FAA2E9A-8599-42EB-A43E-9B024D98E334}" type="datetimeFigureOut">
               <a:rPr lang="en-US" smtClean="0"/>
-              <a:t>4/10/2014</a:t>
+              <a:t>11/04/14</a:t>
             </a:fld>
             <a:endParaRPr lang="en-US"/>
           </a:p>
@@ -3544,7 +3532,7 @@
           <a:p>
             <a:fld id="{0FAA2E9A-8599-42EB-A43E-9B024D98E334}" type="datetimeFigureOut">
               <a:rPr lang="en-US" smtClean="0"/>
-              <a:t>4/10/2014</a:t>
+              <a:t>11/04/14</a:t>
             </a:fld>
             <a:endParaRPr lang="en-US"/>
           </a:p>
@@ -3662,7 +3650,7 @@
           <a:p>
             <a:fld id="{0FAA2E9A-8599-42EB-A43E-9B024D98E334}" type="datetimeFigureOut">
               <a:rPr lang="en-US" smtClean="0"/>
-              <a:t>4/10/2014</a:t>
+              <a:t>11/04/14</a:t>
             </a:fld>
             <a:endParaRPr lang="en-US"/>
           </a:p>
@@ -3757,7 +3745,7 @@
           <a:p>
             <a:fld id="{0FAA2E9A-8599-42EB-A43E-9B024D98E334}" type="datetimeFigureOut">
               <a:rPr lang="en-US" smtClean="0"/>
-              <a:t>4/10/2014</a:t>
+              <a:t>11/04/14</a:t>
             </a:fld>
             <a:endParaRPr lang="en-US"/>
           </a:p>
@@ -4034,7 +4022,7 @@
           <a:p>
             <a:fld id="{0FAA2E9A-8599-42EB-A43E-9B024D98E334}" type="datetimeFigureOut">
               <a:rPr lang="en-US" smtClean="0"/>
-              <a:t>4/10/2014</a:t>
+              <a:t>11/04/14</a:t>
             </a:fld>
             <a:endParaRPr lang="en-US"/>
           </a:p>
@@ -4287,7 +4275,7 @@
           <a:p>
             <a:fld id="{0FAA2E9A-8599-42EB-A43E-9B024D98E334}" type="datetimeFigureOut">
               <a:rPr lang="en-US" smtClean="0"/>
-              <a:t>4/10/2014</a:t>
+              <a:t>11/04/14</a:t>
             </a:fld>
             <a:endParaRPr lang="en-US"/>
           </a:p>
@@ -4500,7 +4488,7 @@
           <a:p>
             <a:fld id="{0FAA2E9A-8599-42EB-A43E-9B024D98E334}" type="datetimeFigureOut">
               <a:rPr lang="en-US" smtClean="0"/>
-              <a:t>4/10/2014</a:t>
+              <a:t>11/04/14</a:t>
             </a:fld>
             <a:endParaRPr lang="en-US"/>
           </a:p>
@@ -4992,7 +4980,7 @@
   <p:timing>
     <p:tnLst>
       <p:par>
-        <p:cTn id="1" dur="indefinite" restart="never" nodeType="tmRoot"/>
+        <p:cTn xmlns:p14="http://schemas.microsoft.com/office/powerpoint/2010/main" id="1" dur="indefinite" restart="never" nodeType="tmRoot"/>
       </p:par>
     </p:tnLst>
   </p:timing>
@@ -5279,7 +5267,7 @@
   <p:timing>
     <p:tnLst>
       <p:par>
-        <p:cTn id="1" dur="indefinite" restart="never" nodeType="tmRoot">
+        <p:cTn xmlns:p14="http://schemas.microsoft.com/office/powerpoint/2010/main" id="1" dur="indefinite" restart="never" nodeType="tmRoot">
           <p:childTnLst>
             <p:seq concurrent="1" nextAc="seek">
               <p:cTn id="2" dur="indefinite" nodeType="mainSeq">
@@ -5888,7 +5876,7 @@
   <p:timing>
     <p:tnLst>
       <p:par>
-        <p:cTn id="1" dur="indefinite" restart="never" nodeType="tmRoot">
+        <p:cTn xmlns:p14="http://schemas.microsoft.com/office/powerpoint/2010/main" id="1" dur="indefinite" restart="never" nodeType="tmRoot">
           <p:childTnLst>
             <p:seq concurrent="1" nextAc="seek">
               <p:cTn id="2" dur="indefinite" nodeType="mainSeq">
@@ -6406,7 +6394,7 @@
   <p:timing>
     <p:tnLst>
       <p:par>
-        <p:cTn id="1" dur="indefinite" restart="never" nodeType="tmRoot">
+        <p:cTn xmlns:p14="http://schemas.microsoft.com/office/powerpoint/2010/main" id="1" dur="indefinite" restart="never" nodeType="tmRoot">
           <p:childTnLst>
             <p:seq concurrent="1" nextAc="seek">
               <p:cTn id="2" dur="indefinite" nodeType="mainSeq">
@@ -6893,7 +6881,7 @@
   <p:timing>
     <p:tnLst>
       <p:par>
-        <p:cTn id="1" dur="indefinite" restart="never" nodeType="tmRoot">
+        <p:cTn xmlns:p14="http://schemas.microsoft.com/office/powerpoint/2010/main" id="1" dur="indefinite" restart="never" nodeType="tmRoot">
           <p:childTnLst>
             <p:seq concurrent="1" nextAc="seek">
               <p:cTn id="2" dur="indefinite" nodeType="mainSeq">
@@ -7220,7 +7208,7 @@
   <p:timing>
     <p:tnLst>
       <p:par>
-        <p:cTn id="1" dur="indefinite" restart="never" nodeType="tmRoot"/>
+        <p:cTn xmlns:p14="http://schemas.microsoft.com/office/powerpoint/2010/main" id="1" dur="indefinite" restart="never" nodeType="tmRoot"/>
       </p:par>
     </p:tnLst>
   </p:timing>
@@ -7904,7 +7892,7 @@
   <p:timing>
     <p:tnLst>
       <p:par>
-        <p:cTn id="1" dur="indefinite" restart="never" nodeType="tmRoot">
+        <p:cTn xmlns:p14="http://schemas.microsoft.com/office/powerpoint/2010/main" id="1" dur="indefinite" restart="never" nodeType="tmRoot">
           <p:childTnLst>
             <p:seq concurrent="1" nextAc="seek">
               <p:cTn id="2" dur="indefinite" nodeType="mainSeq">
@@ -8500,7 +8488,26 @@
           <a:p>
             <a:r>
               <a:rPr lang="en-CA" dirty="0" smtClean="0"/>
-              <a:t>Results: Pearson Linear Regression -  Correlation between Metrics</a:t>
+              <a:t>Results: </a:t>
+            </a:r>
+            <a:r>
+              <a:rPr lang="en-CA" smtClean="0"/>
+              <a:t>Pearson </a:t>
+            </a:r>
+            <a:r>
+              <a:rPr lang="en-CA" smtClean="0"/>
+              <a:t>Correlation </a:t>
+            </a:r>
+            <a:br>
+              <a:rPr lang="en-CA" smtClean="0"/>
+            </a:br>
+            <a:r>
+              <a:rPr lang="en-CA" smtClean="0"/>
+              <a:t>between </a:t>
+            </a:r>
+            <a:r>
+              <a:rPr lang="en-CA" dirty="0" smtClean="0"/>
+              <a:t>Metrics</a:t>
             </a:r>
             <a:endParaRPr lang="en-US" dirty="0"/>
           </a:p>
@@ -12212,7 +12219,7 @@
   <p:timing>
     <p:tnLst>
       <p:par>
-        <p:cTn id="1" dur="indefinite" restart="never" nodeType="tmRoot"/>
+        <p:cTn xmlns:p14="http://schemas.microsoft.com/office/powerpoint/2010/main" id="1" dur="indefinite" restart="never" nodeType="tmRoot"/>
       </p:par>
     </p:tnLst>
   </p:timing>
@@ -12402,7 +12409,7 @@
   <p:timing>
     <p:tnLst>
       <p:par>
-        <p:cTn id="1" dur="indefinite" restart="never" nodeType="tmRoot">
+        <p:cTn xmlns:p14="http://schemas.microsoft.com/office/powerpoint/2010/main" id="1" dur="indefinite" restart="never" nodeType="tmRoot">
           <p:childTnLst>
             <p:seq concurrent="1" nextAc="seek">
               <p:cTn id="2" dur="indefinite" nodeType="mainSeq">
@@ -12821,14 +12828,14 @@
             </a:outerShdw>
           </a:effectLst>
           <a:extLst>
-            <a:ext uri="{909E8E84-426E-40DD-AFC4-6F175D3DCCD1}">
+            <a:ext uri="{909E8E84-426E-40dd-AFC4-6F175D3DCCD1}">
               <a14:hiddenFill xmlns:a14="http://schemas.microsoft.com/office/drawing/2010/main">
                 <a:solidFill>
                   <a:schemeClr val="accent1"/>
                 </a:solidFill>
               </a14:hiddenFill>
             </a:ext>
-            <a:ext uri="{91240B29-F687-4F45-9708-019B960494DF}">
+            <a:ext uri="{91240B29-F687-4f45-9708-019B960494DF}">
               <a14:hiddenLine xmlns:a14="http://schemas.microsoft.com/office/drawing/2010/main" w="9525">
                 <a:solidFill>
                   <a:schemeClr val="tx1"/>
@@ -12866,7 +12873,7 @@
   <p:timing>
     <p:tnLst>
       <p:par>
-        <p:cTn id="1" dur="indefinite" restart="never" nodeType="tmRoot">
+        <p:cTn xmlns:p14="http://schemas.microsoft.com/office/powerpoint/2010/main" id="1" dur="indefinite" restart="never" nodeType="tmRoot">
           <p:childTnLst>
             <p:seq concurrent="1" nextAc="seek">
               <p:cTn id="2" dur="indefinite" nodeType="mainSeq">
@@ -13267,7 +13274,7 @@
   <p:timing>
     <p:tnLst>
       <p:par>
-        <p:cTn id="1" dur="indefinite" restart="never" nodeType="tmRoot">
+        <p:cTn xmlns:p14="http://schemas.microsoft.com/office/powerpoint/2010/main" id="1" dur="indefinite" restart="never" nodeType="tmRoot">
           <p:childTnLst>
             <p:seq concurrent="1" nextAc="seek">
               <p:cTn id="2" dur="indefinite" nodeType="mainSeq">
@@ -13824,7 +13831,7 @@
   <p:timing>
     <p:tnLst>
       <p:par>
-        <p:cTn id="1" dur="indefinite" restart="never" nodeType="tmRoot"/>
+        <p:cTn xmlns:p14="http://schemas.microsoft.com/office/powerpoint/2010/main" id="1" dur="indefinite" restart="never" nodeType="tmRoot"/>
       </p:par>
     </p:tnLst>
   </p:timing>
@@ -13956,7 +13963,7 @@
   <p:timing>
     <p:tnLst>
       <p:par>
-        <p:cTn id="1" dur="indefinite" restart="never" nodeType="tmRoot"/>
+        <p:cTn xmlns:p14="http://schemas.microsoft.com/office/powerpoint/2010/main" id="1" dur="indefinite" restart="never" nodeType="tmRoot"/>
       </p:par>
     </p:tnLst>
   </p:timing>
@@ -14191,7 +14198,7 @@
   <p:timing>
     <p:tnLst>
       <p:par>
-        <p:cTn id="1" dur="indefinite" restart="never" nodeType="tmRoot">
+        <p:cTn xmlns:p14="http://schemas.microsoft.com/office/powerpoint/2010/main" id="1" dur="indefinite" restart="never" nodeType="tmRoot">
           <p:childTnLst>
             <p:seq concurrent="1" nextAc="seek">
               <p:cTn id="2" dur="indefinite" nodeType="mainSeq">
@@ -15453,7 +15460,7 @@
   <p:timing>
     <p:tnLst>
       <p:par>
-        <p:cTn id="1" dur="indefinite" restart="never" nodeType="tmRoot">
+        <p:cTn xmlns:p14="http://schemas.microsoft.com/office/powerpoint/2010/main" id="1" dur="indefinite" restart="never" nodeType="tmRoot">
           <p:childTnLst>
             <p:seq concurrent="1" nextAc="seek">
               <p:cTn id="2" dur="indefinite" nodeType="mainSeq">
@@ -16748,7 +16755,7 @@
   <p:timing>
     <p:tnLst>
       <p:par>
-        <p:cTn id="1" dur="indefinite" restart="never" nodeType="tmRoot">
+        <p:cTn xmlns:p14="http://schemas.microsoft.com/office/powerpoint/2010/main" id="1" dur="indefinite" restart="never" nodeType="tmRoot">
           <p:childTnLst>
             <p:seq concurrent="1" nextAc="seek">
               <p:cTn id="2" dur="indefinite" nodeType="mainSeq">
@@ -17513,7 +17520,7 @@
   <p:timing>
     <p:tnLst>
       <p:par>
-        <p:cTn id="1" dur="indefinite" restart="never" nodeType="tmRoot">
+        <p:cTn xmlns:p14="http://schemas.microsoft.com/office/powerpoint/2010/main" id="1" dur="indefinite" restart="never" nodeType="tmRoot">
           <p:childTnLst>
             <p:seq concurrent="1" nextAc="seek">
               <p:cTn id="2" dur="indefinite" nodeType="mainSeq">
@@ -17839,7 +17846,7 @@
   <p:timing>
     <p:tnLst>
       <p:par>
-        <p:cTn id="1" dur="indefinite" restart="never" nodeType="tmRoot"/>
+        <p:cTn xmlns:p14="http://schemas.microsoft.com/office/powerpoint/2010/main" id="1" dur="indefinite" restart="never" nodeType="tmRoot"/>
       </p:par>
     </p:tnLst>
   </p:timing>
@@ -18002,14 +18009,14 @@
             </a:outerShdw>
           </a:effectLst>
           <a:extLst>
-            <a:ext uri="{909E8E84-426E-40DD-AFC4-6F175D3DCCD1}">
+            <a:ext uri="{909E8E84-426E-40dd-AFC4-6F175D3DCCD1}">
               <a14:hiddenFill xmlns:a14="http://schemas.microsoft.com/office/drawing/2010/main">
                 <a:solidFill>
                   <a:schemeClr val="accent1"/>
                 </a:solidFill>
               </a14:hiddenFill>
             </a:ext>
-            <a:ext uri="{91240B29-F687-4F45-9708-019B960494DF}">
+            <a:ext uri="{91240B29-F687-4f45-9708-019B960494DF}">
               <a14:hiddenLine xmlns:a14="http://schemas.microsoft.com/office/drawing/2010/main" w="9525">
                 <a:solidFill>
                   <a:schemeClr val="tx1"/>
@@ -18227,7 +18234,7 @@
   <p:timing>
     <p:tnLst>
       <p:par>
-        <p:cTn id="1" dur="indefinite" restart="never" nodeType="tmRoot">
+        <p:cTn xmlns:p14="http://schemas.microsoft.com/office/powerpoint/2010/main" id="1" dur="indefinite" restart="never" nodeType="tmRoot">
           <p:childTnLst>
             <p:seq concurrent="1" nextAc="seek">
               <p:cTn id="2" dur="indefinite" nodeType="mainSeq">
@@ -18726,14 +18733,14 @@
             <a:noFill/>
           </a:ln>
           <a:extLst>
-            <a:ext uri="{909E8E84-426E-40DD-AFC4-6F175D3DCCD1}">
+            <a:ext uri="{909E8E84-426E-40dd-AFC4-6F175D3DCCD1}">
               <a14:hiddenFill xmlns:a14="http://schemas.microsoft.com/office/drawing/2010/main">
                 <a:solidFill>
                   <a:schemeClr val="accent1"/>
                 </a:solidFill>
               </a14:hiddenFill>
             </a:ext>
-            <a:ext uri="{91240B29-F687-4F45-9708-019B960494DF}">
+            <a:ext uri="{91240B29-F687-4f45-9708-019B960494DF}">
               <a14:hiddenLine xmlns:a14="http://schemas.microsoft.com/office/drawing/2010/main" w="9525">
                 <a:solidFill>
                   <a:schemeClr val="tx1"/>
@@ -18889,7 +18896,7 @@
   <p:timing>
     <p:tnLst>
       <p:par>
-        <p:cTn id="1" dur="indefinite" restart="never" nodeType="tmRoot">
+        <p:cTn xmlns:p14="http://schemas.microsoft.com/office/powerpoint/2010/main" id="1" dur="indefinite" restart="never" nodeType="tmRoot">
           <p:childTnLst>
             <p:seq concurrent="1" nextAc="seek">
               <p:cTn id="2" dur="indefinite" nodeType="mainSeq">
@@ -19416,14 +19423,14 @@
             </a:outerShdw>
           </a:effectLst>
           <a:extLst>
-            <a:ext uri="{909E8E84-426E-40DD-AFC4-6F175D3DCCD1}">
+            <a:ext uri="{909E8E84-426E-40dd-AFC4-6F175D3DCCD1}">
               <a14:hiddenFill xmlns:a14="http://schemas.microsoft.com/office/drawing/2010/main">
                 <a:solidFill>
                   <a:schemeClr val="accent1"/>
                 </a:solidFill>
               </a14:hiddenFill>
             </a:ext>
-            <a:ext uri="{91240B29-F687-4F45-9708-019B960494DF}">
+            <a:ext uri="{91240B29-F687-4f45-9708-019B960494DF}">
               <a14:hiddenLine xmlns:a14="http://schemas.microsoft.com/office/drawing/2010/main" w="9525">
                 <a:solidFill>
                   <a:schemeClr val="tx1"/>
@@ -19461,7 +19468,7 @@
   <p:timing>
     <p:tnLst>
       <p:par>
-        <p:cTn id="1" dur="indefinite" restart="never" nodeType="tmRoot"/>
+        <p:cTn xmlns:p14="http://schemas.microsoft.com/office/powerpoint/2010/main" id="1" dur="indefinite" restart="never" nodeType="tmRoot"/>
       </p:par>
     </p:tnLst>
   </p:timing>
